--- a/Second Semester/Applied Machine Learning/Notes/Unit -4 Model Evaluation and Selection.pptx
+++ b/Second Semester/Applied Machine Learning/Notes/Unit -4 Model Evaluation and Selection.pptx
@@ -1,50 +1,50 @@
 
 <file path=ppt/presentation.xml><?xml version="1.0" encoding="utf-8"?>
-<p:presentation xmlns:a="http://schemas.openxmlformats.org/drawingml/2006/main" xmlns:r="http://schemas.openxmlformats.org/officeDocument/2006/relationships" xmlns:p="http://schemas.openxmlformats.org/presentationml/2006/main" saveSubsetFonts="1">
+<p:presentation xmlns:a="http://schemas.openxmlformats.org/drawingml/2006/main" xmlns:r="http://schemas.openxmlformats.org/officeDocument/2006/relationships" xmlns:p="http://schemas.openxmlformats.org/presentationml/2006/main">
   <p:sldMasterIdLst>
     <p:sldMasterId id="2147483648" r:id="rId1"/>
   </p:sldMasterIdLst>
   <p:notesMasterIdLst>
-    <p:notesMasterId r:id="rId39"/>
+    <p:notesMasterId r:id="rId4"/>
   </p:notesMasterIdLst>
   <p:sldIdLst>
-    <p:sldId id="256" r:id="rId2"/>
-    <p:sldId id="257" r:id="rId3"/>
-    <p:sldId id="258" r:id="rId4"/>
-    <p:sldId id="259" r:id="rId5"/>
-    <p:sldId id="278" r:id="rId6"/>
-    <p:sldId id="280" r:id="rId7"/>
-    <p:sldId id="260" r:id="rId8"/>
-    <p:sldId id="261" r:id="rId9"/>
-    <p:sldId id="262" r:id="rId10"/>
-    <p:sldId id="263" r:id="rId11"/>
-    <p:sldId id="264" r:id="rId12"/>
-    <p:sldId id="265" r:id="rId13"/>
-    <p:sldId id="266" r:id="rId14"/>
-    <p:sldId id="267" r:id="rId15"/>
-    <p:sldId id="268" r:id="rId16"/>
-    <p:sldId id="269" r:id="rId17"/>
-    <p:sldId id="270" r:id="rId18"/>
-    <p:sldId id="271" r:id="rId19"/>
-    <p:sldId id="272" r:id="rId20"/>
-    <p:sldId id="273" r:id="rId21"/>
-    <p:sldId id="274" r:id="rId22"/>
-    <p:sldId id="275" r:id="rId23"/>
-    <p:sldId id="276" r:id="rId24"/>
-    <p:sldId id="277" r:id="rId25"/>
-    <p:sldId id="281" r:id="rId26"/>
-    <p:sldId id="282" r:id="rId27"/>
-    <p:sldId id="283" r:id="rId28"/>
-    <p:sldId id="284" r:id="rId29"/>
-    <p:sldId id="285" r:id="rId30"/>
-    <p:sldId id="286" r:id="rId31"/>
-    <p:sldId id="287" r:id="rId32"/>
-    <p:sldId id="288" r:id="rId33"/>
-    <p:sldId id="289" r:id="rId34"/>
-    <p:sldId id="290" r:id="rId35"/>
-    <p:sldId id="291" r:id="rId36"/>
-    <p:sldId id="292" r:id="rId37"/>
-    <p:sldId id="293" r:id="rId38"/>
+    <p:sldId id="256" r:id="rId3"/>
+    <p:sldId id="257" r:id="rId5"/>
+    <p:sldId id="258" r:id="rId6"/>
+    <p:sldId id="259" r:id="rId7"/>
+    <p:sldId id="278" r:id="rId8"/>
+    <p:sldId id="280" r:id="rId9"/>
+    <p:sldId id="260" r:id="rId10"/>
+    <p:sldId id="261" r:id="rId11"/>
+    <p:sldId id="262" r:id="rId12"/>
+    <p:sldId id="263" r:id="rId13"/>
+    <p:sldId id="264" r:id="rId14"/>
+    <p:sldId id="265" r:id="rId15"/>
+    <p:sldId id="266" r:id="rId16"/>
+    <p:sldId id="267" r:id="rId17"/>
+    <p:sldId id="268" r:id="rId18"/>
+    <p:sldId id="269" r:id="rId19"/>
+    <p:sldId id="270" r:id="rId20"/>
+    <p:sldId id="271" r:id="rId21"/>
+    <p:sldId id="272" r:id="rId22"/>
+    <p:sldId id="273" r:id="rId23"/>
+    <p:sldId id="274" r:id="rId24"/>
+    <p:sldId id="275" r:id="rId25"/>
+    <p:sldId id="276" r:id="rId26"/>
+    <p:sldId id="277" r:id="rId27"/>
+    <p:sldId id="281" r:id="rId28"/>
+    <p:sldId id="282" r:id="rId29"/>
+    <p:sldId id="283" r:id="rId30"/>
+    <p:sldId id="284" r:id="rId31"/>
+    <p:sldId id="285" r:id="rId32"/>
+    <p:sldId id="286" r:id="rId33"/>
+    <p:sldId id="287" r:id="rId34"/>
+    <p:sldId id="288" r:id="rId35"/>
+    <p:sldId id="289" r:id="rId36"/>
+    <p:sldId id="290" r:id="rId37"/>
+    <p:sldId id="291" r:id="rId38"/>
+    <p:sldId id="292" r:id="rId39"/>
+    <p:sldId id="293" r:id="rId40"/>
   </p:sldIdLst>
   <p:sldSz cx="9144000" cy="6858000" type="screen4x3"/>
   <p:notesSz cx="6858000" cy="9144000"/>
@@ -143,22 +143,6 @@
       </a:defRPr>
     </a:lvl9pPr>
   </p:defaultTextStyle>
-  <p:extLst>
-    <p:ext uri="{EFAFB233-063F-42B5-8137-9DF3F51BA10A}">
-      <p15:sldGuideLst xmlns:p15="http://schemas.microsoft.com/office/powerpoint/2012/main">
-        <p15:guide id="1" orient="horz" pos="2160">
-          <p15:clr>
-            <a:srgbClr val="A4A3A4"/>
-          </p15:clr>
-        </p15:guide>
-        <p15:guide id="2" pos="2880">
-          <p15:clr>
-            <a:srgbClr val="A4A3A4"/>
-          </p15:clr>
-        </p15:guide>
-      </p15:sldGuideLst>
-    </p:ext>
-  </p:extLst>
 </p:presentation>
 </file>
 
@@ -244,8 +228,6 @@
           <a:p>
             <a:fld id="{226EBE57-06B5-493A-882E-E27946C0749C}" type="datetimeFigureOut">
               <a:rPr lang="en-US" smtClean="0"/>
-              <a:pPr/>
-              <a:t>6/23/2022</a:t>
             </a:fld>
             <a:endParaRPr lang="en-US"/>
           </a:p>
@@ -314,6 +296,7 @@
               <a:rPr lang="en-US" smtClean="0"/>
               <a:t>Click to edit Master text styles</a:t>
             </a:r>
+            <a:endParaRPr lang="en-US" smtClean="0"/>
           </a:p>
           <a:p>
             <a:pPr lvl="1"/>
@@ -321,6 +304,7 @@
               <a:rPr lang="en-US" smtClean="0"/>
               <a:t>Second level</a:t>
             </a:r>
+            <a:endParaRPr lang="en-US" smtClean="0"/>
           </a:p>
           <a:p>
             <a:pPr lvl="2"/>
@@ -328,6 +312,7 @@
               <a:rPr lang="en-US" smtClean="0"/>
               <a:t>Third level</a:t>
             </a:r>
+            <a:endParaRPr lang="en-US" smtClean="0"/>
           </a:p>
           <a:p>
             <a:pPr lvl="3"/>
@@ -335,6 +320,7 @@
               <a:rPr lang="en-US" smtClean="0"/>
               <a:t>Fourth level</a:t>
             </a:r>
+            <a:endParaRPr lang="en-US" smtClean="0"/>
           </a:p>
           <a:p>
             <a:pPr lvl="4"/>
@@ -406,19 +392,12 @@
           <a:p>
             <a:fld id="{4BDCAABD-430D-4558-B9E1-99DC9A11099F}" type="slidenum">
               <a:rPr lang="en-US" smtClean="0"/>
-              <a:pPr/>
-              <a:t>‹#›</a:t>
             </a:fld>
             <a:endParaRPr lang="en-US"/>
           </a:p>
         </p:txBody>
       </p:sp>
     </p:spTree>
-    <p:extLst>
-      <p:ext uri="{BB962C8B-B14F-4D97-AF65-F5344CB8AC3E}">
-        <p14:creationId xmlns:p14="http://schemas.microsoft.com/office/powerpoint/2010/main" val="1958649008"/>
-      </p:ext>
-    </p:extLst>
   </p:cSld>
   <p:clrMap bg1="lt1" tx1="dk1" bg2="lt2" tx2="dk2" accent1="accent1" accent2="accent2" accent3="accent3" accent4="accent4" accent5="accent5" accent6="accent6" hlink="hlink" folHlink="folHlink"/>
   <p:notesStyle>
@@ -581,19 +560,12 @@
           <a:p>
             <a:fld id="{4BDCAABD-430D-4558-B9E1-99DC9A11099F}" type="slidenum">
               <a:rPr lang="en-US" smtClean="0"/>
-              <a:pPr/>
-              <a:t>1</a:t>
             </a:fld>
             <a:endParaRPr lang="en-US"/>
           </a:p>
         </p:txBody>
       </p:sp>
     </p:spTree>
-    <p:extLst>
-      <p:ext uri="{BB962C8B-B14F-4D97-AF65-F5344CB8AC3E}">
-        <p14:creationId xmlns:p14="http://schemas.microsoft.com/office/powerpoint/2010/main" val="212104177"/>
-      </p:ext>
-    </p:extLst>
   </p:cSld>
   <p:clrMapOvr>
     <a:masterClrMapping/>
@@ -666,19 +638,12 @@
           <a:p>
             <a:fld id="{4BDCAABD-430D-4558-B9E1-99DC9A11099F}" type="slidenum">
               <a:rPr lang="en-US" smtClean="0"/>
-              <a:pPr/>
-              <a:t>15</a:t>
             </a:fld>
             <a:endParaRPr lang="en-US"/>
           </a:p>
         </p:txBody>
       </p:sp>
     </p:spTree>
-    <p:extLst>
-      <p:ext uri="{BB962C8B-B14F-4D97-AF65-F5344CB8AC3E}">
-        <p14:creationId xmlns:p14="http://schemas.microsoft.com/office/powerpoint/2010/main" val="1072852195"/>
-      </p:ext>
-    </p:extLst>
   </p:cSld>
   <p:clrMapOvr>
     <a:masterClrMapping/>
@@ -867,7 +832,6 @@
           <a:p>
             <a:fld id="{527F8CD2-0495-4A36-9895-729C9CA7266F}" type="datetime1">
               <a:rPr lang="en-US" smtClean="0"/>
-              <a:t>6/23/2022</a:t>
             </a:fld>
             <a:endParaRPr lang="en-US"/>
           </a:p>
@@ -913,8 +877,6 @@
           <a:p>
             <a:fld id="{3F22444B-AD59-459C-8316-D24326876BE4}" type="slidenum">
               <a:rPr lang="en-US" smtClean="0"/>
-              <a:pPr/>
-              <a:t>‹#›</a:t>
             </a:fld>
             <a:endParaRPr lang="en-US"/>
           </a:p>
@@ -989,6 +951,7 @@
               <a:rPr lang="en-US" smtClean="0"/>
               <a:t>Click to edit Master text styles</a:t>
             </a:r>
+            <a:endParaRPr lang="en-US" smtClean="0"/>
           </a:p>
           <a:p>
             <a:pPr lvl="1"/>
@@ -996,6 +959,7 @@
               <a:rPr lang="en-US" smtClean="0"/>
               <a:t>Second level</a:t>
             </a:r>
+            <a:endParaRPr lang="en-US" smtClean="0"/>
           </a:p>
           <a:p>
             <a:pPr lvl="2"/>
@@ -1003,6 +967,7 @@
               <a:rPr lang="en-US" smtClean="0"/>
               <a:t>Third level</a:t>
             </a:r>
+            <a:endParaRPr lang="en-US" smtClean="0"/>
           </a:p>
           <a:p>
             <a:pPr lvl="3"/>
@@ -1010,6 +975,7 @@
               <a:rPr lang="en-US" smtClean="0"/>
               <a:t>Fourth level</a:t>
             </a:r>
+            <a:endParaRPr lang="en-US" smtClean="0"/>
           </a:p>
           <a:p>
             <a:pPr lvl="4"/>
@@ -1038,7 +1004,6 @@
           <a:p>
             <a:fld id="{945737B1-7BFA-481C-8CB4-D7704FC10373}" type="datetime1">
               <a:rPr lang="en-US" smtClean="0"/>
-              <a:t>6/23/2022</a:t>
             </a:fld>
             <a:endParaRPr lang="en-US"/>
           </a:p>
@@ -1084,8 +1049,6 @@
           <a:p>
             <a:fld id="{3F22444B-AD59-459C-8316-D24326876BE4}" type="slidenum">
               <a:rPr lang="en-US" smtClean="0"/>
-              <a:pPr/>
-              <a:t>‹#›</a:t>
             </a:fld>
             <a:endParaRPr lang="en-US"/>
           </a:p>
@@ -1170,6 +1133,7 @@
               <a:rPr lang="en-US" smtClean="0"/>
               <a:t>Click to edit Master text styles</a:t>
             </a:r>
+            <a:endParaRPr lang="en-US" smtClean="0"/>
           </a:p>
           <a:p>
             <a:pPr lvl="1"/>
@@ -1177,6 +1141,7 @@
               <a:rPr lang="en-US" smtClean="0"/>
               <a:t>Second level</a:t>
             </a:r>
+            <a:endParaRPr lang="en-US" smtClean="0"/>
           </a:p>
           <a:p>
             <a:pPr lvl="2"/>
@@ -1184,6 +1149,7 @@
               <a:rPr lang="en-US" smtClean="0"/>
               <a:t>Third level</a:t>
             </a:r>
+            <a:endParaRPr lang="en-US" smtClean="0"/>
           </a:p>
           <a:p>
             <a:pPr lvl="3"/>
@@ -1191,6 +1157,7 @@
               <a:rPr lang="en-US" smtClean="0"/>
               <a:t>Fourth level</a:t>
             </a:r>
+            <a:endParaRPr lang="en-US" smtClean="0"/>
           </a:p>
           <a:p>
             <a:pPr lvl="4"/>
@@ -1219,7 +1186,6 @@
           <a:p>
             <a:fld id="{986831D8-7CBC-4AFA-A618-B5751768ED8C}" type="datetime1">
               <a:rPr lang="en-US" smtClean="0"/>
-              <a:t>6/23/2022</a:t>
             </a:fld>
             <a:endParaRPr lang="en-US"/>
           </a:p>
@@ -1265,8 +1231,6 @@
           <a:p>
             <a:fld id="{3F22444B-AD59-459C-8316-D24326876BE4}" type="slidenum">
               <a:rPr lang="en-US" smtClean="0"/>
-              <a:pPr/>
-              <a:t>‹#›</a:t>
             </a:fld>
             <a:endParaRPr lang="en-US"/>
           </a:p>
@@ -1341,6 +1305,7 @@
               <a:rPr lang="en-US" smtClean="0"/>
               <a:t>Click to edit Master text styles</a:t>
             </a:r>
+            <a:endParaRPr lang="en-US" smtClean="0"/>
           </a:p>
           <a:p>
             <a:pPr lvl="1"/>
@@ -1348,6 +1313,7 @@
               <a:rPr lang="en-US" smtClean="0"/>
               <a:t>Second level</a:t>
             </a:r>
+            <a:endParaRPr lang="en-US" smtClean="0"/>
           </a:p>
           <a:p>
             <a:pPr lvl="2"/>
@@ -1355,6 +1321,7 @@
               <a:rPr lang="en-US" smtClean="0"/>
               <a:t>Third level</a:t>
             </a:r>
+            <a:endParaRPr lang="en-US" smtClean="0"/>
           </a:p>
           <a:p>
             <a:pPr lvl="3"/>
@@ -1362,6 +1329,7 @@
               <a:rPr lang="en-US" smtClean="0"/>
               <a:t>Fourth level</a:t>
             </a:r>
+            <a:endParaRPr lang="en-US" smtClean="0"/>
           </a:p>
           <a:p>
             <a:pPr lvl="4"/>
@@ -1390,7 +1358,6 @@
           <a:p>
             <a:fld id="{D84154D7-1CD4-4036-B95B-134F9DF0E850}" type="datetime1">
               <a:rPr lang="en-US" smtClean="0"/>
-              <a:t>6/23/2022</a:t>
             </a:fld>
             <a:endParaRPr lang="en-US"/>
           </a:p>
@@ -1436,8 +1403,6 @@
           <a:p>
             <a:fld id="{3F22444B-AD59-459C-8316-D24326876BE4}" type="slidenum">
               <a:rPr lang="en-US" smtClean="0"/>
-              <a:pPr/>
-              <a:t>‹#›</a:t>
             </a:fld>
             <a:endParaRPr lang="en-US"/>
           </a:p>
@@ -1617,6 +1582,7 @@
               <a:rPr lang="en-US" smtClean="0"/>
               <a:t>Click to edit Master text styles</a:t>
             </a:r>
+            <a:endParaRPr lang="en-US" smtClean="0"/>
           </a:p>
         </p:txBody>
       </p:sp>
@@ -1637,7 +1603,6 @@
           <a:p>
             <a:fld id="{FA37C33C-6178-4B96-AD44-7D57FFA05778}" type="datetime1">
               <a:rPr lang="en-US" smtClean="0"/>
-              <a:t>6/23/2022</a:t>
             </a:fld>
             <a:endParaRPr lang="en-US"/>
           </a:p>
@@ -1683,8 +1648,6 @@
           <a:p>
             <a:fld id="{3F22444B-AD59-459C-8316-D24326876BE4}" type="slidenum">
               <a:rPr lang="en-US" smtClean="0"/>
-              <a:pPr/>
-              <a:t>‹#›</a:t>
             </a:fld>
             <a:endParaRPr lang="en-US"/>
           </a:p>
@@ -1792,6 +1755,7 @@
               <a:rPr lang="en-US" smtClean="0"/>
               <a:t>Click to edit Master text styles</a:t>
             </a:r>
+            <a:endParaRPr lang="en-US" smtClean="0"/>
           </a:p>
           <a:p>
             <a:pPr lvl="1"/>
@@ -1799,6 +1763,7 @@
               <a:rPr lang="en-US" smtClean="0"/>
               <a:t>Second level</a:t>
             </a:r>
+            <a:endParaRPr lang="en-US" smtClean="0"/>
           </a:p>
           <a:p>
             <a:pPr lvl="2"/>
@@ -1806,6 +1771,7 @@
               <a:rPr lang="en-US" smtClean="0"/>
               <a:t>Third level</a:t>
             </a:r>
+            <a:endParaRPr lang="en-US" smtClean="0"/>
           </a:p>
           <a:p>
             <a:pPr lvl="3"/>
@@ -1813,6 +1779,7 @@
               <a:rPr lang="en-US" smtClean="0"/>
               <a:t>Fourth level</a:t>
             </a:r>
+            <a:endParaRPr lang="en-US" smtClean="0"/>
           </a:p>
           <a:p>
             <a:pPr lvl="4"/>
@@ -1877,6 +1844,7 @@
               <a:rPr lang="en-US" smtClean="0"/>
               <a:t>Click to edit Master text styles</a:t>
             </a:r>
+            <a:endParaRPr lang="en-US" smtClean="0"/>
           </a:p>
           <a:p>
             <a:pPr lvl="1"/>
@@ -1884,6 +1852,7 @@
               <a:rPr lang="en-US" smtClean="0"/>
               <a:t>Second level</a:t>
             </a:r>
+            <a:endParaRPr lang="en-US" smtClean="0"/>
           </a:p>
           <a:p>
             <a:pPr lvl="2"/>
@@ -1891,6 +1860,7 @@
               <a:rPr lang="en-US" smtClean="0"/>
               <a:t>Third level</a:t>
             </a:r>
+            <a:endParaRPr lang="en-US" smtClean="0"/>
           </a:p>
           <a:p>
             <a:pPr lvl="3"/>
@@ -1898,6 +1868,7 @@
               <a:rPr lang="en-US" smtClean="0"/>
               <a:t>Fourth level</a:t>
             </a:r>
+            <a:endParaRPr lang="en-US" smtClean="0"/>
           </a:p>
           <a:p>
             <a:pPr lvl="4"/>
@@ -1926,7 +1897,6 @@
           <a:p>
             <a:fld id="{95F2ADF0-AF94-470B-ACCE-F86F1C0F5933}" type="datetime1">
               <a:rPr lang="en-US" smtClean="0"/>
-              <a:t>6/23/2022</a:t>
             </a:fld>
             <a:endParaRPr lang="en-US"/>
           </a:p>
@@ -1972,8 +1942,6 @@
           <a:p>
             <a:fld id="{3F22444B-AD59-459C-8316-D24326876BE4}" type="slidenum">
               <a:rPr lang="en-US" smtClean="0"/>
-              <a:pPr/>
-              <a:t>‹#›</a:t>
             </a:fld>
             <a:endParaRPr lang="en-US"/>
           </a:p>
@@ -2094,6 +2062,7 @@
               <a:rPr lang="en-US" smtClean="0"/>
               <a:t>Click to edit Master text styles</a:t>
             </a:r>
+            <a:endParaRPr lang="en-US" smtClean="0"/>
           </a:p>
         </p:txBody>
       </p:sp>
@@ -2150,6 +2119,7 @@
               <a:rPr lang="en-US" smtClean="0"/>
               <a:t>Click to edit Master text styles</a:t>
             </a:r>
+            <a:endParaRPr lang="en-US" smtClean="0"/>
           </a:p>
           <a:p>
             <a:pPr lvl="1"/>
@@ -2157,6 +2127,7 @@
               <a:rPr lang="en-US" smtClean="0"/>
               <a:t>Second level</a:t>
             </a:r>
+            <a:endParaRPr lang="en-US" smtClean="0"/>
           </a:p>
           <a:p>
             <a:pPr lvl="2"/>
@@ -2164,6 +2135,7 @@
               <a:rPr lang="en-US" smtClean="0"/>
               <a:t>Third level</a:t>
             </a:r>
+            <a:endParaRPr lang="en-US" smtClean="0"/>
           </a:p>
           <a:p>
             <a:pPr lvl="3"/>
@@ -2171,6 +2143,7 @@
               <a:rPr lang="en-US" smtClean="0"/>
               <a:t>Fourth level</a:t>
             </a:r>
+            <a:endParaRPr lang="en-US" smtClean="0"/>
           </a:p>
           <a:p>
             <a:pPr lvl="4"/>
@@ -2244,6 +2217,7 @@
               <a:rPr lang="en-US" smtClean="0"/>
               <a:t>Click to edit Master text styles</a:t>
             </a:r>
+            <a:endParaRPr lang="en-US" smtClean="0"/>
           </a:p>
         </p:txBody>
       </p:sp>
@@ -2300,6 +2274,7 @@
               <a:rPr lang="en-US" smtClean="0"/>
               <a:t>Click to edit Master text styles</a:t>
             </a:r>
+            <a:endParaRPr lang="en-US" smtClean="0"/>
           </a:p>
           <a:p>
             <a:pPr lvl="1"/>
@@ -2307,6 +2282,7 @@
               <a:rPr lang="en-US" smtClean="0"/>
               <a:t>Second level</a:t>
             </a:r>
+            <a:endParaRPr lang="en-US" smtClean="0"/>
           </a:p>
           <a:p>
             <a:pPr lvl="2"/>
@@ -2314,6 +2290,7 @@
               <a:rPr lang="en-US" smtClean="0"/>
               <a:t>Third level</a:t>
             </a:r>
+            <a:endParaRPr lang="en-US" smtClean="0"/>
           </a:p>
           <a:p>
             <a:pPr lvl="3"/>
@@ -2321,6 +2298,7 @@
               <a:rPr lang="en-US" smtClean="0"/>
               <a:t>Fourth level</a:t>
             </a:r>
+            <a:endParaRPr lang="en-US" smtClean="0"/>
           </a:p>
           <a:p>
             <a:pPr lvl="4"/>
@@ -2349,7 +2327,6 @@
           <a:p>
             <a:fld id="{EA6B1FCD-63F2-4194-AE4E-DE6C8DD1F965}" type="datetime1">
               <a:rPr lang="en-US" smtClean="0"/>
-              <a:t>6/23/2022</a:t>
             </a:fld>
             <a:endParaRPr lang="en-US"/>
           </a:p>
@@ -2395,8 +2372,6 @@
           <a:p>
             <a:fld id="{3F22444B-AD59-459C-8316-D24326876BE4}" type="slidenum">
               <a:rPr lang="en-US" smtClean="0"/>
-              <a:pPr/>
-              <a:t>‹#›</a:t>
             </a:fld>
             <a:endParaRPr lang="en-US"/>
           </a:p>
@@ -2468,7 +2443,6 @@
           <a:p>
             <a:fld id="{4DA3F14E-D650-4732-855B-E3AF4F2C22D6}" type="datetime1">
               <a:rPr lang="en-US" smtClean="0"/>
-              <a:t>6/23/2022</a:t>
             </a:fld>
             <a:endParaRPr lang="en-US"/>
           </a:p>
@@ -2514,8 +2488,6 @@
           <a:p>
             <a:fld id="{3F22444B-AD59-459C-8316-D24326876BE4}" type="slidenum">
               <a:rPr lang="en-US" smtClean="0"/>
-              <a:pPr/>
-              <a:t>‹#›</a:t>
             </a:fld>
             <a:endParaRPr lang="en-US"/>
           </a:p>
@@ -2564,7 +2536,6 @@
           <a:p>
             <a:fld id="{ED43C46D-010B-4CE6-8AD9-018A1934FC6D}" type="datetime1">
               <a:rPr lang="en-US" smtClean="0"/>
-              <a:t>6/23/2022</a:t>
             </a:fld>
             <a:endParaRPr lang="en-US"/>
           </a:p>
@@ -2610,8 +2581,6 @@
           <a:p>
             <a:fld id="{3F22444B-AD59-459C-8316-D24326876BE4}" type="slidenum">
               <a:rPr lang="en-US" smtClean="0"/>
-              <a:pPr/>
-              <a:t>‹#›</a:t>
             </a:fld>
             <a:endParaRPr lang="en-US"/>
           </a:p>
@@ -2728,6 +2697,7 @@
               <a:rPr lang="en-US" smtClean="0"/>
               <a:t>Click to edit Master text styles</a:t>
             </a:r>
+            <a:endParaRPr lang="en-US" smtClean="0"/>
           </a:p>
           <a:p>
             <a:pPr lvl="1"/>
@@ -2735,6 +2705,7 @@
               <a:rPr lang="en-US" smtClean="0"/>
               <a:t>Second level</a:t>
             </a:r>
+            <a:endParaRPr lang="en-US" smtClean="0"/>
           </a:p>
           <a:p>
             <a:pPr lvl="2"/>
@@ -2742,6 +2713,7 @@
               <a:rPr lang="en-US" smtClean="0"/>
               <a:t>Third level</a:t>
             </a:r>
+            <a:endParaRPr lang="en-US" smtClean="0"/>
           </a:p>
           <a:p>
             <a:pPr lvl="3"/>
@@ -2749,6 +2721,7 @@
               <a:rPr lang="en-US" smtClean="0"/>
               <a:t>Fourth level</a:t>
             </a:r>
+            <a:endParaRPr lang="en-US" smtClean="0"/>
           </a:p>
           <a:p>
             <a:pPr lvl="4"/>
@@ -2822,6 +2795,7 @@
               <a:rPr lang="en-US" smtClean="0"/>
               <a:t>Click to edit Master text styles</a:t>
             </a:r>
+            <a:endParaRPr lang="en-US" smtClean="0"/>
           </a:p>
         </p:txBody>
       </p:sp>
@@ -2842,7 +2816,6 @@
           <a:p>
             <a:fld id="{85E855A9-763E-4995-B182-5C1207DF48D7}" type="datetime1">
               <a:rPr lang="en-US" smtClean="0"/>
-              <a:t>6/23/2022</a:t>
             </a:fld>
             <a:endParaRPr lang="en-US"/>
           </a:p>
@@ -2888,8 +2861,6 @@
           <a:p>
             <a:fld id="{3F22444B-AD59-459C-8316-D24326876BE4}" type="slidenum">
               <a:rPr lang="en-US" smtClean="0"/>
-              <a:pPr/>
-              <a:t>‹#›</a:t>
             </a:fld>
             <a:endParaRPr lang="en-US"/>
           </a:p>
@@ -3076,6 +3047,7 @@
               <a:rPr lang="en-US" smtClean="0"/>
               <a:t>Click to edit Master text styles</a:t>
             </a:r>
+            <a:endParaRPr lang="en-US" smtClean="0"/>
           </a:p>
         </p:txBody>
       </p:sp>
@@ -3096,7 +3068,6 @@
           <a:p>
             <a:fld id="{0386654C-6EEA-49F5-A8F2-810760217894}" type="datetime1">
               <a:rPr lang="en-US" smtClean="0"/>
-              <a:t>6/23/2022</a:t>
             </a:fld>
             <a:endParaRPr lang="en-US"/>
           </a:p>
@@ -3142,8 +3113,6 @@
           <a:p>
             <a:fld id="{3F22444B-AD59-459C-8316-D24326876BE4}" type="slidenum">
               <a:rPr lang="en-US" smtClean="0"/>
-              <a:pPr/>
-              <a:t>‹#›</a:t>
             </a:fld>
             <a:endParaRPr lang="en-US"/>
           </a:p>
@@ -3243,6 +3212,7 @@
               <a:rPr lang="en-US" smtClean="0"/>
               <a:t>Click to edit Master text styles</a:t>
             </a:r>
+            <a:endParaRPr lang="en-US" smtClean="0"/>
           </a:p>
           <a:p>
             <a:pPr lvl="1"/>
@@ -3250,6 +3220,7 @@
               <a:rPr lang="en-US" smtClean="0"/>
               <a:t>Second level</a:t>
             </a:r>
+            <a:endParaRPr lang="en-US" smtClean="0"/>
           </a:p>
           <a:p>
             <a:pPr lvl="2"/>
@@ -3257,6 +3228,7 @@
               <a:rPr lang="en-US" smtClean="0"/>
               <a:t>Third level</a:t>
             </a:r>
+            <a:endParaRPr lang="en-US" smtClean="0"/>
           </a:p>
           <a:p>
             <a:pPr lvl="3"/>
@@ -3264,6 +3236,7 @@
               <a:rPr lang="en-US" smtClean="0"/>
               <a:t>Fourth level</a:t>
             </a:r>
+            <a:endParaRPr lang="en-US" smtClean="0"/>
           </a:p>
           <a:p>
             <a:pPr lvl="4"/>
@@ -3310,7 +3283,6 @@
           <a:p>
             <a:fld id="{FFEA811A-B53F-4F4E-89C8-8E04557FDA72}" type="datetime1">
               <a:rPr lang="en-US" smtClean="0"/>
-              <a:t>6/23/2022</a:t>
             </a:fld>
             <a:endParaRPr lang="en-US"/>
           </a:p>
@@ -3392,8 +3364,6 @@
           <a:p>
             <a:fld id="{3F22444B-AD59-459C-8316-D24326876BE4}" type="slidenum">
               <a:rPr lang="en-US" smtClean="0"/>
-              <a:pPr/>
-              <a:t>‹#›</a:t>
             </a:fld>
             <a:endParaRPr lang="en-US"/>
           </a:p>
@@ -3439,7 +3409,7 @@
         <a:spcBef>
           <a:spcPct val="20000"/>
         </a:spcBef>
-        <a:buFont typeface="Arial" pitchFamily="34" charset="0"/>
+        <a:buFont typeface="Arial" panose="020B0604020202020204" pitchFamily="34" charset="0"/>
         <a:buChar char="•"/>
         <a:defRPr sz="3200" kern="1200">
           <a:solidFill>
@@ -3454,7 +3424,7 @@
         <a:spcBef>
           <a:spcPct val="20000"/>
         </a:spcBef>
-        <a:buFont typeface="Arial" pitchFamily="34" charset="0"/>
+        <a:buFont typeface="Arial" panose="020B0604020202020204" pitchFamily="34" charset="0"/>
         <a:buChar char="–"/>
         <a:defRPr sz="2800" kern="1200">
           <a:solidFill>
@@ -3469,7 +3439,7 @@
         <a:spcBef>
           <a:spcPct val="20000"/>
         </a:spcBef>
-        <a:buFont typeface="Arial" pitchFamily="34" charset="0"/>
+        <a:buFont typeface="Arial" panose="020B0604020202020204" pitchFamily="34" charset="0"/>
         <a:buChar char="•"/>
         <a:defRPr sz="2400" kern="1200">
           <a:solidFill>
@@ -3484,7 +3454,7 @@
         <a:spcBef>
           <a:spcPct val="20000"/>
         </a:spcBef>
-        <a:buFont typeface="Arial" pitchFamily="34" charset="0"/>
+        <a:buFont typeface="Arial" panose="020B0604020202020204" pitchFamily="34" charset="0"/>
         <a:buChar char="–"/>
         <a:defRPr sz="2000" kern="1200">
           <a:solidFill>
@@ -3499,7 +3469,7 @@
         <a:spcBef>
           <a:spcPct val="20000"/>
         </a:spcBef>
-        <a:buFont typeface="Arial" pitchFamily="34" charset="0"/>
+        <a:buFont typeface="Arial" panose="020B0604020202020204" pitchFamily="34" charset="0"/>
         <a:buChar char="»"/>
         <a:defRPr sz="2000" kern="1200">
           <a:solidFill>
@@ -3514,7 +3484,7 @@
         <a:spcBef>
           <a:spcPct val="20000"/>
         </a:spcBef>
-        <a:buFont typeface="Arial" pitchFamily="34" charset="0"/>
+        <a:buFont typeface="Arial" panose="020B0604020202020204" pitchFamily="34" charset="0"/>
         <a:buChar char="•"/>
         <a:defRPr sz="2000" kern="1200">
           <a:solidFill>
@@ -3529,7 +3499,7 @@
         <a:spcBef>
           <a:spcPct val="20000"/>
         </a:spcBef>
-        <a:buFont typeface="Arial" pitchFamily="34" charset="0"/>
+        <a:buFont typeface="Arial" panose="020B0604020202020204" pitchFamily="34" charset="0"/>
         <a:buChar char="•"/>
         <a:defRPr sz="2000" kern="1200">
           <a:solidFill>
@@ -3544,7 +3514,7 @@
         <a:spcBef>
           <a:spcPct val="20000"/>
         </a:spcBef>
-        <a:buFont typeface="Arial" pitchFamily="34" charset="0"/>
+        <a:buFont typeface="Arial" panose="020B0604020202020204" pitchFamily="34" charset="0"/>
         <a:buChar char="•"/>
         <a:defRPr sz="2000" kern="1200">
           <a:solidFill>
@@ -3559,7 +3529,7 @@
         <a:spcBef>
           <a:spcPct val="20000"/>
         </a:spcBef>
-        <a:buFont typeface="Arial" pitchFamily="34" charset="0"/>
+        <a:buFont typeface="Arial" panose="020B0604020202020204" pitchFamily="34" charset="0"/>
         <a:buChar char="•"/>
         <a:defRPr sz="2000" kern="1200">
           <a:solidFill>
@@ -3713,7 +3683,7 @@
               <a:buNone/>
             </a:pPr>
             <a:endParaRPr lang="en-US" sz="3600" b="1" dirty="0" smtClean="0">
-              <a:latin typeface="Book Antiqua" pitchFamily="18" charset="0"/>
+              <a:latin typeface="Book Antiqua" panose="02040602050305030304" pitchFamily="18" charset="0"/>
             </a:endParaRPr>
           </a:p>
           <a:p>
@@ -3722,12 +3692,12 @@
             </a:pPr>
             <a:r>
               <a:rPr lang="en-US" sz="3600" b="1" dirty="0" smtClean="0">
-                <a:latin typeface="Book Antiqua" pitchFamily="18" charset="0"/>
+                <a:latin typeface="Book Antiqua" panose="02040602050305030304" pitchFamily="18" charset="0"/>
               </a:rPr>
               <a:t>Unit-4</a:t>
             </a:r>
             <a:endParaRPr lang="en-US" sz="3600" b="1" dirty="0">
-              <a:latin typeface="Book Antiqua" pitchFamily="18" charset="0"/>
+              <a:latin typeface="Book Antiqua" panose="02040602050305030304" pitchFamily="18" charset="0"/>
             </a:endParaRPr>
           </a:p>
           <a:p>
@@ -3736,17 +3706,20 @@
             </a:pPr>
             <a:r>
               <a:rPr lang="en-US" sz="3600" b="1" u="sng" dirty="0" smtClean="0">
-                <a:latin typeface="Book Antiqua" pitchFamily="18" charset="0"/>
+                <a:latin typeface="Book Antiqua" panose="02040602050305030304" pitchFamily="18" charset="0"/>
               </a:rPr>
               <a:t>Model Evaluation and Selection</a:t>
             </a:r>
+            <a:endParaRPr lang="en-US" sz="3600" b="1" u="sng" dirty="0" smtClean="0">
+              <a:latin typeface="Book Antiqua" panose="02040602050305030304" pitchFamily="18" charset="0"/>
+            </a:endParaRPr>
           </a:p>
           <a:p>
             <a:pPr algn="ctr">
               <a:buNone/>
             </a:pPr>
             <a:endParaRPr lang="en-US" sz="3600" b="1" u="sng" dirty="0" smtClean="0">
-              <a:latin typeface="Book Antiqua" pitchFamily="18" charset="0"/>
+              <a:latin typeface="Book Antiqua" panose="02040602050305030304" pitchFamily="18" charset="0"/>
             </a:endParaRPr>
           </a:p>
           <a:p>
@@ -3755,10 +3728,13 @@
             </a:pPr>
             <a:r>
               <a:rPr lang="en-US" sz="3600" b="1" dirty="0" smtClean="0">
-                <a:latin typeface="Book Antiqua" pitchFamily="18" charset="0"/>
+                <a:latin typeface="Book Antiqua" panose="02040602050305030304" pitchFamily="18" charset="0"/>
               </a:rPr>
               <a:t>Prepared By: Arjun Sing Saud</a:t>
             </a:r>
+            <a:endParaRPr lang="en-US" sz="3600" b="1" dirty="0" smtClean="0">
+              <a:latin typeface="Book Antiqua" panose="02040602050305030304" pitchFamily="18" charset="0"/>
+            </a:endParaRPr>
           </a:p>
           <a:p>
             <a:pPr algn="ctr">
@@ -3766,17 +3742,20 @@
             </a:pPr>
             <a:r>
               <a:rPr lang="en-US" sz="3600" b="1" dirty="0" smtClean="0">
-                <a:latin typeface="Book Antiqua" pitchFamily="18" charset="0"/>
+                <a:latin typeface="Book Antiqua" panose="02040602050305030304" pitchFamily="18" charset="0"/>
               </a:rPr>
               <a:t>Asst. Prof. CSCSIT, TU</a:t>
             </a:r>
+            <a:endParaRPr lang="en-US" sz="3600" b="1" dirty="0" smtClean="0">
+              <a:latin typeface="Book Antiqua" panose="02040602050305030304" pitchFamily="18" charset="0"/>
+            </a:endParaRPr>
           </a:p>
           <a:p>
             <a:pPr algn="ctr">
               <a:buNone/>
             </a:pPr>
             <a:endParaRPr lang="en-US" sz="3600" b="1" dirty="0" smtClean="0">
-              <a:latin typeface="Book Antiqua" pitchFamily="18" charset="0"/>
+              <a:latin typeface="Book Antiqua" panose="02040602050305030304" pitchFamily="18" charset="0"/>
             </a:endParaRPr>
           </a:p>
           <a:p>
@@ -3785,18 +3764,18 @@
             </a:pPr>
             <a:r>
               <a:rPr lang="en-US" sz="3600" b="1" dirty="0">
-                <a:latin typeface="Book Antiqua" pitchFamily="18" charset="0"/>
+                <a:latin typeface="Book Antiqua" panose="02040602050305030304" pitchFamily="18" charset="0"/>
               </a:rPr>
               <a:t>	</a:t>
             </a:r>
             <a:r>
               <a:rPr lang="en-US" sz="3600" b="1" dirty="0" smtClean="0">
-                <a:latin typeface="Book Antiqua" pitchFamily="18" charset="0"/>
+                <a:latin typeface="Book Antiqua" panose="02040602050305030304" pitchFamily="18" charset="0"/>
               </a:rPr>
               <a:t>					   		</a:t>
             </a:r>
             <a:endParaRPr lang="en-US" sz="3600" b="1" dirty="0">
-              <a:latin typeface="Book Antiqua" pitchFamily="18" charset="0"/>
+              <a:latin typeface="Book Antiqua" panose="02040602050305030304" pitchFamily="18" charset="0"/>
             </a:endParaRPr>
           </a:p>
         </p:txBody>
@@ -3818,8 +3797,6 @@
           <a:p>
             <a:fld id="{3F22444B-AD59-459C-8316-D24326876BE4}" type="slidenum">
               <a:rPr lang="en-US" smtClean="0"/>
-              <a:pPr/>
-              <a:t>1</a:t>
             </a:fld>
             <a:endParaRPr lang="en-US"/>
           </a:p>
@@ -3900,12 +3877,12 @@
           <a:p>
             <a:r>
               <a:rPr lang="en-US" b="1" dirty="0" smtClean="0">
-                <a:latin typeface="Book Antiqua" pitchFamily="18" charset="0"/>
+                <a:latin typeface="Book Antiqua" panose="02040602050305030304" pitchFamily="18" charset="0"/>
               </a:rPr>
               <a:t>Model Evaluation</a:t>
             </a:r>
             <a:endParaRPr lang="en-US" b="1" dirty="0">
-              <a:latin typeface="Book Antiqua" pitchFamily="18" charset="0"/>
+              <a:latin typeface="Book Antiqua" panose="02040602050305030304" pitchFamily="18" charset="0"/>
             </a:endParaRPr>
           </a:p>
         </p:txBody>
@@ -3941,6 +3918,9 @@
               </a:rPr>
               <a:t>Regression Metrics</a:t>
             </a:r>
+            <a:endParaRPr lang="en-US" sz="2800" b="1" dirty="0" smtClean="0">
+              <a:latin typeface="Book Antiqua" panose="02040602050305030304" pitchFamily="18" charset="0"/>
+            </a:endParaRPr>
           </a:p>
           <a:p>
             <a:pPr algn="just"/>
@@ -3956,6 +3936,9 @@
               </a:rPr>
               <a:t>.</a:t>
             </a:r>
+            <a:endParaRPr lang="en-US" sz="2800" dirty="0" smtClean="0">
+              <a:latin typeface="Book Antiqua" panose="02040602050305030304" pitchFamily="18" charset="0"/>
+            </a:endParaRPr>
           </a:p>
           <a:p>
             <a:pPr algn="just"/>
@@ -3998,7 +3981,7 @@
               <a:buNone/>
             </a:pPr>
             <a:endParaRPr lang="en-US" sz="2800" i="1" dirty="0" smtClean="0">
-              <a:latin typeface="Book Antiqua" pitchFamily="18" charset="0"/>
+              <a:latin typeface="Book Antiqua" panose="02040602050305030304" pitchFamily="18" charset="0"/>
             </a:endParaRPr>
           </a:p>
           <a:p>
@@ -4006,7 +3989,7 @@
               <a:buNone/>
             </a:pPr>
             <a:endParaRPr lang="en-US" sz="2800" dirty="0">
-              <a:latin typeface="Book Antiqua" pitchFamily="18" charset="0"/>
+              <a:latin typeface="Book Antiqua" panose="02040602050305030304" pitchFamily="18" charset="0"/>
             </a:endParaRPr>
           </a:p>
         </p:txBody>
@@ -4028,8 +4011,6 @@
           <a:p>
             <a:fld id="{3F22444B-AD59-459C-8316-D24326876BE4}" type="slidenum">
               <a:rPr lang="en-US" smtClean="0"/>
-              <a:pPr/>
-              <a:t>10</a:t>
             </a:fld>
             <a:endParaRPr lang="en-US"/>
           </a:p>
@@ -4059,11 +4040,6 @@
         </p:txBody>
       </p:sp>
     </p:spTree>
-    <p:extLst>
-      <p:ext uri="{BB962C8B-B14F-4D97-AF65-F5344CB8AC3E}">
-        <p14:creationId xmlns:p14="http://schemas.microsoft.com/office/powerpoint/2010/main" val="4048742636"/>
-      </p:ext>
-    </p:extLst>
   </p:cSld>
   <p:clrMapOvr>
     <a:masterClrMapping/>
@@ -4115,12 +4091,12 @@
           <a:p>
             <a:r>
               <a:rPr lang="en-US" b="1" dirty="0" smtClean="0">
-                <a:latin typeface="Book Antiqua" pitchFamily="18" charset="0"/>
+                <a:latin typeface="Book Antiqua" panose="02040602050305030304" pitchFamily="18" charset="0"/>
               </a:rPr>
               <a:t>Model Evaluation</a:t>
             </a:r>
             <a:endParaRPr lang="en-US" b="1" dirty="0">
-              <a:latin typeface="Book Antiqua" pitchFamily="18" charset="0"/>
+              <a:latin typeface="Book Antiqua" panose="02040602050305030304" pitchFamily="18" charset="0"/>
             </a:endParaRPr>
           </a:p>
         </p:txBody>
@@ -4186,6 +4162,9 @@
               </a:rPr>
               <a:t>.</a:t>
             </a:r>
+            <a:endParaRPr lang="en-US" sz="2800" dirty="0" smtClean="0">
+              <a:latin typeface="Book Antiqua" panose="02040602050305030304" pitchFamily="18" charset="0"/>
+            </a:endParaRPr>
           </a:p>
           <a:p>
             <a:pPr algn="just"/>
@@ -4230,7 +4209,7 @@
               <a:buNone/>
             </a:pPr>
             <a:endParaRPr lang="en-US" sz="2800" i="1" dirty="0" smtClean="0">
-              <a:latin typeface="Book Antiqua" pitchFamily="18" charset="0"/>
+              <a:latin typeface="Book Antiqua" panose="02040602050305030304" pitchFamily="18" charset="0"/>
             </a:endParaRPr>
           </a:p>
           <a:p>
@@ -4238,7 +4217,7 @@
               <a:buNone/>
             </a:pPr>
             <a:endParaRPr lang="en-US" sz="2800" dirty="0">
-              <a:latin typeface="Book Antiqua" pitchFamily="18" charset="0"/>
+              <a:latin typeface="Book Antiqua" panose="02040602050305030304" pitchFamily="18" charset="0"/>
             </a:endParaRPr>
           </a:p>
         </p:txBody>
@@ -4260,8 +4239,6 @@
           <a:p>
             <a:fld id="{3F22444B-AD59-459C-8316-D24326876BE4}" type="slidenum">
               <a:rPr lang="en-US" smtClean="0"/>
-              <a:pPr/>
-              <a:t>11</a:t>
             </a:fld>
             <a:endParaRPr lang="en-US"/>
           </a:p>
@@ -4296,13 +4273,7 @@
           <p:cNvGraphicFramePr>
             <a:graphicFrameLocks noChangeAspect="1"/>
           </p:cNvGraphicFramePr>
-          <p:nvPr>
-            <p:extLst>
-              <p:ext uri="{D42A27DB-BD31-4B8C-83A1-F6EECF244321}">
-                <p14:modId xmlns:p14="http://schemas.microsoft.com/office/powerpoint/2010/main" val="3225921805"/>
-              </p:ext>
-            </p:extLst>
-          </p:nvPr>
+          <p:nvPr/>
         </p:nvGraphicFramePr>
         <p:xfrm>
           <a:off x="1676399" y="4114800"/>
@@ -4312,21 +4283,21 @@
           <a:graphicData uri="http://schemas.openxmlformats.org/presentationml/2006/ole">
             <mc:AlternateContent xmlns:mc="http://schemas.openxmlformats.org/markup-compatibility/2006">
               <mc:Choice xmlns:v="urn:schemas-microsoft-com:vml" Requires="v">
-                <p:oleObj spid="_x0000_s195664" name="Equation" r:id="rId3" imgW="1358640" imgH="431640" progId="Equation.3">
+                <p:oleObj spid="_x0000_s195664" name="Equation" r:id="rId1" imgW="32613600" imgH="10363200" progId="Equation.3">
                   <p:embed/>
                 </p:oleObj>
               </mc:Choice>
               <mc:Fallback>
-                <p:oleObj name="Equation" r:id="rId3" imgW="1358640" imgH="431640" progId="Equation.3">
+                <p:oleObj name="Equation" r:id="rId1" imgW="32613600" imgH="10363200" progId="Equation.3">
                   <p:embed/>
                   <p:pic>
                     <p:nvPicPr>
-                      <p:cNvPr id="0" name=""/>
+                      <p:cNvPr id="0" name="Picture 195663"/>
                       <p:cNvPicPr/>
                       <p:nvPr/>
                     </p:nvPicPr>
                     <p:blipFill>
-                      <a:blip r:embed="rId4"/>
+                      <a:blip r:embed="rId2"/>
                       <a:stretch>
                         <a:fillRect/>
                       </a:stretch>
@@ -4353,13 +4324,7 @@
           <p:cNvGraphicFramePr>
             <a:graphicFrameLocks noChangeAspect="1"/>
           </p:cNvGraphicFramePr>
-          <p:nvPr>
-            <p:extLst>
-              <p:ext uri="{D42A27DB-BD31-4B8C-83A1-F6EECF244321}">
-                <p14:modId xmlns:p14="http://schemas.microsoft.com/office/powerpoint/2010/main" val="4202114191"/>
-              </p:ext>
-            </p:extLst>
-          </p:nvPr>
+          <p:nvPr/>
         </p:nvGraphicFramePr>
         <p:xfrm>
           <a:off x="5638800" y="5029200"/>
@@ -4369,21 +4334,21 @@
           <a:graphicData uri="http://schemas.openxmlformats.org/presentationml/2006/ole">
             <mc:AlternateContent xmlns:mc="http://schemas.openxmlformats.org/markup-compatibility/2006">
               <mc:Choice xmlns:v="urn:schemas-microsoft-com:vml" Requires="v">
-                <p:oleObj spid="_x0000_s195665" name="Equation" r:id="rId5" imgW="139680" imgH="203040" progId="Equation.3">
+                <p:oleObj spid="_x0000_s195665" name="Equation" r:id="rId3" imgW="3352800" imgH="4876800" progId="Equation.3">
                   <p:embed/>
                 </p:oleObj>
               </mc:Choice>
               <mc:Fallback>
-                <p:oleObj name="Equation" r:id="rId5" imgW="139680" imgH="203040" progId="Equation.3">
+                <p:oleObj name="Equation" r:id="rId3" imgW="3352800" imgH="4876800" progId="Equation.3">
                   <p:embed/>
                   <p:pic>
                     <p:nvPicPr>
-                      <p:cNvPr id="0" name=""/>
+                      <p:cNvPr id="0" name="Picture 195664"/>
                       <p:cNvPicPr/>
                       <p:nvPr/>
                     </p:nvPicPr>
                     <p:blipFill>
-                      <a:blip r:embed="rId6"/>
+                      <a:blip r:embed="rId4"/>
                       <a:stretch>
                         <a:fillRect/>
                       </a:stretch>
@@ -4405,11 +4370,6 @@
         </a:graphic>
       </p:graphicFrame>
     </p:spTree>
-    <p:extLst>
-      <p:ext uri="{BB962C8B-B14F-4D97-AF65-F5344CB8AC3E}">
-        <p14:creationId xmlns:p14="http://schemas.microsoft.com/office/powerpoint/2010/main" val="3470801053"/>
-      </p:ext>
-    </p:extLst>
   </p:cSld>
   <p:clrMapOvr>
     <a:masterClrMapping/>
@@ -4461,12 +4421,12 @@
           <a:p>
             <a:r>
               <a:rPr lang="en-US" b="1" dirty="0" smtClean="0">
-                <a:latin typeface="Book Antiqua" pitchFamily="18" charset="0"/>
+                <a:latin typeface="Book Antiqua" panose="02040602050305030304" pitchFamily="18" charset="0"/>
               </a:rPr>
               <a:t>Model Evaluation</a:t>
             </a:r>
             <a:endParaRPr lang="en-US" b="1" dirty="0">
-              <a:latin typeface="Book Antiqua" pitchFamily="18" charset="0"/>
+              <a:latin typeface="Book Antiqua" panose="02040602050305030304" pitchFamily="18" charset="0"/>
             </a:endParaRPr>
           </a:p>
         </p:txBody>
@@ -4506,6 +4466,9 @@
               </a:rPr>
               <a:t>.</a:t>
             </a:r>
+            <a:endParaRPr lang="en-US" sz="2800" dirty="0" smtClean="0">
+              <a:latin typeface="Book Antiqua" panose="02040602050305030304" pitchFamily="18" charset="0"/>
+            </a:endParaRPr>
           </a:p>
           <a:p>
             <a:pPr marL="0" indent="0" algn="just">
@@ -4517,21 +4480,27 @@
               </a:rPr>
               <a:t>Root Mean Squared Error (RMSE)</a:t>
             </a:r>
+            <a:endParaRPr lang="en-US" sz="2800" b="1" dirty="0">
+              <a:latin typeface="Book Antiqua" panose="02040602050305030304" pitchFamily="18" charset="0"/>
+            </a:endParaRPr>
           </a:p>
           <a:p>
             <a:pPr algn="just"/>
             <a:r>
               <a:rPr lang="en-US" sz="2800" dirty="0" smtClean="0">
-                <a:latin typeface="Book Antiqua" pitchFamily="18" charset="0"/>
+                <a:latin typeface="Book Antiqua" panose="02040602050305030304" pitchFamily="18" charset="0"/>
               </a:rPr>
               <a:t>RMSE </a:t>
             </a:r>
             <a:r>
               <a:rPr lang="en-US" sz="2800" dirty="0">
-                <a:latin typeface="Book Antiqua" pitchFamily="18" charset="0"/>
+                <a:latin typeface="Book Antiqua" panose="02040602050305030304" pitchFamily="18" charset="0"/>
               </a:rPr>
               <a:t>is the root of MSE and is beneficial because it helps to bring down the scale of the errors closer to the actual values, making it more interpretable.</a:t>
             </a:r>
+            <a:endParaRPr lang="en-US" sz="2800" dirty="0">
+              <a:latin typeface="Book Antiqua" panose="02040602050305030304" pitchFamily="18" charset="0"/>
+            </a:endParaRPr>
           </a:p>
         </p:txBody>
       </p:sp>
@@ -4552,8 +4521,6 @@
           <a:p>
             <a:fld id="{3F22444B-AD59-459C-8316-D24326876BE4}" type="slidenum">
               <a:rPr lang="en-US" smtClean="0"/>
-              <a:pPr/>
-              <a:t>12</a:t>
             </a:fld>
             <a:endParaRPr lang="en-US"/>
           </a:p>
@@ -4583,11 +4550,6 @@
         </p:txBody>
       </p:sp>
     </p:spTree>
-    <p:extLst>
-      <p:ext uri="{BB962C8B-B14F-4D97-AF65-F5344CB8AC3E}">
-        <p14:creationId xmlns:p14="http://schemas.microsoft.com/office/powerpoint/2010/main" val="2275504530"/>
-      </p:ext>
-    </p:extLst>
   </p:cSld>
   <p:clrMapOvr>
     <a:masterClrMapping/>
@@ -4639,12 +4601,12 @@
           <a:p>
             <a:r>
               <a:rPr lang="en-US" b="1" dirty="0" smtClean="0">
-                <a:latin typeface="Book Antiqua" pitchFamily="18" charset="0"/>
+                <a:latin typeface="Book Antiqua" panose="02040602050305030304" pitchFamily="18" charset="0"/>
               </a:rPr>
               <a:t>Model Evaluation</a:t>
             </a:r>
             <a:endParaRPr lang="en-US" b="1" dirty="0">
-              <a:latin typeface="Book Antiqua" pitchFamily="18" charset="0"/>
+              <a:latin typeface="Book Antiqua" panose="02040602050305030304" pitchFamily="18" charset="0"/>
             </a:endParaRPr>
           </a:p>
         </p:txBody>
@@ -4680,6 +4642,9 @@
               </a:rPr>
               <a:t>Mean Absolute Error or MAE</a:t>
             </a:r>
+            <a:endParaRPr lang="en-US" sz="2800" b="1" dirty="0">
+              <a:latin typeface="Book Antiqua" panose="02040602050305030304" pitchFamily="18" charset="0"/>
+            </a:endParaRPr>
           </a:p>
           <a:p>
             <a:pPr algn="just"/>
@@ -4695,6 +4660,9 @@
               </a:rPr>
               <a:t>).</a:t>
             </a:r>
+            <a:endParaRPr lang="en-US" sz="2800" dirty="0" smtClean="0">
+              <a:latin typeface="Book Antiqua" panose="02040602050305030304" pitchFamily="18" charset="0"/>
+            </a:endParaRPr>
           </a:p>
           <a:p>
             <a:pPr algn="just"/>
@@ -4716,6 +4684,9 @@
               </a:rPr>
               <a:t>If one wants to ignore the outlier values to a certain degree, MAE is the choice since it reduces the penalty of the outliers significantly with the removal of the square terms.</a:t>
             </a:r>
+            <a:endParaRPr lang="en-US" sz="2800" dirty="0">
+              <a:latin typeface="Book Antiqua" panose="02040602050305030304" pitchFamily="18" charset="0"/>
+            </a:endParaRPr>
           </a:p>
           <a:p>
             <a:pPr marL="0" indent="0" algn="just">
@@ -4744,8 +4715,6 @@
           <a:p>
             <a:fld id="{3F22444B-AD59-459C-8316-D24326876BE4}" type="slidenum">
               <a:rPr lang="en-US" smtClean="0"/>
-              <a:pPr/>
-              <a:t>13</a:t>
             </a:fld>
             <a:endParaRPr lang="en-US"/>
           </a:p>
@@ -4780,13 +4749,7 @@
           <p:cNvGraphicFramePr>
             <a:graphicFrameLocks noChangeAspect="1"/>
           </p:cNvGraphicFramePr>
-          <p:nvPr>
-            <p:extLst>
-              <p:ext uri="{D42A27DB-BD31-4B8C-83A1-F6EECF244321}">
-                <p14:modId xmlns:p14="http://schemas.microsoft.com/office/powerpoint/2010/main" val="3646447333"/>
-              </p:ext>
-            </p:extLst>
-          </p:nvPr>
+          <p:nvPr/>
         </p:nvGraphicFramePr>
         <p:xfrm>
           <a:off x="1249363" y="3124200"/>
@@ -4796,21 +4759,21 @@
           <a:graphicData uri="http://schemas.openxmlformats.org/presentationml/2006/ole">
             <mc:AlternateContent xmlns:mc="http://schemas.openxmlformats.org/markup-compatibility/2006">
               <mc:Choice xmlns:v="urn:schemas-microsoft-com:vml" Requires="v">
-                <p:oleObj spid="_x0000_s196645" name="Equation" r:id="rId3" imgW="1257120" imgH="431640" progId="Equation.3">
+                <p:oleObj spid="_x0000_s196645" name="Equation" r:id="rId1" imgW="30175200" imgH="10363200" progId="Equation.3">
                   <p:embed/>
                 </p:oleObj>
               </mc:Choice>
               <mc:Fallback>
-                <p:oleObj name="Equation" r:id="rId3" imgW="1257120" imgH="431640" progId="Equation.3">
+                <p:oleObj name="Equation" r:id="rId1" imgW="30175200" imgH="10363200" progId="Equation.3">
                   <p:embed/>
                   <p:pic>
                     <p:nvPicPr>
-                      <p:cNvPr id="0" name=""/>
+                      <p:cNvPr id="0" name="Picture 196644"/>
                       <p:cNvPicPr/>
                       <p:nvPr/>
                     </p:nvPicPr>
                     <p:blipFill>
-                      <a:blip r:embed="rId4"/>
+                      <a:blip r:embed="rId2"/>
                       <a:stretch>
                         <a:fillRect/>
                       </a:stretch>
@@ -4832,11 +4795,6 @@
         </a:graphic>
       </p:graphicFrame>
     </p:spTree>
-    <p:extLst>
-      <p:ext uri="{BB962C8B-B14F-4D97-AF65-F5344CB8AC3E}">
-        <p14:creationId xmlns:p14="http://schemas.microsoft.com/office/powerpoint/2010/main" val="3615848003"/>
-      </p:ext>
-    </p:extLst>
   </p:cSld>
   <p:clrMapOvr>
     <a:masterClrMapping/>
@@ -4888,12 +4846,12 @@
           <a:p>
             <a:r>
               <a:rPr lang="en-US" b="1" dirty="0" smtClean="0">
-                <a:latin typeface="Book Antiqua" pitchFamily="18" charset="0"/>
+                <a:latin typeface="Book Antiqua" panose="02040602050305030304" pitchFamily="18" charset="0"/>
               </a:rPr>
               <a:t>Model Evaluation</a:t>
             </a:r>
             <a:endParaRPr lang="en-US" b="1" dirty="0">
-              <a:latin typeface="Book Antiqua" pitchFamily="18" charset="0"/>
+              <a:latin typeface="Book Antiqua" panose="02040602050305030304" pitchFamily="18" charset="0"/>
             </a:endParaRPr>
           </a:p>
         </p:txBody>
@@ -4953,6 +4911,9 @@
               </a:rPr>
               <a:t>.</a:t>
             </a:r>
+            <a:endParaRPr lang="en-US" sz="2800" dirty="0" smtClean="0">
+              <a:latin typeface="Book Antiqua" panose="02040602050305030304" pitchFamily="18" charset="0"/>
+            </a:endParaRPr>
           </a:p>
           <a:p>
             <a:pPr algn="just"/>
@@ -4980,6 +4941,9 @@
               </a:rPr>
               <a:t>helps to scale down the effect of the outliers by downplaying the higher error rates with the log function. </a:t>
             </a:r>
+            <a:endParaRPr lang="en-US" sz="2800" dirty="0">
+              <a:latin typeface="Book Antiqua" panose="02040602050305030304" pitchFamily="18" charset="0"/>
+            </a:endParaRPr>
           </a:p>
         </p:txBody>
       </p:sp>
@@ -5000,8 +4964,6 @@
           <a:p>
             <a:fld id="{3F22444B-AD59-459C-8316-D24326876BE4}" type="slidenum">
               <a:rPr lang="en-US" smtClean="0"/>
-              <a:pPr/>
-              <a:t>14</a:t>
             </a:fld>
             <a:endParaRPr lang="en-US"/>
           </a:p>
@@ -5036,13 +4998,7 @@
           <p:cNvGraphicFramePr>
             <a:graphicFrameLocks noChangeAspect="1"/>
           </p:cNvGraphicFramePr>
-          <p:nvPr>
-            <p:extLst>
-              <p:ext uri="{D42A27DB-BD31-4B8C-83A1-F6EECF244321}">
-                <p14:modId xmlns:p14="http://schemas.microsoft.com/office/powerpoint/2010/main" val="2832666269"/>
-              </p:ext>
-            </p:extLst>
-          </p:nvPr>
+          <p:nvPr/>
         </p:nvGraphicFramePr>
         <p:xfrm>
           <a:off x="838200" y="3505200"/>
@@ -5052,21 +5008,21 @@
           <a:graphicData uri="http://schemas.openxmlformats.org/presentationml/2006/ole">
             <mc:AlternateContent xmlns:mc="http://schemas.openxmlformats.org/markup-compatibility/2006">
               <mc:Choice xmlns:v="urn:schemas-microsoft-com:vml" Requires="v">
-                <p:oleObj spid="_x0000_s197668" name="Equation" r:id="rId3" imgW="2616120" imgH="482400" progId="Equation.3">
+                <p:oleObj spid="_x0000_s197668" name="Equation" r:id="rId1" imgW="62788800" imgH="11582400" progId="Equation.3">
                   <p:embed/>
                 </p:oleObj>
               </mc:Choice>
               <mc:Fallback>
-                <p:oleObj name="Equation" r:id="rId3" imgW="2616120" imgH="482400" progId="Equation.3">
+                <p:oleObj name="Equation" r:id="rId1" imgW="62788800" imgH="11582400" progId="Equation.3">
                   <p:embed/>
                   <p:pic>
                     <p:nvPicPr>
-                      <p:cNvPr id="0" name=""/>
+                      <p:cNvPr id="0" name="Picture 197667"/>
                       <p:cNvPicPr/>
                       <p:nvPr/>
                     </p:nvPicPr>
                     <p:blipFill>
-                      <a:blip r:embed="rId4"/>
+                      <a:blip r:embed="rId2"/>
                       <a:stretch>
                         <a:fillRect/>
                       </a:stretch>
@@ -5088,11 +5044,6 @@
         </a:graphic>
       </p:graphicFrame>
     </p:spTree>
-    <p:extLst>
-      <p:ext uri="{BB962C8B-B14F-4D97-AF65-F5344CB8AC3E}">
-        <p14:creationId xmlns:p14="http://schemas.microsoft.com/office/powerpoint/2010/main" val="1892365444"/>
-      </p:ext>
-    </p:extLst>
   </p:cSld>
   <p:clrMapOvr>
     <a:masterClrMapping/>
@@ -5144,12 +5095,12 @@
           <a:p>
             <a:r>
               <a:rPr lang="en-US" b="1" dirty="0" smtClean="0">
-                <a:latin typeface="Book Antiqua" pitchFamily="18" charset="0"/>
+                <a:latin typeface="Book Antiqua" panose="02040602050305030304" pitchFamily="18" charset="0"/>
               </a:rPr>
               <a:t>Model Evaluation</a:t>
             </a:r>
             <a:endParaRPr lang="en-US" b="1" dirty="0">
-              <a:latin typeface="Book Antiqua" pitchFamily="18" charset="0"/>
+              <a:latin typeface="Book Antiqua" panose="02040602050305030304" pitchFamily="18" charset="0"/>
             </a:endParaRPr>
           </a:p>
         </p:txBody>
@@ -5187,28 +5138,31 @@
             </a:r>
             <a:r>
               <a:rPr lang="en-US" sz="2800" b="1" dirty="0">
-                <a:latin typeface="Book Antiqua" pitchFamily="18" charset="0"/>
+                <a:latin typeface="Book Antiqua" panose="02040602050305030304" pitchFamily="18" charset="0"/>
               </a:rPr>
               <a:t>s</a:t>
             </a:r>
             <a:r>
               <a:rPr lang="en-US" sz="2800" b="1" dirty="0" smtClean="0">
-                <a:latin typeface="Book Antiqua" pitchFamily="18" charset="0"/>
+                <a:latin typeface="Book Antiqua" panose="02040602050305030304" pitchFamily="18" charset="0"/>
               </a:rPr>
               <a:t>quared (R</a:t>
             </a:r>
             <a:r>
               <a:rPr lang="en-US" sz="2800" b="1" baseline="30000" dirty="0" smtClean="0">
-                <a:latin typeface="Book Antiqua" pitchFamily="18" charset="0"/>
+                <a:latin typeface="Book Antiqua" panose="02040602050305030304" pitchFamily="18" charset="0"/>
               </a:rPr>
               <a:t>2</a:t>
             </a:r>
             <a:r>
               <a:rPr lang="en-US" sz="2800" b="1" dirty="0" smtClean="0">
-                <a:latin typeface="Book Antiqua" pitchFamily="18" charset="0"/>
+                <a:latin typeface="Book Antiqua" panose="02040602050305030304" pitchFamily="18" charset="0"/>
               </a:rPr>
               <a:t>)</a:t>
             </a:r>
+            <a:endParaRPr lang="en-US" sz="2800" b="1" dirty="0" smtClean="0">
+              <a:latin typeface="Book Antiqua" panose="02040602050305030304" pitchFamily="18" charset="0"/>
+            </a:endParaRPr>
           </a:p>
           <a:p>
             <a:pPr algn="just"/>
@@ -5230,6 +5184,9 @@
               </a:rPr>
               <a:t>.</a:t>
             </a:r>
+            <a:endParaRPr lang="en-US" sz="2800" dirty="0" smtClean="0">
+              <a:latin typeface="Book Antiqua" panose="02040602050305030304" pitchFamily="18" charset="0"/>
+            </a:endParaRPr>
           </a:p>
           <a:p>
             <a:pPr marL="0" indent="0" algn="just">
@@ -5274,8 +5231,6 @@
           <a:p>
             <a:fld id="{3F22444B-AD59-459C-8316-D24326876BE4}" type="slidenum">
               <a:rPr lang="en-US" smtClean="0"/>
-              <a:pPr/>
-              <a:t>15</a:t>
             </a:fld>
             <a:endParaRPr lang="en-US"/>
           </a:p>
@@ -5310,13 +5265,7 @@
           <p:cNvGraphicFramePr>
             <a:graphicFrameLocks noChangeAspect="1"/>
           </p:cNvGraphicFramePr>
-          <p:nvPr>
-            <p:extLst>
-              <p:ext uri="{D42A27DB-BD31-4B8C-83A1-F6EECF244321}">
-                <p14:modId xmlns:p14="http://schemas.microsoft.com/office/powerpoint/2010/main" val="1735644240"/>
-              </p:ext>
-            </p:extLst>
-          </p:nvPr>
+          <p:nvPr/>
         </p:nvGraphicFramePr>
         <p:xfrm>
           <a:off x="958850" y="3667125"/>
@@ -5326,21 +5275,21 @@
           <a:graphicData uri="http://schemas.openxmlformats.org/presentationml/2006/ole">
             <mc:AlternateContent xmlns:mc="http://schemas.openxmlformats.org/markup-compatibility/2006">
               <mc:Choice xmlns:v="urn:schemas-microsoft-com:vml" Requires="v">
-                <p:oleObj spid="_x0000_s198757" name="Equation" r:id="rId4" imgW="2666880" imgH="228600" progId="Equation.3">
+                <p:oleObj spid="_x0000_s198757" name="Equation" r:id="rId1" imgW="64008000" imgH="5486400" progId="Equation.3">
                   <p:embed/>
                 </p:oleObj>
               </mc:Choice>
               <mc:Fallback>
-                <p:oleObj name="Equation" r:id="rId4" imgW="2666880" imgH="228600" progId="Equation.3">
+                <p:oleObj name="Equation" r:id="rId1" imgW="64008000" imgH="5486400" progId="Equation.3">
                   <p:embed/>
                   <p:pic>
                     <p:nvPicPr>
-                      <p:cNvPr id="0" name=""/>
+                      <p:cNvPr id="0" name="Picture 198756"/>
                       <p:cNvPicPr/>
                       <p:nvPr/>
                     </p:nvPicPr>
                     <p:blipFill>
-                      <a:blip r:embed="rId5"/>
+                      <a:blip r:embed="rId2"/>
                       <a:stretch>
                         <a:fillRect/>
                       </a:stretch>
@@ -5367,13 +5316,7 @@
           <p:cNvGraphicFramePr>
             <a:graphicFrameLocks noChangeAspect="1"/>
           </p:cNvGraphicFramePr>
-          <p:nvPr>
-            <p:extLst>
-              <p:ext uri="{D42A27DB-BD31-4B8C-83A1-F6EECF244321}">
-                <p14:modId xmlns:p14="http://schemas.microsoft.com/office/powerpoint/2010/main" val="2546462043"/>
-              </p:ext>
-            </p:extLst>
-          </p:nvPr>
+          <p:nvPr/>
         </p:nvGraphicFramePr>
         <p:xfrm>
           <a:off x="958850" y="4324350"/>
@@ -5383,21 +5326,21 @@
           <a:graphicData uri="http://schemas.openxmlformats.org/presentationml/2006/ole">
             <mc:AlternateContent xmlns:mc="http://schemas.openxmlformats.org/markup-compatibility/2006">
               <mc:Choice xmlns:v="urn:schemas-microsoft-com:vml" Requires="v">
-                <p:oleObj spid="_x0000_s198758" name="Equation" r:id="rId6" imgW="1854000" imgH="431640" progId="Equation.3">
+                <p:oleObj spid="_x0000_s198758" name="Equation" r:id="rId3" imgW="44500800" imgH="10363200" progId="Equation.3">
                   <p:embed/>
                 </p:oleObj>
               </mc:Choice>
               <mc:Fallback>
-                <p:oleObj name="Equation" r:id="rId6" imgW="1854000" imgH="431640" progId="Equation.3">
+                <p:oleObj name="Equation" r:id="rId3" imgW="44500800" imgH="10363200" progId="Equation.3">
                   <p:embed/>
                   <p:pic>
                     <p:nvPicPr>
-                      <p:cNvPr id="0" name=""/>
+                      <p:cNvPr id="0" name="Picture 198757"/>
                       <p:cNvPicPr/>
                       <p:nvPr/>
                     </p:nvPicPr>
                     <p:blipFill>
-                      <a:blip r:embed="rId7"/>
+                      <a:blip r:embed="rId4"/>
                       <a:stretch>
                         <a:fillRect/>
                       </a:stretch>
@@ -5424,13 +5367,7 @@
           <p:cNvGraphicFramePr>
             <a:graphicFrameLocks noChangeAspect="1"/>
           </p:cNvGraphicFramePr>
-          <p:nvPr>
-            <p:extLst>
-              <p:ext uri="{D42A27DB-BD31-4B8C-83A1-F6EECF244321}">
-                <p14:modId xmlns:p14="http://schemas.microsoft.com/office/powerpoint/2010/main" val="2439801346"/>
-              </p:ext>
-            </p:extLst>
-          </p:nvPr>
+          <p:nvPr/>
         </p:nvGraphicFramePr>
         <p:xfrm>
           <a:off x="866775" y="5257800"/>
@@ -5440,21 +5377,21 @@
           <a:graphicData uri="http://schemas.openxmlformats.org/presentationml/2006/ole">
             <mc:AlternateContent xmlns:mc="http://schemas.openxmlformats.org/markup-compatibility/2006">
               <mc:Choice xmlns:v="urn:schemas-microsoft-com:vml" Requires="v">
-                <p:oleObj spid="_x0000_s198759" name="Equation" r:id="rId8" imgW="1942920" imgH="431640" progId="Equation.3">
+                <p:oleObj spid="_x0000_s198759" name="Equation" r:id="rId5" imgW="46634400" imgH="10363200" progId="Equation.3">
                   <p:embed/>
                 </p:oleObj>
               </mc:Choice>
               <mc:Fallback>
-                <p:oleObj name="Equation" r:id="rId8" imgW="1942920" imgH="431640" progId="Equation.3">
+                <p:oleObj name="Equation" r:id="rId5" imgW="46634400" imgH="10363200" progId="Equation.3">
                   <p:embed/>
                   <p:pic>
                     <p:nvPicPr>
-                      <p:cNvPr id="0" name=""/>
+                      <p:cNvPr id="0" name="Picture 198758"/>
                       <p:cNvPicPr/>
                       <p:nvPr/>
                     </p:nvPicPr>
                     <p:blipFill>
-                      <a:blip r:embed="rId9"/>
+                      <a:blip r:embed="rId6"/>
                       <a:stretch>
                         <a:fillRect/>
                       </a:stretch>
@@ -5476,11 +5413,6 @@
         </a:graphic>
       </p:graphicFrame>
     </p:spTree>
-    <p:extLst>
-      <p:ext uri="{BB962C8B-B14F-4D97-AF65-F5344CB8AC3E}">
-        <p14:creationId xmlns:p14="http://schemas.microsoft.com/office/powerpoint/2010/main" val="70705577"/>
-      </p:ext>
-    </p:extLst>
   </p:cSld>
   <p:clrMapOvr>
     <a:masterClrMapping/>
@@ -5532,12 +5464,12 @@
           <a:p>
             <a:r>
               <a:rPr lang="en-US" b="1" dirty="0" smtClean="0">
-                <a:latin typeface="Book Antiqua" pitchFamily="18" charset="0"/>
+                <a:latin typeface="Book Antiqua" panose="02040602050305030304" pitchFamily="18" charset="0"/>
               </a:rPr>
               <a:t>Model Evaluation</a:t>
             </a:r>
             <a:endParaRPr lang="en-US" b="1" dirty="0">
-              <a:latin typeface="Book Antiqua" pitchFamily="18" charset="0"/>
+              <a:latin typeface="Book Antiqua" panose="02040602050305030304" pitchFamily="18" charset="0"/>
             </a:endParaRPr>
           </a:p>
         </p:txBody>
@@ -5575,28 +5507,31 @@
             </a:r>
             <a:r>
               <a:rPr lang="en-US" sz="2800" b="1" dirty="0">
-                <a:latin typeface="Book Antiqua" pitchFamily="18" charset="0"/>
+                <a:latin typeface="Book Antiqua" panose="02040602050305030304" pitchFamily="18" charset="0"/>
               </a:rPr>
               <a:t>s</a:t>
             </a:r>
             <a:r>
               <a:rPr lang="en-US" sz="2800" b="1" dirty="0" smtClean="0">
-                <a:latin typeface="Book Antiqua" pitchFamily="18" charset="0"/>
+                <a:latin typeface="Book Antiqua" panose="02040602050305030304" pitchFamily="18" charset="0"/>
               </a:rPr>
               <a:t>quared (R</a:t>
             </a:r>
             <a:r>
               <a:rPr lang="en-US" sz="2800" b="1" baseline="30000" dirty="0" smtClean="0">
-                <a:latin typeface="Book Antiqua" pitchFamily="18" charset="0"/>
+                <a:latin typeface="Book Antiqua" panose="02040602050305030304" pitchFamily="18" charset="0"/>
               </a:rPr>
               <a:t>2</a:t>
             </a:r>
             <a:r>
               <a:rPr lang="en-US" sz="2800" b="1" dirty="0" smtClean="0">
-                <a:latin typeface="Book Antiqua" pitchFamily="18" charset="0"/>
+                <a:latin typeface="Book Antiqua" panose="02040602050305030304" pitchFamily="18" charset="0"/>
               </a:rPr>
               <a:t>)</a:t>
             </a:r>
+            <a:endParaRPr lang="en-US" sz="2800" b="1" dirty="0" smtClean="0">
+              <a:latin typeface="Book Antiqua" panose="02040602050305030304" pitchFamily="18" charset="0"/>
+            </a:endParaRPr>
           </a:p>
           <a:p>
             <a:pPr algn="just"/>
@@ -5614,16 +5549,19 @@
             </a:r>
             <a:r>
               <a:rPr lang="en-US" sz="2800" dirty="0">
-                <a:latin typeface="Book Antiqua" pitchFamily="18" charset="0"/>
+                <a:latin typeface="Book Antiqua" panose="02040602050305030304" pitchFamily="18" charset="0"/>
               </a:rPr>
               <a:t>R squared value indicates a better fit</a:t>
             </a:r>
             <a:r>
               <a:rPr lang="en-US" sz="2800" dirty="0" smtClean="0">
-                <a:latin typeface="Book Antiqua" pitchFamily="18" charset="0"/>
+                <a:latin typeface="Book Antiqua" panose="02040602050305030304" pitchFamily="18" charset="0"/>
               </a:rPr>
               <a:t>.</a:t>
             </a:r>
+            <a:endParaRPr lang="en-US" sz="2800" dirty="0" smtClean="0">
+              <a:latin typeface="Book Antiqua" panose="02040602050305030304" pitchFamily="18" charset="0"/>
+            </a:endParaRPr>
           </a:p>
           <a:p>
             <a:pPr algn="just"/>
@@ -5645,12 +5583,15 @@
               </a:rPr>
               <a:t>or sometimes also known as Goodness of fit.</a:t>
             </a:r>
+            <a:endParaRPr lang="en-US" sz="2800" dirty="0">
+              <a:latin typeface="Book Antiqua" panose="02040602050305030304" pitchFamily="18" charset="0"/>
+            </a:endParaRPr>
           </a:p>
           <a:p>
             <a:pPr algn="just"/>
             <a:r>
               <a:rPr lang="en-US" sz="2800" dirty="0" smtClean="0">
-                <a:latin typeface="Book Antiqua" pitchFamily="18" charset="0"/>
+                <a:latin typeface="Book Antiqua" panose="02040602050305030304" pitchFamily="18" charset="0"/>
               </a:rPr>
               <a:t>R² </a:t>
             </a:r>
@@ -5661,13 +5602,13 @@
               <a:t>score ranges from 0 to 1. The closest to 1 the R², the better the regression model is. If R² is equal to 0, the model is not performing better than a random model.</a:t>
             </a:r>
             <a:endParaRPr lang="en-US" sz="2800" dirty="0" smtClean="0">
-              <a:latin typeface="Book Antiqua" pitchFamily="18" charset="0"/>
+              <a:latin typeface="Book Antiqua" panose="02040602050305030304" pitchFamily="18" charset="0"/>
             </a:endParaRPr>
           </a:p>
           <a:p>
             <a:pPr algn="just"/>
             <a:endParaRPr lang="en-US" sz="2800" dirty="0">
-              <a:latin typeface="Book Antiqua" pitchFamily="18" charset="0"/>
+              <a:latin typeface="Book Antiqua" panose="02040602050305030304" pitchFamily="18" charset="0"/>
             </a:endParaRPr>
           </a:p>
         </p:txBody>
@@ -5689,8 +5630,6 @@
           <a:p>
             <a:fld id="{3F22444B-AD59-459C-8316-D24326876BE4}" type="slidenum">
               <a:rPr lang="en-US" smtClean="0"/>
-              <a:pPr/>
-              <a:t>16</a:t>
             </a:fld>
             <a:endParaRPr lang="en-US"/>
           </a:p>
@@ -5720,11 +5659,6 @@
         </p:txBody>
       </p:sp>
     </p:spTree>
-    <p:extLst>
-      <p:ext uri="{BB962C8B-B14F-4D97-AF65-F5344CB8AC3E}">
-        <p14:creationId xmlns:p14="http://schemas.microsoft.com/office/powerpoint/2010/main" val="96755065"/>
-      </p:ext>
-    </p:extLst>
   </p:cSld>
   <p:clrMapOvr>
     <a:masterClrMapping/>
@@ -5776,12 +5710,12 @@
           <a:p>
             <a:r>
               <a:rPr lang="en-US" b="1" dirty="0" smtClean="0">
-                <a:latin typeface="Book Antiqua" pitchFamily="18" charset="0"/>
+                <a:latin typeface="Book Antiqua" panose="02040602050305030304" pitchFamily="18" charset="0"/>
               </a:rPr>
               <a:t>Model Evaluation</a:t>
             </a:r>
             <a:endParaRPr lang="en-US" b="1" dirty="0">
-              <a:latin typeface="Book Antiqua" pitchFamily="18" charset="0"/>
+              <a:latin typeface="Book Antiqua" panose="02040602050305030304" pitchFamily="18" charset="0"/>
             </a:endParaRPr>
           </a:p>
         </p:txBody>
@@ -5819,10 +5753,13 @@
             </a:r>
             <a:r>
               <a:rPr lang="en-US" sz="2800" b="1" baseline="30000" dirty="0" smtClean="0">
-                <a:latin typeface="Book Antiqua" pitchFamily="18" charset="0"/>
+                <a:latin typeface="Book Antiqua" panose="02040602050305030304" pitchFamily="18" charset="0"/>
               </a:rPr>
               <a:t>2</a:t>
             </a:r>
+            <a:endParaRPr lang="en-US" sz="2800" b="1" baseline="30000" dirty="0" smtClean="0">
+              <a:latin typeface="Book Antiqua" panose="02040602050305030304" pitchFamily="18" charset="0"/>
+            </a:endParaRPr>
           </a:p>
           <a:p>
             <a:pPr algn="just"/>
@@ -5862,6 +5799,9 @@
               </a:rPr>
               <a:t>score starts increasing or remains constant but it never decreases because It assumes that while adding more data variance of data increases.</a:t>
             </a:r>
+            <a:endParaRPr lang="en-US" sz="2800" dirty="0">
+              <a:latin typeface="Book Antiqua" panose="02040602050305030304" pitchFamily="18" charset="0"/>
+            </a:endParaRPr>
           </a:p>
           <a:p>
             <a:pPr algn="just"/>
@@ -5889,6 +5829,9 @@
               </a:rPr>
               <a:t>starts increasing which is incorrect.</a:t>
             </a:r>
+            <a:endParaRPr lang="en-US" sz="2800" dirty="0">
+              <a:latin typeface="Book Antiqua" panose="02040602050305030304" pitchFamily="18" charset="0"/>
+            </a:endParaRPr>
           </a:p>
           <a:p>
             <a:pPr algn="just"/>
@@ -5910,13 +5853,16 @@
               </a:rPr>
               <a:t>control this situation Adjusted R Squared came into existence.</a:t>
             </a:r>
+            <a:endParaRPr lang="en-US" sz="2800" dirty="0">
+              <a:latin typeface="Book Antiqua" panose="02040602050305030304" pitchFamily="18" charset="0"/>
+            </a:endParaRPr>
           </a:p>
           <a:p>
             <a:pPr marL="0" indent="0" algn="just">
               <a:buNone/>
             </a:pPr>
             <a:endParaRPr lang="en-US" sz="2800" dirty="0" smtClean="0">
-              <a:latin typeface="Book Antiqua" pitchFamily="18" charset="0"/>
+              <a:latin typeface="Book Antiqua" panose="02040602050305030304" pitchFamily="18" charset="0"/>
             </a:endParaRPr>
           </a:p>
         </p:txBody>
@@ -5938,8 +5884,6 @@
           <a:p>
             <a:fld id="{3F22444B-AD59-459C-8316-D24326876BE4}" type="slidenum">
               <a:rPr lang="en-US" smtClean="0"/>
-              <a:pPr/>
-              <a:t>17</a:t>
             </a:fld>
             <a:endParaRPr lang="en-US"/>
           </a:p>
@@ -5969,11 +5913,6 @@
         </p:txBody>
       </p:sp>
     </p:spTree>
-    <p:extLst>
-      <p:ext uri="{BB962C8B-B14F-4D97-AF65-F5344CB8AC3E}">
-        <p14:creationId xmlns:p14="http://schemas.microsoft.com/office/powerpoint/2010/main" val="901554826"/>
-      </p:ext>
-    </p:extLst>
   </p:cSld>
   <p:clrMapOvr>
     <a:masterClrMapping/>
@@ -6025,12 +5964,12 @@
           <a:p>
             <a:r>
               <a:rPr lang="en-US" b="1" dirty="0" smtClean="0">
-                <a:latin typeface="Book Antiqua" pitchFamily="18" charset="0"/>
+                <a:latin typeface="Book Antiqua" panose="02040602050305030304" pitchFamily="18" charset="0"/>
               </a:rPr>
               <a:t>Model Evaluation</a:t>
             </a:r>
             <a:endParaRPr lang="en-US" b="1" dirty="0">
-              <a:latin typeface="Book Antiqua" pitchFamily="18" charset="0"/>
+              <a:latin typeface="Book Antiqua" panose="02040602050305030304" pitchFamily="18" charset="0"/>
             </a:endParaRPr>
           </a:p>
         </p:txBody>
@@ -6068,10 +6007,13 @@
             </a:r>
             <a:r>
               <a:rPr lang="en-US" sz="2800" b="1" baseline="30000" dirty="0" smtClean="0">
-                <a:latin typeface="Book Antiqua" pitchFamily="18" charset="0"/>
+                <a:latin typeface="Book Antiqua" panose="02040602050305030304" pitchFamily="18" charset="0"/>
               </a:rPr>
               <a:t>2</a:t>
             </a:r>
+            <a:endParaRPr lang="en-US" sz="2800" b="1" baseline="30000" dirty="0" smtClean="0">
+              <a:latin typeface="Book Antiqua" panose="02040602050305030304" pitchFamily="18" charset="0"/>
+            </a:endParaRPr>
           </a:p>
           <a:p>
             <a:pPr algn="just"/>
@@ -6084,7 +6026,7 @@
               <a:buNone/>
             </a:pPr>
             <a:endParaRPr lang="en-US" sz="2800" dirty="0" smtClean="0">
-              <a:latin typeface="Book Antiqua" pitchFamily="18" charset="0"/>
+              <a:latin typeface="Book Antiqua" panose="02040602050305030304" pitchFamily="18" charset="0"/>
             </a:endParaRPr>
           </a:p>
           <a:p>
@@ -6093,29 +6035,32 @@
             </a:pPr>
             <a:r>
               <a:rPr lang="en-US" sz="2800" dirty="0" smtClean="0">
-                <a:latin typeface="Book Antiqua" pitchFamily="18" charset="0"/>
+                <a:latin typeface="Book Antiqua" panose="02040602050305030304" pitchFamily="18" charset="0"/>
               </a:rPr>
               <a:t>Where, n is number of observations, k is number of independent variables, and         is adjusted R</a:t>
             </a:r>
             <a:r>
               <a:rPr lang="en-US" sz="2800" baseline="30000" dirty="0" smtClean="0">
-                <a:latin typeface="Book Antiqua" pitchFamily="18" charset="0"/>
+                <a:latin typeface="Book Antiqua" panose="02040602050305030304" pitchFamily="18" charset="0"/>
               </a:rPr>
               <a:t>2</a:t>
             </a:r>
             <a:r>
               <a:rPr lang="en-US" sz="2800" dirty="0" smtClean="0">
-                <a:latin typeface="Book Antiqua" pitchFamily="18" charset="0"/>
+                <a:latin typeface="Book Antiqua" panose="02040602050305030304" pitchFamily="18" charset="0"/>
               </a:rPr>
               <a:t> </a:t>
             </a:r>
+            <a:endParaRPr lang="en-US" sz="2800" dirty="0" smtClean="0">
+              <a:latin typeface="Book Antiqua" panose="02040602050305030304" pitchFamily="18" charset="0"/>
+            </a:endParaRPr>
           </a:p>
           <a:p>
             <a:pPr marL="0" indent="0" algn="just">
               <a:buNone/>
             </a:pPr>
             <a:endParaRPr lang="en-US" sz="2800" dirty="0" smtClean="0">
-              <a:latin typeface="Book Antiqua" pitchFamily="18" charset="0"/>
+              <a:latin typeface="Book Antiqua" panose="02040602050305030304" pitchFamily="18" charset="0"/>
             </a:endParaRPr>
           </a:p>
         </p:txBody>
@@ -6137,8 +6082,6 @@
           <a:p>
             <a:fld id="{3F22444B-AD59-459C-8316-D24326876BE4}" type="slidenum">
               <a:rPr lang="en-US" smtClean="0"/>
-              <a:pPr/>
-              <a:t>18</a:t>
             </a:fld>
             <a:endParaRPr lang="en-US"/>
           </a:p>
@@ -6173,13 +6116,7 @@
           <p:cNvGraphicFramePr>
             <a:graphicFrameLocks noChangeAspect="1"/>
           </p:cNvGraphicFramePr>
-          <p:nvPr>
-            <p:extLst>
-              <p:ext uri="{D42A27DB-BD31-4B8C-83A1-F6EECF244321}">
-                <p14:modId xmlns:p14="http://schemas.microsoft.com/office/powerpoint/2010/main" val="1273537472"/>
-              </p:ext>
-            </p:extLst>
-          </p:nvPr>
+          <p:nvPr/>
         </p:nvGraphicFramePr>
         <p:xfrm>
           <a:off x="252412" y="2286000"/>
@@ -6189,21 +6126,21 @@
           <a:graphicData uri="http://schemas.openxmlformats.org/presentationml/2006/ole">
             <mc:AlternateContent xmlns:mc="http://schemas.openxmlformats.org/markup-compatibility/2006">
               <mc:Choice xmlns:v="urn:schemas-microsoft-com:vml" Requires="v">
-                <p:oleObj spid="_x0000_s199734" name="Equation" r:id="rId3" imgW="1688760" imgH="431640" progId="Equation.3">
+                <p:oleObj spid="_x0000_s199734" name="Equation" r:id="rId1" imgW="40538400" imgH="10363200" progId="Equation.3">
                   <p:embed/>
                 </p:oleObj>
               </mc:Choice>
               <mc:Fallback>
-                <p:oleObj name="Equation" r:id="rId3" imgW="1688760" imgH="431640" progId="Equation.3">
+                <p:oleObj name="Equation" r:id="rId1" imgW="40538400" imgH="10363200" progId="Equation.3">
                   <p:embed/>
                   <p:pic>
                     <p:nvPicPr>
-                      <p:cNvPr id="0" name=""/>
+                      <p:cNvPr id="0" name="Picture 199733"/>
                       <p:cNvPicPr/>
                       <p:nvPr/>
                     </p:nvPicPr>
                     <p:blipFill>
-                      <a:blip r:embed="rId4"/>
+                      <a:blip r:embed="rId2"/>
                       <a:stretch>
                         <a:fillRect/>
                       </a:stretch>
@@ -6230,13 +6167,7 @@
           <p:cNvGraphicFramePr>
             <a:graphicFrameLocks noChangeAspect="1"/>
           </p:cNvGraphicFramePr>
-          <p:nvPr>
-            <p:extLst>
-              <p:ext uri="{D42A27DB-BD31-4B8C-83A1-F6EECF244321}">
-                <p14:modId xmlns:p14="http://schemas.microsoft.com/office/powerpoint/2010/main" val="1757441718"/>
-              </p:ext>
-            </p:extLst>
-          </p:nvPr>
+          <p:nvPr/>
         </p:nvGraphicFramePr>
         <p:xfrm>
           <a:off x="4724400" y="3561554"/>
@@ -6246,21 +6177,21 @@
           <a:graphicData uri="http://schemas.openxmlformats.org/presentationml/2006/ole">
             <mc:AlternateContent xmlns:mc="http://schemas.openxmlformats.org/markup-compatibility/2006">
               <mc:Choice xmlns:v="urn:schemas-microsoft-com:vml" Requires="v">
-                <p:oleObj spid="_x0000_s199735" name="Equation" r:id="rId5" imgW="215640" imgH="241200" progId="Equation.3">
+                <p:oleObj spid="_x0000_s199735" name="Equation" r:id="rId3" imgW="5181600" imgH="5791200" progId="Equation.3">
                   <p:embed/>
                 </p:oleObj>
               </mc:Choice>
               <mc:Fallback>
-                <p:oleObj name="Equation" r:id="rId5" imgW="215640" imgH="241200" progId="Equation.3">
+                <p:oleObj name="Equation" r:id="rId3" imgW="5181600" imgH="5791200" progId="Equation.3">
                   <p:embed/>
                   <p:pic>
                     <p:nvPicPr>
-                      <p:cNvPr id="0" name=""/>
+                      <p:cNvPr id="0" name="Picture 199734"/>
                       <p:cNvPicPr/>
                       <p:nvPr/>
                     </p:nvPicPr>
                     <p:blipFill>
-                      <a:blip r:embed="rId6"/>
+                      <a:blip r:embed="rId4"/>
                       <a:stretch>
                         <a:fillRect/>
                       </a:stretch>
@@ -6282,11 +6213,6 @@
         </a:graphic>
       </p:graphicFrame>
     </p:spTree>
-    <p:extLst>
-      <p:ext uri="{BB962C8B-B14F-4D97-AF65-F5344CB8AC3E}">
-        <p14:creationId xmlns:p14="http://schemas.microsoft.com/office/powerpoint/2010/main" val="4177273965"/>
-      </p:ext>
-    </p:extLst>
   </p:cSld>
   <p:clrMapOvr>
     <a:masterClrMapping/>
@@ -6338,12 +6264,12 @@
           <a:p>
             <a:r>
               <a:rPr lang="en-US" b="1" dirty="0" smtClean="0">
-                <a:latin typeface="Book Antiqua" pitchFamily="18" charset="0"/>
+                <a:latin typeface="Book Antiqua" panose="02040602050305030304" pitchFamily="18" charset="0"/>
               </a:rPr>
               <a:t>Model Evaluation</a:t>
             </a:r>
             <a:endParaRPr lang="en-US" b="1" dirty="0">
-              <a:latin typeface="Book Antiqua" pitchFamily="18" charset="0"/>
+              <a:latin typeface="Book Antiqua" panose="02040602050305030304" pitchFamily="18" charset="0"/>
             </a:endParaRPr>
           </a:p>
         </p:txBody>
@@ -6381,10 +6307,13 @@
             </a:r>
             <a:r>
               <a:rPr lang="en-US" sz="2800" b="1" baseline="30000" dirty="0" smtClean="0">
-                <a:latin typeface="Book Antiqua" pitchFamily="18" charset="0"/>
+                <a:latin typeface="Book Antiqua" panose="02040602050305030304" pitchFamily="18" charset="0"/>
               </a:rPr>
               <a:t>2</a:t>
             </a:r>
+            <a:endParaRPr lang="en-US" sz="2800" b="1" baseline="30000" dirty="0" smtClean="0">
+              <a:latin typeface="Book Antiqua" panose="02040602050305030304" pitchFamily="18" charset="0"/>
+            </a:endParaRPr>
           </a:p>
           <a:p>
             <a:pPr algn="just"/>
@@ -6467,7 +6396,7 @@
               <a:t> will decrease heavily and the denominator will also decrease so the complete term decreases, and on subtracting from one the score increases.</a:t>
             </a:r>
             <a:endParaRPr lang="en-US" sz="2800" dirty="0" smtClean="0">
-              <a:latin typeface="Book Antiqua" pitchFamily="18" charset="0"/>
+              <a:latin typeface="Book Antiqua" panose="02040602050305030304" pitchFamily="18" charset="0"/>
             </a:endParaRPr>
           </a:p>
         </p:txBody>
@@ -6489,8 +6418,6 @@
           <a:p>
             <a:fld id="{3F22444B-AD59-459C-8316-D24326876BE4}" type="slidenum">
               <a:rPr lang="en-US" smtClean="0"/>
-              <a:pPr/>
-              <a:t>19</a:t>
             </a:fld>
             <a:endParaRPr lang="en-US"/>
           </a:p>
@@ -6520,11 +6447,6 @@
         </p:txBody>
       </p:sp>
     </p:spTree>
-    <p:extLst>
-      <p:ext uri="{BB962C8B-B14F-4D97-AF65-F5344CB8AC3E}">
-        <p14:creationId xmlns:p14="http://schemas.microsoft.com/office/powerpoint/2010/main" val="601082877"/>
-      </p:ext>
-    </p:extLst>
   </p:cSld>
   <p:clrMapOvr>
     <a:masterClrMapping/>
@@ -6576,12 +6498,12 @@
           <a:p>
             <a:r>
               <a:rPr lang="en-US" b="1" dirty="0" smtClean="0">
-                <a:latin typeface="Book Antiqua" pitchFamily="18" charset="0"/>
+                <a:latin typeface="Book Antiqua" panose="02040602050305030304" pitchFamily="18" charset="0"/>
               </a:rPr>
               <a:t>Model Evaluation and Selection</a:t>
             </a:r>
             <a:endParaRPr lang="en-US" b="1" dirty="0">
-              <a:latin typeface="Book Antiqua" pitchFamily="18" charset="0"/>
+              <a:latin typeface="Book Antiqua" panose="02040602050305030304" pitchFamily="18" charset="0"/>
             </a:endParaRPr>
           </a:p>
         </p:txBody>
@@ -6627,6 +6549,9 @@
               </a:rPr>
               <a:t>.</a:t>
             </a:r>
+            <a:endParaRPr lang="en-US" sz="2800" dirty="0" smtClean="0">
+              <a:latin typeface="Book Antiqua" panose="02040602050305030304" pitchFamily="18" charset="0"/>
+            </a:endParaRPr>
           </a:p>
           <a:p>
             <a:pPr algn="just"/>
@@ -6642,6 +6567,9 @@
               </a:rPr>
               <a:t> is a technique for selecting the best model after the individual models are evaluated based on the required criteria.</a:t>
             </a:r>
+            <a:endParaRPr lang="en-US" sz="2800" dirty="0">
+              <a:latin typeface="Book Antiqua" panose="02040602050305030304" pitchFamily="18" charset="0"/>
+            </a:endParaRPr>
           </a:p>
         </p:txBody>
       </p:sp>
@@ -6662,8 +6590,6 @@
           <a:p>
             <a:fld id="{3F22444B-AD59-459C-8316-D24326876BE4}" type="slidenum">
               <a:rPr lang="en-US" smtClean="0"/>
-              <a:pPr/>
-              <a:t>2</a:t>
             </a:fld>
             <a:endParaRPr lang="en-US"/>
           </a:p>
@@ -6744,12 +6670,12 @@
           <a:p>
             <a:r>
               <a:rPr lang="en-US" b="1" dirty="0" smtClean="0">
-                <a:latin typeface="Book Antiqua" pitchFamily="18" charset="0"/>
+                <a:latin typeface="Book Antiqua" panose="02040602050305030304" pitchFamily="18" charset="0"/>
               </a:rPr>
               <a:t>Model Evaluation</a:t>
             </a:r>
             <a:endParaRPr lang="en-US" b="1" dirty="0">
-              <a:latin typeface="Book Antiqua" pitchFamily="18" charset="0"/>
+              <a:latin typeface="Book Antiqua" panose="02040602050305030304" pitchFamily="18" charset="0"/>
             </a:endParaRPr>
           </a:p>
         </p:txBody>
@@ -6821,6 +6747,9 @@
               </a:rPr>
               <a:t>.</a:t>
             </a:r>
+            <a:endParaRPr lang="en-US" sz="2800" dirty="0" smtClean="0">
+              <a:latin typeface="Book Antiqua" panose="02040602050305030304" pitchFamily="18" charset="0"/>
+            </a:endParaRPr>
           </a:p>
           <a:p>
             <a:pPr algn="just"/>
@@ -6866,6 +6795,9 @@
               </a:rPr>
               <a:t>method etc. </a:t>
             </a:r>
+            <a:endParaRPr lang="en-US" sz="2800" dirty="0" smtClean="0">
+              <a:latin typeface="Book Antiqua" panose="02040602050305030304" pitchFamily="18" charset="0"/>
+            </a:endParaRPr>
           </a:p>
         </p:txBody>
       </p:sp>
@@ -6886,8 +6818,6 @@
           <a:p>
             <a:fld id="{3F22444B-AD59-459C-8316-D24326876BE4}" type="slidenum">
               <a:rPr lang="en-US" smtClean="0"/>
-              <a:pPr/>
-              <a:t>20</a:t>
             </a:fld>
             <a:endParaRPr lang="en-US"/>
           </a:p>
@@ -6917,11 +6847,6 @@
         </p:txBody>
       </p:sp>
     </p:spTree>
-    <p:extLst>
-      <p:ext uri="{BB962C8B-B14F-4D97-AF65-F5344CB8AC3E}">
-        <p14:creationId xmlns:p14="http://schemas.microsoft.com/office/powerpoint/2010/main" val="168794277"/>
-      </p:ext>
-    </p:extLst>
   </p:cSld>
   <p:clrMapOvr>
     <a:masterClrMapping/>
@@ -6973,12 +6898,12 @@
           <a:p>
             <a:r>
               <a:rPr lang="en-US" b="1" dirty="0" smtClean="0">
-                <a:latin typeface="Book Antiqua" pitchFamily="18" charset="0"/>
+                <a:latin typeface="Book Antiqua" panose="02040602050305030304" pitchFamily="18" charset="0"/>
               </a:rPr>
               <a:t>Model Evaluation</a:t>
             </a:r>
             <a:endParaRPr lang="en-US" b="1" dirty="0">
-              <a:latin typeface="Book Antiqua" pitchFamily="18" charset="0"/>
+              <a:latin typeface="Book Antiqua" panose="02040602050305030304" pitchFamily="18" charset="0"/>
             </a:endParaRPr>
           </a:p>
         </p:txBody>
@@ -7010,18 +6935,18 @@
             </a:pPr>
             <a:r>
               <a:rPr lang="en-US" sz="2800" b="1" dirty="0">
-                <a:latin typeface="Book Antiqua" pitchFamily="18" charset="0"/>
+                <a:latin typeface="Book Antiqua" panose="02040602050305030304" pitchFamily="18" charset="0"/>
               </a:rPr>
               <a:t>Dunn I</a:t>
             </a:r>
             <a:r>
               <a:rPr lang="en-US" sz="2800" b="1" dirty="0" smtClean="0">
-                <a:latin typeface="Book Antiqua" pitchFamily="18" charset="0"/>
+                <a:latin typeface="Book Antiqua" panose="02040602050305030304" pitchFamily="18" charset="0"/>
               </a:rPr>
               <a:t>ndex</a:t>
             </a:r>
             <a:endParaRPr lang="en-US" sz="2800" b="1" dirty="0">
-              <a:latin typeface="Book Antiqua" pitchFamily="18" charset="0"/>
+              <a:latin typeface="Book Antiqua" panose="02040602050305030304" pitchFamily="18" charset="0"/>
             </a:endParaRPr>
           </a:p>
           <a:p>
@@ -7030,40 +6955,43 @@
             </a:pPr>
             <a:r>
               <a:rPr lang="en-US" sz="2800" dirty="0">
-                <a:latin typeface="Book Antiqua" pitchFamily="18" charset="0"/>
+                <a:latin typeface="Book Antiqua" panose="02040602050305030304" pitchFamily="18" charset="0"/>
               </a:rPr>
               <a:t>The Dunn index (DI</a:t>
             </a:r>
             <a:r>
               <a:rPr lang="en-US" sz="2800" dirty="0" smtClean="0">
-                <a:latin typeface="Book Antiqua" pitchFamily="18" charset="0"/>
+                <a:latin typeface="Book Antiqua" panose="02040602050305030304" pitchFamily="18" charset="0"/>
               </a:rPr>
               <a:t>) </a:t>
             </a:r>
             <a:r>
               <a:rPr lang="en-US" sz="2800" dirty="0">
-                <a:latin typeface="Book Antiqua" pitchFamily="18" charset="0"/>
+                <a:latin typeface="Book Antiqua" panose="02040602050305030304" pitchFamily="18" charset="0"/>
               </a:rPr>
               <a:t>a metric for evaluating clustering </a:t>
             </a:r>
             <a:r>
               <a:rPr lang="en-US" sz="2800" dirty="0" smtClean="0">
-                <a:latin typeface="Book Antiqua" pitchFamily="18" charset="0"/>
+                <a:latin typeface="Book Antiqua" panose="02040602050305030304" pitchFamily="18" charset="0"/>
               </a:rPr>
               <a:t>algorithms. The </a:t>
             </a:r>
             <a:r>
               <a:rPr lang="en-US" sz="2800" dirty="0">
-                <a:latin typeface="Book Antiqua" pitchFamily="18" charset="0"/>
+                <a:latin typeface="Book Antiqua" panose="02040602050305030304" pitchFamily="18" charset="0"/>
               </a:rPr>
               <a:t>aim of this Dunn index to identify sets of clusters that are compact, with a small variance between members of the cluster, and well separated, where the means of different clusters are sufficiently far </a:t>
             </a:r>
             <a:r>
               <a:rPr lang="en-US" sz="2800" dirty="0" smtClean="0">
-                <a:latin typeface="Book Antiqua" pitchFamily="18" charset="0"/>
+                <a:latin typeface="Book Antiqua" panose="02040602050305030304" pitchFamily="18" charset="0"/>
               </a:rPr>
               <a:t>apart.</a:t>
             </a:r>
+            <a:endParaRPr lang="en-US" sz="2800" dirty="0" smtClean="0">
+              <a:latin typeface="Book Antiqua" panose="02040602050305030304" pitchFamily="18" charset="0"/>
+            </a:endParaRPr>
           </a:p>
           <a:p>
             <a:pPr marL="0" indent="0" algn="just">
@@ -7071,40 +6999,43 @@
             </a:pPr>
             <a:r>
               <a:rPr lang="en-US" sz="2800" dirty="0">
-                <a:latin typeface="Book Antiqua" pitchFamily="18" charset="0"/>
+                <a:latin typeface="Book Antiqua" panose="02040602050305030304" pitchFamily="18" charset="0"/>
               </a:rPr>
               <a:t>It is calculated as the lowest </a:t>
             </a:r>
             <a:r>
               <a:rPr lang="en-US" sz="2800" dirty="0" smtClean="0">
-                <a:latin typeface="Book Antiqua" pitchFamily="18" charset="0"/>
+                <a:latin typeface="Book Antiqua" panose="02040602050305030304" pitchFamily="18" charset="0"/>
               </a:rPr>
               <a:t>inter-cluster </a:t>
             </a:r>
             <a:r>
               <a:rPr lang="en-US" sz="2800" dirty="0">
-                <a:latin typeface="Book Antiqua" pitchFamily="18" charset="0"/>
+                <a:latin typeface="Book Antiqua" panose="02040602050305030304" pitchFamily="18" charset="0"/>
               </a:rPr>
               <a:t>distance (</a:t>
             </a:r>
             <a:r>
               <a:rPr lang="en-US" sz="2800" dirty="0" err="1">
-                <a:latin typeface="Book Antiqua" pitchFamily="18" charset="0"/>
+                <a:latin typeface="Book Antiqua" panose="02040602050305030304" pitchFamily="18" charset="0"/>
               </a:rPr>
               <a:t>ie</a:t>
             </a:r>
             <a:r>
               <a:rPr lang="en-US" sz="2800" dirty="0">
-                <a:latin typeface="Book Antiqua" pitchFamily="18" charset="0"/>
+                <a:latin typeface="Book Antiqua" panose="02040602050305030304" pitchFamily="18" charset="0"/>
               </a:rPr>
               <a:t>. the smallest distance between any two cluster centroids) divided by the highest </a:t>
             </a:r>
             <a:r>
               <a:rPr lang="en-US" sz="2800" dirty="0" smtClean="0">
-                <a:latin typeface="Book Antiqua" pitchFamily="18" charset="0"/>
+                <a:latin typeface="Book Antiqua" panose="02040602050305030304" pitchFamily="18" charset="0"/>
               </a:rPr>
               <a:t>intra-cluster distance.</a:t>
             </a:r>
+            <a:endParaRPr lang="en-US" sz="2800" dirty="0" smtClean="0">
+              <a:latin typeface="Book Antiqua" panose="02040602050305030304" pitchFamily="18" charset="0"/>
+            </a:endParaRPr>
           </a:p>
         </p:txBody>
       </p:sp>
@@ -7125,8 +7056,6 @@
           <a:p>
             <a:fld id="{3F22444B-AD59-459C-8316-D24326876BE4}" type="slidenum">
               <a:rPr lang="en-US" smtClean="0"/>
-              <a:pPr/>
-              <a:t>21</a:t>
             </a:fld>
             <a:endParaRPr lang="en-US"/>
           </a:p>
@@ -7156,11 +7085,6 @@
         </p:txBody>
       </p:sp>
     </p:spTree>
-    <p:extLst>
-      <p:ext uri="{BB962C8B-B14F-4D97-AF65-F5344CB8AC3E}">
-        <p14:creationId xmlns:p14="http://schemas.microsoft.com/office/powerpoint/2010/main" val="1108287107"/>
-      </p:ext>
-    </p:extLst>
   </p:cSld>
   <p:clrMapOvr>
     <a:masterClrMapping/>
@@ -7212,12 +7136,12 @@
           <a:p>
             <a:r>
               <a:rPr lang="en-US" b="1" dirty="0" smtClean="0">
-                <a:latin typeface="Book Antiqua" pitchFamily="18" charset="0"/>
+                <a:latin typeface="Book Antiqua" panose="02040602050305030304" pitchFamily="18" charset="0"/>
               </a:rPr>
               <a:t>Model Evaluation</a:t>
             </a:r>
             <a:endParaRPr lang="en-US" b="1" dirty="0">
-              <a:latin typeface="Book Antiqua" pitchFamily="18" charset="0"/>
+              <a:latin typeface="Book Antiqua" panose="02040602050305030304" pitchFamily="18" charset="0"/>
             </a:endParaRPr>
           </a:p>
         </p:txBody>
@@ -7247,18 +7171,18 @@
             <a:pPr algn="just"/>
             <a:r>
               <a:rPr lang="en-US" sz="2800" dirty="0" smtClean="0">
-                <a:latin typeface="Book Antiqua" pitchFamily="18" charset="0"/>
+                <a:latin typeface="Book Antiqua" panose="02040602050305030304" pitchFamily="18" charset="0"/>
               </a:rPr>
               <a:t>The </a:t>
             </a:r>
             <a:r>
               <a:rPr lang="en-US" sz="2800" dirty="0">
-                <a:latin typeface="Book Antiqua" pitchFamily="18" charset="0"/>
+                <a:latin typeface="Book Antiqua" panose="02040602050305030304" pitchFamily="18" charset="0"/>
               </a:rPr>
               <a:t>Dunn index for c number of clusters is defined as : </a:t>
             </a:r>
             <a:endParaRPr lang="en-US" sz="2800" dirty="0" smtClean="0">
-              <a:latin typeface="Book Antiqua" pitchFamily="18" charset="0"/>
+              <a:latin typeface="Book Antiqua" panose="02040602050305030304" pitchFamily="18" charset="0"/>
             </a:endParaRPr>
           </a:p>
           <a:p>
@@ -7266,7 +7190,7 @@
               <a:buNone/>
             </a:pPr>
             <a:endParaRPr lang="en-US" sz="2800" dirty="0">
-              <a:latin typeface="Book Antiqua" pitchFamily="18" charset="0"/>
+              <a:latin typeface="Book Antiqua" panose="02040602050305030304" pitchFamily="18" charset="0"/>
             </a:endParaRPr>
           </a:p>
           <a:p>
@@ -7274,7 +7198,7 @@
               <a:buNone/>
             </a:pPr>
             <a:endParaRPr lang="en-US" sz="2800" dirty="0" smtClean="0">
-              <a:latin typeface="Book Antiqua" pitchFamily="18" charset="0"/>
+              <a:latin typeface="Book Antiqua" panose="02040602050305030304" pitchFamily="18" charset="0"/>
             </a:endParaRPr>
           </a:p>
           <a:p>
@@ -7283,16 +7207,19 @@
             </a:pPr>
             <a:r>
               <a:rPr lang="en-US" sz="2800" dirty="0">
-                <a:latin typeface="Book Antiqua" pitchFamily="18" charset="0"/>
+                <a:latin typeface="Book Antiqua" panose="02040602050305030304" pitchFamily="18" charset="0"/>
               </a:rPr>
               <a:t> </a:t>
             </a:r>
             <a:r>
               <a:rPr lang="en-US" sz="2800" dirty="0" smtClean="0">
-                <a:latin typeface="Book Antiqua" pitchFamily="18" charset="0"/>
+                <a:latin typeface="Book Antiqua" panose="02040602050305030304" pitchFamily="18" charset="0"/>
               </a:rPr>
               <a:t>  Where,             is the inter-cluster distance between</a:t>
             </a:r>
+            <a:endParaRPr lang="en-US" sz="2800" dirty="0" smtClean="0">
+              <a:latin typeface="Book Antiqua" panose="02040602050305030304" pitchFamily="18" charset="0"/>
+            </a:endParaRPr>
           </a:p>
           <a:p>
             <a:pPr marL="0" indent="0" algn="just">
@@ -7300,17 +7227,20 @@
             </a:pPr>
             <a:r>
               <a:rPr lang="en-US" sz="2800" dirty="0" smtClean="0">
-                <a:latin typeface="Book Antiqua" pitchFamily="18" charset="0"/>
+                <a:latin typeface="Book Antiqua" panose="02040602050305030304" pitchFamily="18" charset="0"/>
               </a:rPr>
               <a:t>   clusters.        is intra-cluster distance.</a:t>
             </a:r>
+            <a:endParaRPr lang="en-US" sz="2800" dirty="0" smtClean="0">
+              <a:latin typeface="Book Antiqua" panose="02040602050305030304" pitchFamily="18" charset="0"/>
+            </a:endParaRPr>
           </a:p>
           <a:p>
             <a:pPr marL="0" indent="0" algn="just">
               <a:buNone/>
             </a:pPr>
             <a:endParaRPr lang="en-US" sz="2800" dirty="0" smtClean="0">
-              <a:latin typeface="Book Antiqua" pitchFamily="18" charset="0"/>
+              <a:latin typeface="Book Antiqua" panose="02040602050305030304" pitchFamily="18" charset="0"/>
             </a:endParaRPr>
           </a:p>
         </p:txBody>
@@ -7332,8 +7262,6 @@
           <a:p>
             <a:fld id="{3F22444B-AD59-459C-8316-D24326876BE4}" type="slidenum">
               <a:rPr lang="en-US" smtClean="0"/>
-              <a:pPr/>
-              <a:t>22</a:t>
             </a:fld>
             <a:endParaRPr lang="en-US"/>
           </a:p>
@@ -7368,13 +7296,7 @@
           <p:cNvGraphicFramePr>
             <a:graphicFrameLocks noChangeAspect="1"/>
           </p:cNvGraphicFramePr>
-          <p:nvPr>
-            <p:extLst>
-              <p:ext uri="{D42A27DB-BD31-4B8C-83A1-F6EECF244321}">
-                <p14:modId xmlns:p14="http://schemas.microsoft.com/office/powerpoint/2010/main" val="641413375"/>
-              </p:ext>
-            </p:extLst>
-          </p:nvPr>
+          <p:nvPr/>
         </p:nvGraphicFramePr>
         <p:xfrm>
           <a:off x="584200" y="2360613"/>
@@ -7384,21 +7306,21 @@
           <a:graphicData uri="http://schemas.openxmlformats.org/presentationml/2006/ole">
             <mc:AlternateContent xmlns:mc="http://schemas.openxmlformats.org/markup-compatibility/2006">
               <mc:Choice xmlns:v="urn:schemas-microsoft-com:vml" Requires="v">
-                <p:oleObj spid="_x0000_s205895" name="Equation" r:id="rId3" imgW="2717640" imgH="507960" progId="Equation.3">
+                <p:oleObj spid="_x0000_s205895" name="Equation" r:id="rId1" imgW="65227200" imgH="12192000" progId="Equation.3">
                   <p:embed/>
                 </p:oleObj>
               </mc:Choice>
               <mc:Fallback>
-                <p:oleObj name="Equation" r:id="rId3" imgW="2717640" imgH="507960" progId="Equation.3">
+                <p:oleObj name="Equation" r:id="rId1" imgW="65227200" imgH="12192000" progId="Equation.3">
                   <p:embed/>
                   <p:pic>
                     <p:nvPicPr>
-                      <p:cNvPr id="0" name=""/>
+                      <p:cNvPr id="0" name="Picture 205894"/>
                       <p:cNvPicPr/>
                       <p:nvPr/>
                     </p:nvPicPr>
                     <p:blipFill>
-                      <a:blip r:embed="rId4"/>
+                      <a:blip r:embed="rId2"/>
                       <a:stretch>
                         <a:fillRect/>
                       </a:stretch>
@@ -7425,13 +7347,7 @@
           <p:cNvGraphicFramePr>
             <a:graphicFrameLocks noChangeAspect="1"/>
           </p:cNvGraphicFramePr>
-          <p:nvPr>
-            <p:extLst>
-              <p:ext uri="{D42A27DB-BD31-4B8C-83A1-F6EECF244321}">
-                <p14:modId xmlns:p14="http://schemas.microsoft.com/office/powerpoint/2010/main" val="2625594417"/>
-              </p:ext>
-            </p:extLst>
-          </p:nvPr>
+          <p:nvPr/>
         </p:nvGraphicFramePr>
         <p:xfrm>
           <a:off x="1752600" y="3648176"/>
@@ -7441,21 +7357,21 @@
           <a:graphicData uri="http://schemas.openxmlformats.org/presentationml/2006/ole">
             <mc:AlternateContent xmlns:mc="http://schemas.openxmlformats.org/markup-compatibility/2006">
               <mc:Choice xmlns:v="urn:schemas-microsoft-com:vml" Requires="v">
-                <p:oleObj spid="_x0000_s205896" name="Equation" r:id="rId5" imgW="596880" imgH="241200" progId="Equation.3">
+                <p:oleObj spid="_x0000_s205896" name="Equation" r:id="rId3" imgW="14325600" imgH="5791200" progId="Equation.3">
                   <p:embed/>
                 </p:oleObj>
               </mc:Choice>
               <mc:Fallback>
-                <p:oleObj name="Equation" r:id="rId5" imgW="596880" imgH="241200" progId="Equation.3">
+                <p:oleObj name="Equation" r:id="rId3" imgW="14325600" imgH="5791200" progId="Equation.3">
                   <p:embed/>
                   <p:pic>
                     <p:nvPicPr>
-                      <p:cNvPr id="0" name=""/>
+                      <p:cNvPr id="0" name="Picture 205895"/>
                       <p:cNvPicPr/>
                       <p:nvPr/>
                     </p:nvPicPr>
                     <p:blipFill>
-                      <a:blip r:embed="rId6"/>
+                      <a:blip r:embed="rId4"/>
                       <a:stretch>
                         <a:fillRect/>
                       </a:stretch>
@@ -7482,13 +7398,7 @@
           <p:cNvGraphicFramePr>
             <a:graphicFrameLocks noChangeAspect="1"/>
           </p:cNvGraphicFramePr>
-          <p:nvPr>
-            <p:extLst>
-              <p:ext uri="{D42A27DB-BD31-4B8C-83A1-F6EECF244321}">
-                <p14:modId xmlns:p14="http://schemas.microsoft.com/office/powerpoint/2010/main" val="1204119949"/>
-              </p:ext>
-            </p:extLst>
-          </p:nvPr>
+          <p:nvPr/>
         </p:nvGraphicFramePr>
         <p:xfrm>
           <a:off x="1905000" y="4159147"/>
@@ -7498,21 +7408,21 @@
           <a:graphicData uri="http://schemas.openxmlformats.org/presentationml/2006/ole">
             <mc:AlternateContent xmlns:mc="http://schemas.openxmlformats.org/markup-compatibility/2006">
               <mc:Choice xmlns:v="urn:schemas-microsoft-com:vml" Requires="v">
-                <p:oleObj spid="_x0000_s205897" name="Equation" r:id="rId7" imgW="304560" imgH="228600" progId="Equation.3">
+                <p:oleObj spid="_x0000_s205897" name="Equation" r:id="rId5" imgW="7315200" imgH="5486400" progId="Equation.3">
                   <p:embed/>
                 </p:oleObj>
               </mc:Choice>
               <mc:Fallback>
-                <p:oleObj name="Equation" r:id="rId7" imgW="304560" imgH="228600" progId="Equation.3">
+                <p:oleObj name="Equation" r:id="rId5" imgW="7315200" imgH="5486400" progId="Equation.3">
                   <p:embed/>
                   <p:pic>
                     <p:nvPicPr>
-                      <p:cNvPr id="0" name=""/>
+                      <p:cNvPr id="0" name="Picture 205896"/>
                       <p:cNvPicPr/>
                       <p:nvPr/>
                     </p:nvPicPr>
                     <p:blipFill>
-                      <a:blip r:embed="rId8"/>
+                      <a:blip r:embed="rId6"/>
                       <a:stretch>
                         <a:fillRect/>
                       </a:stretch>
@@ -7534,11 +7444,6 @@
         </a:graphic>
       </p:graphicFrame>
     </p:spTree>
-    <p:extLst>
-      <p:ext uri="{BB962C8B-B14F-4D97-AF65-F5344CB8AC3E}">
-        <p14:creationId xmlns:p14="http://schemas.microsoft.com/office/powerpoint/2010/main" val="2294073615"/>
-      </p:ext>
-    </p:extLst>
   </p:cSld>
   <p:clrMapOvr>
     <a:masterClrMapping/>
@@ -7590,12 +7495,12 @@
           <a:p>
             <a:r>
               <a:rPr lang="en-US" b="1" dirty="0" smtClean="0">
-                <a:latin typeface="Book Antiqua" pitchFamily="18" charset="0"/>
+                <a:latin typeface="Book Antiqua" panose="02040602050305030304" pitchFamily="18" charset="0"/>
               </a:rPr>
               <a:t>Model Evaluation</a:t>
             </a:r>
             <a:endParaRPr lang="en-US" b="1" dirty="0">
-              <a:latin typeface="Book Antiqua" pitchFamily="18" charset="0"/>
+              <a:latin typeface="Book Antiqua" panose="02040602050305030304" pitchFamily="18" charset="0"/>
             </a:endParaRPr>
           </a:p>
         </p:txBody>
@@ -7648,7 +7553,7 @@
               <a:t>also has some drawbacks. As the number of clusters and dimensionality of the data increase, the computational cost also increases. </a:t>
             </a:r>
             <a:endParaRPr lang="en-US" sz="2800" dirty="0" smtClean="0">
-              <a:latin typeface="Book Antiqua" pitchFamily="18" charset="0"/>
+              <a:latin typeface="Book Antiqua" panose="02040602050305030304" pitchFamily="18" charset="0"/>
             </a:endParaRPr>
           </a:p>
         </p:txBody>
@@ -7670,8 +7575,6 @@
           <a:p>
             <a:fld id="{3F22444B-AD59-459C-8316-D24326876BE4}" type="slidenum">
               <a:rPr lang="en-US" smtClean="0"/>
-              <a:pPr/>
-              <a:t>23</a:t>
             </a:fld>
             <a:endParaRPr lang="en-US"/>
           </a:p>
@@ -7701,11 +7604,6 @@
         </p:txBody>
       </p:sp>
     </p:spTree>
-    <p:extLst>
-      <p:ext uri="{BB962C8B-B14F-4D97-AF65-F5344CB8AC3E}">
-        <p14:creationId xmlns:p14="http://schemas.microsoft.com/office/powerpoint/2010/main" val="214258799"/>
-      </p:ext>
-    </p:extLst>
   </p:cSld>
   <p:clrMapOvr>
     <a:masterClrMapping/>
@@ -7757,12 +7655,12 @@
           <a:p>
             <a:r>
               <a:rPr lang="en-US" b="1" dirty="0" smtClean="0">
-                <a:latin typeface="Book Antiqua" pitchFamily="18" charset="0"/>
+                <a:latin typeface="Book Antiqua" panose="02040602050305030304" pitchFamily="18" charset="0"/>
               </a:rPr>
               <a:t>Model Evaluation</a:t>
             </a:r>
             <a:endParaRPr lang="en-US" b="1" dirty="0">
-              <a:latin typeface="Book Antiqua" pitchFamily="18" charset="0"/>
+              <a:latin typeface="Book Antiqua" panose="02040602050305030304" pitchFamily="18" charset="0"/>
             </a:endParaRPr>
           </a:p>
         </p:txBody>
@@ -7804,40 +7702,46 @@
               </a:rPr>
               <a:t>Coefficient</a:t>
             </a:r>
+            <a:endParaRPr lang="en-US" sz="2800" b="1" dirty="0" smtClean="0">
+              <a:latin typeface="Book Antiqua" panose="02040602050305030304" pitchFamily="18" charset="0"/>
+            </a:endParaRPr>
           </a:p>
           <a:p>
             <a:pPr algn="just"/>
             <a:r>
               <a:rPr lang="en-US" sz="2800" dirty="0">
-                <a:latin typeface="Book Antiqua" pitchFamily="18" charset="0"/>
+                <a:latin typeface="Book Antiqua" panose="02040602050305030304" pitchFamily="18" charset="0"/>
               </a:rPr>
               <a:t>Silhouette Coefficient or silhouette score is </a:t>
             </a:r>
             <a:r>
               <a:rPr lang="en-US" sz="2800" dirty="0" smtClean="0">
-                <a:latin typeface="Book Antiqua" pitchFamily="18" charset="0"/>
+                <a:latin typeface="Book Antiqua" panose="02040602050305030304" pitchFamily="18" charset="0"/>
               </a:rPr>
               <a:t>another  </a:t>
             </a:r>
             <a:r>
               <a:rPr lang="en-US" sz="2800" dirty="0">
-                <a:latin typeface="Book Antiqua" pitchFamily="18" charset="0"/>
+                <a:latin typeface="Book Antiqua" panose="02040602050305030304" pitchFamily="18" charset="0"/>
               </a:rPr>
               <a:t>metric used to calculate the goodness of a clustering technique. Its value ranges from -1 to 1</a:t>
             </a:r>
             <a:r>
               <a:rPr lang="en-US" sz="2800" dirty="0" smtClean="0">
-                <a:latin typeface="Book Antiqua" pitchFamily="18" charset="0"/>
+                <a:latin typeface="Book Antiqua" panose="02040602050305030304" pitchFamily="18" charset="0"/>
               </a:rPr>
               <a:t>.</a:t>
             </a:r>
+            <a:endParaRPr lang="en-US" sz="2800" dirty="0" smtClean="0">
+              <a:latin typeface="Book Antiqua" panose="02040602050305030304" pitchFamily="18" charset="0"/>
+            </a:endParaRPr>
           </a:p>
           <a:p>
             <a:pPr marL="0" indent="0" algn="just">
               <a:buNone/>
             </a:pPr>
             <a:endParaRPr lang="en-US" sz="2800" dirty="0" smtClean="0">
-              <a:latin typeface="Book Antiqua" pitchFamily="18" charset="0"/>
+              <a:latin typeface="Book Antiqua" panose="02040602050305030304" pitchFamily="18" charset="0"/>
             </a:endParaRPr>
           </a:p>
           <a:p>
@@ -7846,35 +7750,38 @@
             </a:pPr>
             <a:r>
               <a:rPr lang="en-US" sz="2800" dirty="0" smtClean="0">
-                <a:latin typeface="Book Antiqua" pitchFamily="18" charset="0"/>
+                <a:latin typeface="Book Antiqua" panose="02040602050305030304" pitchFamily="18" charset="0"/>
               </a:rPr>
               <a:t>	Silhouette </a:t>
             </a:r>
             <a:r>
               <a:rPr lang="en-US" sz="2800" dirty="0">
-                <a:latin typeface="Book Antiqua" pitchFamily="18" charset="0"/>
+                <a:latin typeface="Book Antiqua" panose="02040602050305030304" pitchFamily="18" charset="0"/>
               </a:rPr>
               <a:t>Score = (b-a)/max(</a:t>
             </a:r>
             <a:r>
               <a:rPr lang="en-US" sz="2800" dirty="0" err="1">
-                <a:latin typeface="Book Antiqua" pitchFamily="18" charset="0"/>
+                <a:latin typeface="Book Antiqua" panose="02040602050305030304" pitchFamily="18" charset="0"/>
               </a:rPr>
               <a:t>a,b</a:t>
             </a:r>
             <a:r>
               <a:rPr lang="en-US" sz="2800" dirty="0" smtClean="0">
-                <a:latin typeface="Book Antiqua" pitchFamily="18" charset="0"/>
+                <a:latin typeface="Book Antiqua" panose="02040602050305030304" pitchFamily="18" charset="0"/>
               </a:rPr>
               <a:t>)</a:t>
             </a:r>
+            <a:endParaRPr lang="en-US" sz="2800" dirty="0" smtClean="0">
+              <a:latin typeface="Book Antiqua" panose="02040602050305030304" pitchFamily="18" charset="0"/>
+            </a:endParaRPr>
           </a:p>
           <a:p>
             <a:pPr marL="0" indent="0" algn="just">
               <a:buNone/>
             </a:pPr>
             <a:endParaRPr lang="en-US" sz="2800" dirty="0">
-              <a:latin typeface="Book Antiqua" pitchFamily="18" charset="0"/>
+              <a:latin typeface="Book Antiqua" panose="02040602050305030304" pitchFamily="18" charset="0"/>
             </a:endParaRPr>
           </a:p>
           <a:p>
@@ -7883,29 +7790,32 @@
             </a:pPr>
             <a:r>
               <a:rPr lang="en-US" sz="2800" dirty="0" smtClean="0">
-                <a:latin typeface="Book Antiqua" pitchFamily="18" charset="0"/>
+                <a:latin typeface="Book Antiqua" panose="02040602050305030304" pitchFamily="18" charset="0"/>
               </a:rPr>
               <a:t>	where, a</a:t>
             </a:r>
             <a:r>
               <a:rPr lang="en-US" sz="2800" dirty="0">
-                <a:latin typeface="Book Antiqua" pitchFamily="18" charset="0"/>
+                <a:latin typeface="Book Antiqua" panose="02040602050305030304" pitchFamily="18" charset="0"/>
               </a:rPr>
               <a:t>= average intra-cluster </a:t>
             </a:r>
             <a:r>
               <a:rPr lang="en-US" sz="2800" dirty="0" smtClean="0">
-                <a:latin typeface="Book Antiqua" pitchFamily="18" charset="0"/>
+                <a:latin typeface="Book Antiqua" panose="02040602050305030304" pitchFamily="18" charset="0"/>
               </a:rPr>
               <a:t>distance and b is  	average nearest inter-cluster distance.</a:t>
             </a:r>
+            <a:endParaRPr lang="en-US" sz="2800" dirty="0" smtClean="0">
+              <a:latin typeface="Book Antiqua" panose="02040602050305030304" pitchFamily="18" charset="0"/>
+            </a:endParaRPr>
           </a:p>
           <a:p>
             <a:pPr marL="0" indent="0" algn="just">
               <a:buNone/>
             </a:pPr>
             <a:endParaRPr lang="en-US" sz="2800" dirty="0" smtClean="0">
-              <a:latin typeface="Book Antiqua" pitchFamily="18" charset="0"/>
+              <a:latin typeface="Book Antiqua" panose="02040602050305030304" pitchFamily="18" charset="0"/>
             </a:endParaRPr>
           </a:p>
         </p:txBody>
@@ -7927,8 +7837,6 @@
           <a:p>
             <a:fld id="{3F22444B-AD59-459C-8316-D24326876BE4}" type="slidenum">
               <a:rPr lang="en-US" smtClean="0"/>
-              <a:pPr/>
-              <a:t>24</a:t>
             </a:fld>
             <a:endParaRPr lang="en-US"/>
           </a:p>
@@ -7958,11 +7866,6 @@
         </p:txBody>
       </p:sp>
     </p:spTree>
-    <p:extLst>
-      <p:ext uri="{BB962C8B-B14F-4D97-AF65-F5344CB8AC3E}">
-        <p14:creationId xmlns:p14="http://schemas.microsoft.com/office/powerpoint/2010/main" val="4063885425"/>
-      </p:ext>
-    </p:extLst>
   </p:cSld>
   <p:clrMapOvr>
     <a:masterClrMapping/>
@@ -8014,12 +7917,12 @@
           <a:p>
             <a:r>
               <a:rPr lang="en-US" b="1" dirty="0" smtClean="0">
-                <a:latin typeface="Book Antiqua" pitchFamily="18" charset="0"/>
+                <a:latin typeface="Book Antiqua" panose="02040602050305030304" pitchFamily="18" charset="0"/>
               </a:rPr>
               <a:t>Model Evaluation</a:t>
             </a:r>
             <a:endParaRPr lang="en-US" b="1" dirty="0">
-              <a:latin typeface="Book Antiqua" pitchFamily="18" charset="0"/>
+              <a:latin typeface="Book Antiqua" panose="02040602050305030304" pitchFamily="18" charset="0"/>
             </a:endParaRPr>
           </a:p>
         </p:txBody>
@@ -8049,12 +7952,12 @@
             <a:pPr algn="just"/>
             <a:r>
               <a:rPr lang="en-US" sz="2800" dirty="0">
-                <a:latin typeface="Book Antiqua" pitchFamily="18" charset="0"/>
+                <a:latin typeface="Book Antiqua" panose="02040602050305030304" pitchFamily="18" charset="0"/>
               </a:rPr>
               <a:t>The best value is 1 and the worst value is -1. Values near 0 indicate overlapping clusters. Negative values generally indicate that a sample has been assigned to the wrong cluster, as a different cluster is more similar.</a:t>
             </a:r>
             <a:endParaRPr lang="en-US" sz="2800" dirty="0" smtClean="0">
-              <a:latin typeface="Book Antiqua" pitchFamily="18" charset="0"/>
+              <a:latin typeface="Book Antiqua" panose="02040602050305030304" pitchFamily="18" charset="0"/>
             </a:endParaRPr>
           </a:p>
         </p:txBody>
@@ -8076,8 +7979,6 @@
           <a:p>
             <a:fld id="{3F22444B-AD59-459C-8316-D24326876BE4}" type="slidenum">
               <a:rPr lang="en-US" smtClean="0"/>
-              <a:pPr/>
-              <a:t>25</a:t>
             </a:fld>
             <a:endParaRPr lang="en-US"/>
           </a:p>
@@ -8107,11 +8008,6 @@
         </p:txBody>
       </p:sp>
     </p:spTree>
-    <p:extLst>
-      <p:ext uri="{BB962C8B-B14F-4D97-AF65-F5344CB8AC3E}">
-        <p14:creationId xmlns:p14="http://schemas.microsoft.com/office/powerpoint/2010/main" val="905252750"/>
-      </p:ext>
-    </p:extLst>
   </p:cSld>
   <p:clrMapOvr>
     <a:masterClrMapping/>
@@ -8163,12 +8059,12 @@
           <a:p>
             <a:r>
               <a:rPr lang="en-US" b="1" dirty="0" smtClean="0">
-                <a:latin typeface="Book Antiqua" pitchFamily="18" charset="0"/>
+                <a:latin typeface="Book Antiqua" panose="02040602050305030304" pitchFamily="18" charset="0"/>
               </a:rPr>
               <a:t>Model Evaluation</a:t>
             </a:r>
             <a:endParaRPr lang="en-US" b="1" dirty="0">
-              <a:latin typeface="Book Antiqua" pitchFamily="18" charset="0"/>
+              <a:latin typeface="Book Antiqua" panose="02040602050305030304" pitchFamily="18" charset="0"/>
             </a:endParaRPr>
           </a:p>
         </p:txBody>
@@ -8200,39 +8096,42 @@
             </a:pPr>
             <a:r>
               <a:rPr lang="en-US" sz="2800" b="1" dirty="0" smtClean="0">
-                <a:latin typeface="Book Antiqua" pitchFamily="18" charset="0"/>
+                <a:latin typeface="Book Antiqua" panose="02040602050305030304" pitchFamily="18" charset="0"/>
               </a:rPr>
               <a:t>Elbow Method</a:t>
             </a:r>
+            <a:endParaRPr lang="en-US" sz="2800" b="1" dirty="0" smtClean="0">
+              <a:latin typeface="Book Antiqua" panose="02040602050305030304" pitchFamily="18" charset="0"/>
+            </a:endParaRPr>
           </a:p>
           <a:p>
             <a:pPr algn="just"/>
             <a:r>
               <a:rPr lang="en-US" sz="2800" dirty="0">
-                <a:latin typeface="Book Antiqua" pitchFamily="18" charset="0"/>
+                <a:latin typeface="Book Antiqua" panose="02040602050305030304" pitchFamily="18" charset="0"/>
               </a:rPr>
               <a:t>The elbow method is used to determine the number of clusters in a dataset by plotting the number of clusters on the x-axis against the percentage of variance explained on the y-axis. </a:t>
             </a:r>
             <a:endParaRPr lang="en-US" sz="2800" dirty="0" smtClean="0">
-              <a:latin typeface="Book Antiqua" pitchFamily="18" charset="0"/>
+              <a:latin typeface="Book Antiqua" panose="02040602050305030304" pitchFamily="18" charset="0"/>
             </a:endParaRPr>
           </a:p>
           <a:p>
             <a:pPr algn="just"/>
             <a:r>
               <a:rPr lang="en-US" sz="2800" dirty="0" smtClean="0">
-                <a:latin typeface="Book Antiqua" pitchFamily="18" charset="0"/>
+                <a:latin typeface="Book Antiqua" panose="02040602050305030304" pitchFamily="18" charset="0"/>
               </a:rPr>
               <a:t>The </a:t>
             </a:r>
             <a:r>
               <a:rPr lang="en-US" sz="2800" dirty="0">
-                <a:latin typeface="Book Antiqua" pitchFamily="18" charset="0"/>
+                <a:latin typeface="Book Antiqua" panose="02040602050305030304" pitchFamily="18" charset="0"/>
               </a:rPr>
               <a:t>point in x-axis where the curve suddenly bends (the elbow) is considered to suggest the optimal number of clusters.</a:t>
             </a:r>
             <a:endParaRPr lang="en-US" sz="2800" dirty="0" smtClean="0">
-              <a:latin typeface="Book Antiqua" pitchFamily="18" charset="0"/>
+              <a:latin typeface="Book Antiqua" panose="02040602050305030304" pitchFamily="18" charset="0"/>
             </a:endParaRPr>
           </a:p>
         </p:txBody>
@@ -8254,8 +8153,6 @@
           <a:p>
             <a:fld id="{3F22444B-AD59-459C-8316-D24326876BE4}" type="slidenum">
               <a:rPr lang="en-US" smtClean="0"/>
-              <a:pPr/>
-              <a:t>26</a:t>
             </a:fld>
             <a:endParaRPr lang="en-US"/>
           </a:p>
@@ -8285,11 +8182,6 @@
         </p:txBody>
       </p:sp>
     </p:spTree>
-    <p:extLst>
-      <p:ext uri="{BB962C8B-B14F-4D97-AF65-F5344CB8AC3E}">
-        <p14:creationId xmlns:p14="http://schemas.microsoft.com/office/powerpoint/2010/main" val="654165118"/>
-      </p:ext>
-    </p:extLst>
   </p:cSld>
   <p:clrMapOvr>
     <a:masterClrMapping/>
@@ -8341,12 +8233,12 @@
           <a:p>
             <a:r>
               <a:rPr lang="en-US" b="1" dirty="0" smtClean="0">
-                <a:latin typeface="Book Antiqua" pitchFamily="18" charset="0"/>
+                <a:latin typeface="Book Antiqua" panose="02040602050305030304" pitchFamily="18" charset="0"/>
               </a:rPr>
               <a:t>Model Evaluation</a:t>
             </a:r>
             <a:endParaRPr lang="en-US" b="1" dirty="0">
-              <a:latin typeface="Book Antiqua" pitchFamily="18" charset="0"/>
+              <a:latin typeface="Book Antiqua" panose="02040602050305030304" pitchFamily="18" charset="0"/>
             </a:endParaRPr>
           </a:p>
         </p:txBody>
@@ -8388,6 +8280,9 @@
               </a:rPr>
               <a:t>elbow method in these 4 steps:</a:t>
             </a:r>
+            <a:endParaRPr lang="en-US" sz="2800" dirty="0">
+              <a:latin typeface="Book Antiqua" panose="02040602050305030304" pitchFamily="18" charset="0"/>
+            </a:endParaRPr>
           </a:p>
           <a:p>
             <a:pPr algn="just" fontAlgn="base"/>
@@ -8397,6 +8292,9 @@
               </a:rPr>
               <a:t>Run K-means for a range of K's</a:t>
             </a:r>
+            <a:endParaRPr lang="en-US" sz="2800" dirty="0">
+              <a:latin typeface="Book Antiqua" panose="02040602050305030304" pitchFamily="18" charset="0"/>
+            </a:endParaRPr>
           </a:p>
           <a:p>
             <a:pPr algn="just" fontAlgn="base"/>
@@ -8418,6 +8316,9 @@
               </a:rPr>
               <a:t>from the cluster mean</a:t>
             </a:r>
+            <a:endParaRPr lang="en-US" sz="2800" dirty="0">
+              <a:latin typeface="Book Antiqua" panose="02040602050305030304" pitchFamily="18" charset="0"/>
+            </a:endParaRPr>
           </a:p>
           <a:p>
             <a:pPr algn="just" fontAlgn="base"/>
@@ -8427,6 +8328,9 @@
               </a:rPr>
               <a:t>Plot a curve of the SSD over K's</a:t>
             </a:r>
+            <a:endParaRPr lang="en-US" sz="2800" dirty="0">
+              <a:latin typeface="Book Antiqua" panose="02040602050305030304" pitchFamily="18" charset="0"/>
+            </a:endParaRPr>
           </a:p>
           <a:p>
             <a:pPr algn="just" fontAlgn="base"/>
@@ -8436,41 +8340,44 @@
               </a:rPr>
               <a:t>Visually pick the K at the elbow</a:t>
             </a:r>
+            <a:endParaRPr lang="en-US" sz="2800" dirty="0">
+              <a:latin typeface="Book Antiqua" panose="02040602050305030304" pitchFamily="18" charset="0"/>
+            </a:endParaRPr>
           </a:p>
           <a:p>
             <a:pPr algn="just"/>
             <a:endParaRPr lang="en-US" sz="2800" dirty="0" smtClean="0">
-              <a:latin typeface="Book Antiqua" pitchFamily="18" charset="0"/>
+              <a:latin typeface="Book Antiqua" panose="02040602050305030304" pitchFamily="18" charset="0"/>
             </a:endParaRPr>
           </a:p>
           <a:p>
             <a:pPr algn="just"/>
             <a:endParaRPr lang="en-US" sz="2800" dirty="0">
-              <a:latin typeface="Book Antiqua" pitchFamily="18" charset="0"/>
+              <a:latin typeface="Book Antiqua" panose="02040602050305030304" pitchFamily="18" charset="0"/>
             </a:endParaRPr>
           </a:p>
           <a:p>
             <a:pPr algn="just"/>
             <a:endParaRPr lang="en-US" sz="2800" dirty="0" smtClean="0">
-              <a:latin typeface="Book Antiqua" pitchFamily="18" charset="0"/>
+              <a:latin typeface="Book Antiqua" panose="02040602050305030304" pitchFamily="18" charset="0"/>
             </a:endParaRPr>
           </a:p>
           <a:p>
             <a:pPr algn="just"/>
             <a:endParaRPr lang="en-US" sz="2800" dirty="0">
-              <a:latin typeface="Book Antiqua" pitchFamily="18" charset="0"/>
+              <a:latin typeface="Book Antiqua" panose="02040602050305030304" pitchFamily="18" charset="0"/>
             </a:endParaRPr>
           </a:p>
           <a:p>
             <a:pPr algn="just"/>
             <a:endParaRPr lang="en-US" sz="2800" dirty="0" smtClean="0">
-              <a:latin typeface="Book Antiqua" pitchFamily="18" charset="0"/>
+              <a:latin typeface="Book Antiqua" panose="02040602050305030304" pitchFamily="18" charset="0"/>
             </a:endParaRPr>
           </a:p>
           <a:p>
             <a:pPr algn="just"/>
             <a:endParaRPr lang="en-US" sz="2800" dirty="0" smtClean="0">
-              <a:latin typeface="Book Antiqua" pitchFamily="18" charset="0"/>
+              <a:latin typeface="Book Antiqua" panose="02040602050305030304" pitchFamily="18" charset="0"/>
             </a:endParaRPr>
           </a:p>
         </p:txBody>
@@ -8492,8 +8399,6 @@
           <a:p>
             <a:fld id="{3F22444B-AD59-459C-8316-D24326876BE4}" type="slidenum">
               <a:rPr lang="en-US" smtClean="0"/>
-              <a:pPr/>
-              <a:t>27</a:t>
             </a:fld>
             <a:endParaRPr lang="en-US"/>
           </a:p>
@@ -8531,7 +8436,7 @@
           <p:nvPr/>
         </p:nvPicPr>
         <p:blipFill>
-          <a:blip r:embed="rId2"/>
+          <a:blip r:embed="rId1"/>
           <a:stretch>
             <a:fillRect/>
           </a:stretch>
@@ -8547,11 +8452,6 @@
         </p:spPr>
       </p:pic>
     </p:spTree>
-    <p:extLst>
-      <p:ext uri="{BB962C8B-B14F-4D97-AF65-F5344CB8AC3E}">
-        <p14:creationId xmlns:p14="http://schemas.microsoft.com/office/powerpoint/2010/main" val="2045758806"/>
-      </p:ext>
-    </p:extLst>
   </p:cSld>
   <p:clrMapOvr>
     <a:masterClrMapping/>
@@ -8593,7 +8493,7 @@
           <p:nvPr/>
         </p:nvPicPr>
         <p:blipFill>
-          <a:blip r:embed="rId2"/>
+          <a:blip r:embed="rId1"/>
           <a:stretch>
             <a:fillRect/>
           </a:stretch>
@@ -8627,12 +8527,12 @@
           <a:p>
             <a:r>
               <a:rPr lang="en-US" b="1" dirty="0" smtClean="0">
-                <a:latin typeface="Book Antiqua" pitchFamily="18" charset="0"/>
+                <a:latin typeface="Book Antiqua" panose="02040602050305030304" pitchFamily="18" charset="0"/>
               </a:rPr>
               <a:t>Evaluation Metrics for Multi-class Classification</a:t>
             </a:r>
             <a:endParaRPr lang="en-US" b="1" dirty="0">
-              <a:latin typeface="Book Antiqua" pitchFamily="18" charset="0"/>
+              <a:latin typeface="Book Antiqua" panose="02040602050305030304" pitchFamily="18" charset="0"/>
             </a:endParaRPr>
           </a:p>
         </p:txBody>
@@ -8662,22 +8562,25 @@
             <a:pPr algn="just"/>
             <a:r>
               <a:rPr lang="en-US" sz="2800" dirty="0" smtClean="0">
-                <a:latin typeface="Book Antiqua" pitchFamily="18" charset="0"/>
+                <a:latin typeface="Book Antiqua" panose="02040602050305030304" pitchFamily="18" charset="0"/>
               </a:rPr>
               <a:t>If there are N number of classes confusion matrix is a </a:t>
             </a:r>
             <a:r>
               <a:rPr lang="en-US" sz="2800" dirty="0" err="1" smtClean="0">
-                <a:latin typeface="Book Antiqua" pitchFamily="18" charset="0"/>
+                <a:latin typeface="Book Antiqua" panose="02040602050305030304" pitchFamily="18" charset="0"/>
               </a:rPr>
               <a:t>NxN</a:t>
             </a:r>
             <a:r>
               <a:rPr lang="en-US" sz="2800" dirty="0" smtClean="0">
-                <a:latin typeface="Book Antiqua" pitchFamily="18" charset="0"/>
+                <a:latin typeface="Book Antiqua" panose="02040602050305030304" pitchFamily="18" charset="0"/>
               </a:rPr>
               <a:t> matrix. For example, for 3 classes confusion matric looks like below.</a:t>
             </a:r>
+            <a:endParaRPr lang="en-US" sz="2800" dirty="0" smtClean="0">
+              <a:latin typeface="Book Antiqua" panose="02040602050305030304" pitchFamily="18" charset="0"/>
+            </a:endParaRPr>
           </a:p>
         </p:txBody>
       </p:sp>
@@ -8698,8 +8601,6 @@
           <a:p>
             <a:fld id="{3F22444B-AD59-459C-8316-D24326876BE4}" type="slidenum">
               <a:rPr lang="en-US" smtClean="0"/>
-              <a:pPr/>
-              <a:t>28</a:t>
             </a:fld>
             <a:endParaRPr lang="en-US"/>
           </a:p>
@@ -8729,11 +8630,6 @@
         </p:txBody>
       </p:sp>
     </p:spTree>
-    <p:extLst>
-      <p:ext uri="{BB962C8B-B14F-4D97-AF65-F5344CB8AC3E}">
-        <p14:creationId xmlns:p14="http://schemas.microsoft.com/office/powerpoint/2010/main" val="1200014240"/>
-      </p:ext>
-    </p:extLst>
   </p:cSld>
   <p:clrMapOvr>
     <a:masterClrMapping/>
@@ -8785,12 +8681,12 @@
           <a:p>
             <a:r>
               <a:rPr lang="en-US" b="1" dirty="0" smtClean="0">
-                <a:latin typeface="Book Antiqua" pitchFamily="18" charset="0"/>
+                <a:latin typeface="Book Antiqua" panose="02040602050305030304" pitchFamily="18" charset="0"/>
               </a:rPr>
               <a:t>Evaluation Metrics for Multi-class Classification</a:t>
             </a:r>
             <a:endParaRPr lang="en-US" b="1" dirty="0">
-              <a:latin typeface="Book Antiqua" pitchFamily="18" charset="0"/>
+              <a:latin typeface="Book Antiqua" panose="02040602050305030304" pitchFamily="18" charset="0"/>
             </a:endParaRPr>
           </a:p>
         </p:txBody>
@@ -8820,126 +8716,138 @@
             <a:pPr algn="just"/>
             <a:r>
               <a:rPr lang="en-US" sz="2800" dirty="0" smtClean="0">
-                <a:latin typeface="Book Antiqua" pitchFamily="18" charset="0"/>
+                <a:latin typeface="Book Antiqua" panose="02040602050305030304" pitchFamily="18" charset="0"/>
               </a:rPr>
               <a:t>Then we need to calculate TP, FP, TN and FN for each class separately.</a:t>
             </a:r>
+            <a:endParaRPr lang="en-US" sz="2800" dirty="0" smtClean="0">
+              <a:latin typeface="Book Antiqua" panose="02040602050305030304" pitchFamily="18" charset="0"/>
+            </a:endParaRPr>
           </a:p>
           <a:p>
             <a:pPr algn="just"/>
             <a:r>
               <a:rPr lang="en-US" sz="2800" dirty="0" smtClean="0">
-                <a:latin typeface="Book Antiqua" pitchFamily="18" charset="0"/>
+                <a:latin typeface="Book Antiqua" panose="02040602050305030304" pitchFamily="18" charset="0"/>
               </a:rPr>
               <a:t>TP: Actual and predicted both same.</a:t>
             </a:r>
+            <a:endParaRPr lang="en-US" sz="2800" dirty="0" smtClean="0">
+              <a:latin typeface="Book Antiqua" panose="02040602050305030304" pitchFamily="18" charset="0"/>
+            </a:endParaRPr>
           </a:p>
           <a:p>
             <a:pPr algn="just"/>
             <a:r>
               <a:rPr lang="en-US" sz="2800" dirty="0">
-                <a:latin typeface="Book Antiqua" pitchFamily="18" charset="0"/>
+                <a:latin typeface="Book Antiqua" panose="02040602050305030304" pitchFamily="18" charset="0"/>
               </a:rPr>
               <a:t>FP: </a:t>
             </a:r>
             <a:r>
               <a:rPr lang="en-US" sz="2800" dirty="0" smtClean="0">
-                <a:latin typeface="Book Antiqua" pitchFamily="18" charset="0"/>
+                <a:latin typeface="Book Antiqua" panose="02040602050305030304" pitchFamily="18" charset="0"/>
               </a:rPr>
               <a:t>Sum </a:t>
             </a:r>
             <a:r>
               <a:rPr lang="en-US" sz="2800" dirty="0">
-                <a:latin typeface="Book Antiqua" pitchFamily="18" charset="0"/>
+                <a:latin typeface="Book Antiqua" panose="02040602050305030304" pitchFamily="18" charset="0"/>
               </a:rPr>
               <a:t>of all entries in the row except </a:t>
             </a:r>
             <a:r>
               <a:rPr lang="en-US" sz="2800" dirty="0" smtClean="0">
-                <a:latin typeface="Book Antiqua" pitchFamily="18" charset="0"/>
+                <a:latin typeface="Book Antiqua" panose="02040602050305030304" pitchFamily="18" charset="0"/>
               </a:rPr>
               <a:t>TP.</a:t>
             </a:r>
+            <a:endParaRPr lang="en-US" sz="2800" dirty="0" smtClean="0">
+              <a:latin typeface="Book Antiqua" panose="02040602050305030304" pitchFamily="18" charset="0"/>
+            </a:endParaRPr>
           </a:p>
           <a:p>
             <a:pPr algn="just"/>
             <a:r>
               <a:rPr lang="en-US" sz="2800" dirty="0" smtClean="0">
-                <a:latin typeface="Book Antiqua" pitchFamily="18" charset="0"/>
+                <a:latin typeface="Book Antiqua" panose="02040602050305030304" pitchFamily="18" charset="0"/>
               </a:rPr>
               <a:t>TN</a:t>
             </a:r>
             <a:r>
               <a:rPr lang="en-US" sz="2800" dirty="0">
-                <a:latin typeface="Book Antiqua" pitchFamily="18" charset="0"/>
+                <a:latin typeface="Book Antiqua" panose="02040602050305030304" pitchFamily="18" charset="0"/>
               </a:rPr>
               <a:t>: sum of all entries </a:t>
             </a:r>
             <a:r>
               <a:rPr lang="en-US" sz="2800">
-                <a:latin typeface="Book Antiqua" pitchFamily="18" charset="0"/>
+                <a:latin typeface="Book Antiqua" panose="02040602050305030304" pitchFamily="18" charset="0"/>
               </a:rPr>
               <a:t>in </a:t>
             </a:r>
             <a:r>
               <a:rPr lang="en-US" sz="2800" smtClean="0">
-                <a:latin typeface="Book Antiqua" pitchFamily="18" charset="0"/>
+                <a:latin typeface="Book Antiqua" panose="02040602050305030304" pitchFamily="18" charset="0"/>
               </a:rPr>
               <a:t>rows and </a:t>
             </a:r>
             <a:r>
               <a:rPr lang="en-US" sz="2800" dirty="0">
-                <a:latin typeface="Book Antiqua" pitchFamily="18" charset="0"/>
+                <a:latin typeface="Book Antiqua" panose="02040602050305030304" pitchFamily="18" charset="0"/>
               </a:rPr>
               <a:t>columns </a:t>
             </a:r>
             <a:r>
               <a:rPr lang="en-US" sz="2800" dirty="0" smtClean="0">
-                <a:latin typeface="Book Antiqua" pitchFamily="18" charset="0"/>
+                <a:latin typeface="Book Antiqua" panose="02040602050305030304" pitchFamily="18" charset="0"/>
               </a:rPr>
               <a:t>except  </a:t>
             </a:r>
             <a:r>
               <a:rPr lang="en-US" sz="2800" dirty="0">
-                <a:latin typeface="Book Antiqua" pitchFamily="18" charset="0"/>
+                <a:latin typeface="Book Antiqua" panose="02040602050305030304" pitchFamily="18" charset="0"/>
               </a:rPr>
               <a:t>	       row and column of calculating </a:t>
             </a:r>
             <a:r>
               <a:rPr lang="en-US" sz="2800" dirty="0" smtClean="0">
-                <a:latin typeface="Book Antiqua" pitchFamily="18" charset="0"/>
+                <a:latin typeface="Book Antiqua" panose="02040602050305030304" pitchFamily="18" charset="0"/>
               </a:rPr>
               <a:t>class.</a:t>
             </a:r>
+            <a:endParaRPr lang="en-US" sz="2800" dirty="0" smtClean="0">
+              <a:latin typeface="Book Antiqua" panose="02040602050305030304" pitchFamily="18" charset="0"/>
+            </a:endParaRPr>
           </a:p>
           <a:p>
             <a:pPr algn="just"/>
             <a:r>
               <a:rPr lang="en-US" sz="2800" dirty="0" smtClean="0">
-                <a:latin typeface="Book Antiqua" pitchFamily="18" charset="0"/>
+                <a:latin typeface="Book Antiqua" panose="02040602050305030304" pitchFamily="18" charset="0"/>
               </a:rPr>
               <a:t>FN: Sum </a:t>
             </a:r>
             <a:r>
               <a:rPr lang="en-US" sz="2800" dirty="0">
-                <a:latin typeface="Book Antiqua" pitchFamily="18" charset="0"/>
+                <a:latin typeface="Book Antiqua" panose="02040602050305030304" pitchFamily="18" charset="0"/>
               </a:rPr>
               <a:t>of all entries in the column except </a:t>
             </a:r>
             <a:r>
               <a:rPr lang="en-US" sz="2800" dirty="0" smtClean="0">
-                <a:latin typeface="Book Antiqua" pitchFamily="18" charset="0"/>
+                <a:latin typeface="Book Antiqua" panose="02040602050305030304" pitchFamily="18" charset="0"/>
               </a:rPr>
               <a:t>TP</a:t>
             </a:r>
             <a:r>
               <a:rPr lang="en-US" sz="2800" dirty="0">
-                <a:latin typeface="Book Antiqua" pitchFamily="18" charset="0"/>
+                <a:latin typeface="Book Antiqua" panose="02040602050305030304" pitchFamily="18" charset="0"/>
               </a:rPr>
               <a:t>.</a:t>
             </a:r>
             <a:endParaRPr lang="en-US" sz="2800" dirty="0" smtClean="0">
-              <a:latin typeface="Book Antiqua" pitchFamily="18" charset="0"/>
+              <a:latin typeface="Book Antiqua" panose="02040602050305030304" pitchFamily="18" charset="0"/>
             </a:endParaRPr>
           </a:p>
         </p:txBody>
@@ -8961,8 +8869,6 @@
           <a:p>
             <a:fld id="{3F22444B-AD59-459C-8316-D24326876BE4}" type="slidenum">
               <a:rPr lang="en-US" smtClean="0"/>
-              <a:pPr/>
-              <a:t>29</a:t>
             </a:fld>
             <a:endParaRPr lang="en-US"/>
           </a:p>
@@ -8992,11 +8898,6 @@
         </p:txBody>
       </p:sp>
     </p:spTree>
-    <p:extLst>
-      <p:ext uri="{BB962C8B-B14F-4D97-AF65-F5344CB8AC3E}">
-        <p14:creationId xmlns:p14="http://schemas.microsoft.com/office/powerpoint/2010/main" val="1401693207"/>
-      </p:ext>
-    </p:extLst>
   </p:cSld>
   <p:clrMapOvr>
     <a:masterClrMapping/>
@@ -9048,12 +8949,12 @@
           <a:p>
             <a:r>
               <a:rPr lang="en-US" b="1" dirty="0" smtClean="0">
-                <a:latin typeface="Book Antiqua" pitchFamily="18" charset="0"/>
+                <a:latin typeface="Book Antiqua" panose="02040602050305030304" pitchFamily="18" charset="0"/>
               </a:rPr>
               <a:t>Model Evaluation</a:t>
             </a:r>
             <a:endParaRPr lang="en-US" b="1" dirty="0">
-              <a:latin typeface="Book Antiqua" pitchFamily="18" charset="0"/>
+              <a:latin typeface="Book Antiqua" panose="02040602050305030304" pitchFamily="18" charset="0"/>
             </a:endParaRPr>
           </a:p>
         </p:txBody>
@@ -9111,6 +9012,9 @@
               </a:rPr>
               <a:t>clear understanding of a wide range of metrics can help the evaluator to chance upon an appropriate match of the problem statement and a metric.</a:t>
             </a:r>
+            <a:endParaRPr lang="en-US" sz="2800" dirty="0">
+              <a:latin typeface="Book Antiqua" panose="02040602050305030304" pitchFamily="18" charset="0"/>
+            </a:endParaRPr>
           </a:p>
           <a:p>
             <a:pPr algn="just"/>
@@ -9137,8 +9041,6 @@
           <a:p>
             <a:fld id="{3F22444B-AD59-459C-8316-D24326876BE4}" type="slidenum">
               <a:rPr lang="en-US" smtClean="0"/>
-              <a:pPr/>
-              <a:t>3</a:t>
             </a:fld>
             <a:endParaRPr lang="en-US"/>
           </a:p>
@@ -9168,11 +9070,6 @@
         </p:txBody>
       </p:sp>
     </p:spTree>
-    <p:extLst>
-      <p:ext uri="{BB962C8B-B14F-4D97-AF65-F5344CB8AC3E}">
-        <p14:creationId xmlns:p14="http://schemas.microsoft.com/office/powerpoint/2010/main" val="2078769300"/>
-      </p:ext>
-    </p:extLst>
   </p:cSld>
   <p:clrMapOvr>
     <a:masterClrMapping/>
@@ -9224,12 +9121,12 @@
           <a:p>
             <a:r>
               <a:rPr lang="en-US" b="1" dirty="0" smtClean="0">
-                <a:latin typeface="Book Antiqua" pitchFamily="18" charset="0"/>
+                <a:latin typeface="Book Antiqua" panose="02040602050305030304" pitchFamily="18" charset="0"/>
               </a:rPr>
               <a:t>Evaluation Metrics for Multi-class Classification</a:t>
             </a:r>
             <a:endParaRPr lang="en-US" b="1" dirty="0">
-              <a:latin typeface="Book Antiqua" pitchFamily="18" charset="0"/>
+              <a:latin typeface="Book Antiqua" panose="02040602050305030304" pitchFamily="18" charset="0"/>
             </a:endParaRPr>
           </a:p>
         </p:txBody>
@@ -9261,10 +9158,13 @@
             </a:pPr>
             <a:r>
               <a:rPr lang="en-US" sz="2800" b="1" dirty="0" smtClean="0">
-                <a:latin typeface="Book Antiqua" pitchFamily="18" charset="0"/>
+                <a:latin typeface="Book Antiqua" panose="02040602050305030304" pitchFamily="18" charset="0"/>
               </a:rPr>
               <a:t>Example:</a:t>
             </a:r>
+            <a:endParaRPr lang="en-US" sz="2800" b="1" dirty="0" smtClean="0">
+              <a:latin typeface="Book Antiqua" panose="02040602050305030304" pitchFamily="18" charset="0"/>
+            </a:endParaRPr>
           </a:p>
           <a:p>
             <a:pPr marL="0" indent="0" algn="just">
@@ -9272,18 +9172,18 @@
             </a:pPr>
             <a:r>
               <a:rPr lang="en-US" sz="2800" b="1" dirty="0" smtClean="0">
-                <a:latin typeface="Book Antiqua" pitchFamily="18" charset="0"/>
+                <a:latin typeface="Book Antiqua" panose="02040602050305030304" pitchFamily="18" charset="0"/>
               </a:rPr>
               <a:t>For Class A: </a:t>
             </a:r>
             <a:r>
               <a:rPr lang="en-US" sz="2800" dirty="0" smtClean="0">
-                <a:latin typeface="Book Antiqua" pitchFamily="18" charset="0"/>
+                <a:latin typeface="Book Antiqua" panose="02040602050305030304" pitchFamily="18" charset="0"/>
               </a:rPr>
               <a:t>TP=2, FP=2, TN=5, FN:1</a:t>
             </a:r>
             <a:endParaRPr lang="en-US" sz="2800" dirty="0">
-              <a:latin typeface="Book Antiqua" pitchFamily="18" charset="0"/>
+              <a:latin typeface="Book Antiqua" panose="02040602050305030304" pitchFamily="18" charset="0"/>
             </a:endParaRPr>
           </a:p>
           <a:p>
@@ -9291,7 +9191,7 @@
               <a:buNone/>
             </a:pPr>
             <a:endParaRPr lang="en-US" sz="2800" dirty="0" smtClean="0">
-              <a:latin typeface="Book Antiqua" pitchFamily="18" charset="0"/>
+              <a:latin typeface="Book Antiqua" panose="02040602050305030304" pitchFamily="18" charset="0"/>
             </a:endParaRPr>
           </a:p>
           <a:p>
@@ -9300,48 +9200,48 @@
             </a:pPr>
             <a:r>
               <a:rPr lang="en-US" sz="2800" b="1" dirty="0">
-                <a:latin typeface="Book Antiqua" pitchFamily="18" charset="0"/>
+                <a:latin typeface="Book Antiqua" panose="02040602050305030304" pitchFamily="18" charset="0"/>
               </a:rPr>
               <a:t>For Class B</a:t>
             </a:r>
             <a:r>
               <a:rPr lang="en-US" sz="2800" b="1" dirty="0" smtClean="0">
-                <a:latin typeface="Book Antiqua" pitchFamily="18" charset="0"/>
+                <a:latin typeface="Book Antiqua" panose="02040602050305030304" pitchFamily="18" charset="0"/>
               </a:rPr>
               <a:t>: </a:t>
             </a:r>
             <a:r>
               <a:rPr lang="en-US" sz="2800" dirty="0" smtClean="0">
-                <a:latin typeface="Book Antiqua" pitchFamily="18" charset="0"/>
+                <a:latin typeface="Book Antiqua" panose="02040602050305030304" pitchFamily="18" charset="0"/>
               </a:rPr>
               <a:t>TP=2</a:t>
             </a:r>
             <a:r>
               <a:rPr lang="en-US" sz="2800" dirty="0">
-                <a:latin typeface="Book Antiqua" pitchFamily="18" charset="0"/>
+                <a:latin typeface="Book Antiqua" panose="02040602050305030304" pitchFamily="18" charset="0"/>
               </a:rPr>
               <a:t>, </a:t>
             </a:r>
             <a:r>
               <a:rPr lang="en-US" sz="2800" dirty="0" smtClean="0">
-                <a:latin typeface="Book Antiqua" pitchFamily="18" charset="0"/>
+                <a:latin typeface="Book Antiqua" panose="02040602050305030304" pitchFamily="18" charset="0"/>
               </a:rPr>
               <a:t>FP=1, </a:t>
             </a:r>
             <a:r>
               <a:rPr lang="en-US" sz="2800" dirty="0">
-                <a:latin typeface="Book Antiqua" pitchFamily="18" charset="0"/>
+                <a:latin typeface="Book Antiqua" panose="02040602050305030304" pitchFamily="18" charset="0"/>
               </a:rPr>
               <a:t>TN=5, </a:t>
             </a:r>
             <a:r>
               <a:rPr lang="en-US" sz="2800" dirty="0" smtClean="0">
-                <a:latin typeface="Book Antiqua" pitchFamily="18" charset="0"/>
+                <a:latin typeface="Book Antiqua" panose="02040602050305030304" pitchFamily="18" charset="0"/>
               </a:rPr>
               <a:t>FN:2</a:t>
             </a:r>
             <a:endParaRPr lang="en-US" sz="2800" dirty="0">
-              <a:latin typeface="Book Antiqua" pitchFamily="18" charset="0"/>
+              <a:latin typeface="Book Antiqua" panose="02040602050305030304" pitchFamily="18" charset="0"/>
             </a:endParaRPr>
           </a:p>
           <a:p>
@@ -9349,7 +9249,7 @@
               <a:buNone/>
             </a:pPr>
             <a:endParaRPr lang="en-US" sz="2800" dirty="0" smtClean="0">
-              <a:latin typeface="Book Antiqua" pitchFamily="18" charset="0"/>
+              <a:latin typeface="Book Antiqua" panose="02040602050305030304" pitchFamily="18" charset="0"/>
             </a:endParaRPr>
           </a:p>
           <a:p>
@@ -9358,24 +9258,24 @@
             </a:pPr>
             <a:r>
               <a:rPr lang="en-US" sz="2800" b="1" dirty="0">
-                <a:latin typeface="Book Antiqua" pitchFamily="18" charset="0"/>
+                <a:latin typeface="Book Antiqua" panose="02040602050305030304" pitchFamily="18" charset="0"/>
               </a:rPr>
               <a:t>For Class </a:t>
             </a:r>
             <a:r>
               <a:rPr lang="en-US" sz="2800" b="1" dirty="0" smtClean="0">
-                <a:latin typeface="Book Antiqua" pitchFamily="18" charset="0"/>
+                <a:latin typeface="Book Antiqua" panose="02040602050305030304" pitchFamily="18" charset="0"/>
               </a:rPr>
               <a:t>C: </a:t>
             </a:r>
             <a:r>
               <a:rPr lang="en-US" sz="2800" dirty="0" smtClean="0">
-                <a:latin typeface="Book Antiqua" pitchFamily="18" charset="0"/>
+                <a:latin typeface="Book Antiqua" panose="02040602050305030304" pitchFamily="18" charset="0"/>
               </a:rPr>
               <a:t>TP=3, FP=0, TN=7, FN:0</a:t>
             </a:r>
             <a:endParaRPr lang="en-US" sz="2800" dirty="0">
-              <a:latin typeface="Book Antiqua" pitchFamily="18" charset="0"/>
+              <a:latin typeface="Book Antiqua" panose="02040602050305030304" pitchFamily="18" charset="0"/>
             </a:endParaRPr>
           </a:p>
           <a:p>
@@ -9383,7 +9283,7 @@
               <a:buNone/>
             </a:pPr>
             <a:endParaRPr lang="en-US" sz="2800" dirty="0">
-              <a:latin typeface="Book Antiqua" pitchFamily="18" charset="0"/>
+              <a:latin typeface="Book Antiqua" panose="02040602050305030304" pitchFamily="18" charset="0"/>
             </a:endParaRPr>
           </a:p>
           <a:p>
@@ -9391,7 +9291,7 @@
               <a:buNone/>
             </a:pPr>
             <a:endParaRPr lang="en-US" sz="2800" dirty="0" smtClean="0">
-              <a:latin typeface="Book Antiqua" pitchFamily="18" charset="0"/>
+              <a:latin typeface="Book Antiqua" panose="02040602050305030304" pitchFamily="18" charset="0"/>
             </a:endParaRPr>
           </a:p>
         </p:txBody>
@@ -9413,8 +9313,6 @@
           <a:p>
             <a:fld id="{3F22444B-AD59-459C-8316-D24326876BE4}" type="slidenum">
               <a:rPr lang="en-US" smtClean="0"/>
-              <a:pPr/>
-              <a:t>30</a:t>
             </a:fld>
             <a:endParaRPr lang="en-US"/>
           </a:p>
@@ -9444,11 +9342,6 @@
         </p:txBody>
       </p:sp>
     </p:spTree>
-    <p:extLst>
-      <p:ext uri="{BB962C8B-B14F-4D97-AF65-F5344CB8AC3E}">
-        <p14:creationId xmlns:p14="http://schemas.microsoft.com/office/powerpoint/2010/main" val="792067195"/>
-      </p:ext>
-    </p:extLst>
   </p:cSld>
   <p:clrMapOvr>
     <a:masterClrMapping/>
@@ -9500,12 +9393,12 @@
           <a:p>
             <a:r>
               <a:rPr lang="en-US" b="1" dirty="0" smtClean="0">
-                <a:latin typeface="Book Antiqua" pitchFamily="18" charset="0"/>
+                <a:latin typeface="Book Antiqua" panose="02040602050305030304" pitchFamily="18" charset="0"/>
               </a:rPr>
               <a:t>Evaluation Metrics for Multi-class Classification</a:t>
             </a:r>
             <a:endParaRPr lang="en-US" b="1" dirty="0">
-              <a:latin typeface="Book Antiqua" pitchFamily="18" charset="0"/>
+              <a:latin typeface="Book Antiqua" panose="02040602050305030304" pitchFamily="18" charset="0"/>
             </a:endParaRPr>
           </a:p>
         </p:txBody>
@@ -9535,24 +9428,30 @@
             <a:pPr algn="just"/>
             <a:r>
               <a:rPr lang="en-US" sz="2800" dirty="0" smtClean="0">
-                <a:latin typeface="Book Antiqua" pitchFamily="18" charset="0"/>
+                <a:latin typeface="Book Antiqua" panose="02040602050305030304" pitchFamily="18" charset="0"/>
               </a:rPr>
               <a:t>In multi-class classification we calculate accuracy of each class separately and then we calculate weighted average accuracy.</a:t>
             </a:r>
+            <a:endParaRPr lang="en-US" sz="2800" dirty="0" smtClean="0">
+              <a:latin typeface="Book Antiqua" panose="02040602050305030304" pitchFamily="18" charset="0"/>
+            </a:endParaRPr>
           </a:p>
           <a:p>
             <a:pPr algn="just"/>
             <a:r>
               <a:rPr lang="en-US" sz="2800" dirty="0" smtClean="0">
-                <a:latin typeface="Book Antiqua" pitchFamily="18" charset="0"/>
+                <a:latin typeface="Book Antiqua" panose="02040602050305030304" pitchFamily="18" charset="0"/>
               </a:rPr>
               <a:t>If we assign equal weight to each class then</a:t>
             </a:r>
+            <a:endParaRPr lang="en-US" sz="2800" dirty="0" smtClean="0">
+              <a:latin typeface="Book Antiqua" panose="02040602050305030304" pitchFamily="18" charset="0"/>
+            </a:endParaRPr>
           </a:p>
           <a:p>
             <a:pPr algn="just"/>
             <a:endParaRPr lang="en-US" sz="2800" dirty="0">
-              <a:latin typeface="Book Antiqua" pitchFamily="18" charset="0"/>
+              <a:latin typeface="Book Antiqua" panose="02040602050305030304" pitchFamily="18" charset="0"/>
             </a:endParaRPr>
           </a:p>
           <a:p>
@@ -9569,6 +9468,9 @@
               </a:rPr>
               <a:t>are two different ways to calculate Recall.</a:t>
             </a:r>
+            <a:endParaRPr lang="en-US" sz="2800" dirty="0">
+              <a:latin typeface="Book Antiqua" panose="02040602050305030304" pitchFamily="18" charset="0"/>
+            </a:endParaRPr>
           </a:p>
           <a:p>
             <a:pPr lvl="1" algn="just"/>
@@ -9584,6 +9486,9 @@
               </a:rPr>
               <a:t>: calculate recall for all classes individually and then average them</a:t>
             </a:r>
+            <a:endParaRPr lang="en-US" sz="2400" dirty="0">
+              <a:latin typeface="Book Antiqua" panose="02040602050305030304" pitchFamily="18" charset="0"/>
+            </a:endParaRPr>
           </a:p>
           <a:p>
             <a:pPr lvl="1" algn="just"/>
@@ -9595,18 +9500,18 @@
             </a:r>
             <a:r>
               <a:rPr lang="en-US" sz="2400" dirty="0">
-                <a:latin typeface="Book Antiqua" pitchFamily="18" charset="0"/>
+                <a:latin typeface="Book Antiqua" panose="02040602050305030304" pitchFamily="18" charset="0"/>
               </a:rPr>
               <a:t>: calculate class wise true positive and false negative and then use that to calculate overall </a:t>
             </a:r>
             <a:r>
               <a:rPr lang="en-US" sz="2400" dirty="0" smtClean="0">
-                <a:latin typeface="Book Antiqua" pitchFamily="18" charset="0"/>
+                <a:latin typeface="Book Antiqua" panose="02040602050305030304" pitchFamily="18" charset="0"/>
               </a:rPr>
               <a:t>recall.</a:t>
             </a:r>
             <a:endParaRPr lang="en-US" sz="2400" dirty="0">
-              <a:latin typeface="Book Antiqua" pitchFamily="18" charset="0"/>
+              <a:latin typeface="Book Antiqua" panose="02040602050305030304" pitchFamily="18" charset="0"/>
             </a:endParaRPr>
           </a:p>
           <a:p>
@@ -9614,12 +9519,12 @@
               <a:buNone/>
             </a:pPr>
             <a:endParaRPr lang="en-US" sz="2800" dirty="0">
-              <a:latin typeface="Book Antiqua" pitchFamily="18" charset="0"/>
+              <a:latin typeface="Book Antiqua" panose="02040602050305030304" pitchFamily="18" charset="0"/>
             </a:endParaRPr>
           </a:p>
           <a:p>
             <a:endParaRPr lang="en-US" sz="2800" dirty="0" smtClean="0">
-              <a:latin typeface="Book Antiqua" pitchFamily="18" charset="0"/>
+              <a:latin typeface="Book Antiqua" panose="02040602050305030304" pitchFamily="18" charset="0"/>
             </a:endParaRPr>
           </a:p>
         </p:txBody>
@@ -9641,8 +9546,6 @@
           <a:p>
             <a:fld id="{3F22444B-AD59-459C-8316-D24326876BE4}" type="slidenum">
               <a:rPr lang="en-US" smtClean="0"/>
-              <a:pPr/>
-              <a:t>31</a:t>
             </a:fld>
             <a:endParaRPr lang="en-US"/>
           </a:p>
@@ -9677,13 +9580,7 @@
           <p:cNvGraphicFramePr>
             <a:graphicFrameLocks noChangeAspect="1"/>
           </p:cNvGraphicFramePr>
-          <p:nvPr>
-            <p:extLst>
-              <p:ext uri="{D42A27DB-BD31-4B8C-83A1-F6EECF244321}">
-                <p14:modId xmlns:p14="http://schemas.microsoft.com/office/powerpoint/2010/main" val="2242784012"/>
-              </p:ext>
-            </p:extLst>
-          </p:nvPr>
+          <p:nvPr/>
         </p:nvGraphicFramePr>
         <p:xfrm>
           <a:off x="7620000" y="2743200"/>
@@ -9693,21 +9590,21 @@
           <a:graphicData uri="http://schemas.openxmlformats.org/presentationml/2006/ole">
             <mc:AlternateContent xmlns:mc="http://schemas.openxmlformats.org/markup-compatibility/2006">
               <mc:Choice xmlns:v="urn:schemas-microsoft-com:vml" Requires="v">
-                <p:oleObj spid="_x0000_s207883" name="Equation" r:id="rId3" imgW="533160" imgH="444240" progId="Equation.3">
+                <p:oleObj spid="_x0000_s207883" name="Equation" r:id="rId1" imgW="12801600" imgH="10668000" progId="Equation.3">
                   <p:embed/>
                 </p:oleObj>
               </mc:Choice>
               <mc:Fallback>
-                <p:oleObj name="Equation" r:id="rId3" imgW="533160" imgH="444240" progId="Equation.3">
+                <p:oleObj name="Equation" r:id="rId1" imgW="12801600" imgH="10668000" progId="Equation.3">
                   <p:embed/>
                   <p:pic>
                     <p:nvPicPr>
-                      <p:cNvPr id="0" name=""/>
+                      <p:cNvPr id="0" name="Picture 207882"/>
                       <p:cNvPicPr/>
                       <p:nvPr/>
                     </p:nvPicPr>
                     <p:blipFill>
-                      <a:blip r:embed="rId4"/>
+                      <a:blip r:embed="rId2"/>
                       <a:stretch>
                         <a:fillRect/>
                       </a:stretch>
@@ -9729,11 +9626,6 @@
         </a:graphic>
       </p:graphicFrame>
     </p:spTree>
-    <p:extLst>
-      <p:ext uri="{BB962C8B-B14F-4D97-AF65-F5344CB8AC3E}">
-        <p14:creationId xmlns:p14="http://schemas.microsoft.com/office/powerpoint/2010/main" val="1765274074"/>
-      </p:ext>
-    </p:extLst>
   </p:cSld>
   <p:clrMapOvr>
     <a:masterClrMapping/>
@@ -9785,12 +9677,12 @@
           <a:p>
             <a:r>
               <a:rPr lang="en-US" b="1" dirty="0" smtClean="0">
-                <a:latin typeface="Book Antiqua" pitchFamily="18" charset="0"/>
+                <a:latin typeface="Book Antiqua" panose="02040602050305030304" pitchFamily="18" charset="0"/>
               </a:rPr>
               <a:t>Evaluation Metrics for Multi-class Classification</a:t>
             </a:r>
             <a:endParaRPr lang="en-US" b="1" dirty="0">
-              <a:latin typeface="Book Antiqua" pitchFamily="18" charset="0"/>
+              <a:latin typeface="Book Antiqua" panose="02040602050305030304" pitchFamily="18" charset="0"/>
             </a:endParaRPr>
           </a:p>
         </p:txBody>
@@ -9884,6 +9776,9 @@
               </a:rPr>
               <a:t>precision.</a:t>
             </a:r>
+            <a:endParaRPr lang="en-US" sz="2400" dirty="0" smtClean="0">
+              <a:latin typeface="Book Antiqua" panose="02040602050305030304" pitchFamily="18" charset="0"/>
+            </a:endParaRPr>
           </a:p>
           <a:p>
             <a:pPr algn="just"/>
@@ -9893,7 +9788,7 @@
           </a:p>
           <a:p>
             <a:endParaRPr lang="en-US" sz="2800" dirty="0" smtClean="0">
-              <a:latin typeface="Book Antiqua" pitchFamily="18" charset="0"/>
+              <a:latin typeface="Book Antiqua" panose="02040602050305030304" pitchFamily="18" charset="0"/>
             </a:endParaRPr>
           </a:p>
         </p:txBody>
@@ -9915,8 +9810,6 @@
           <a:p>
             <a:fld id="{3F22444B-AD59-459C-8316-D24326876BE4}" type="slidenum">
               <a:rPr lang="en-US" smtClean="0"/>
-              <a:pPr/>
-              <a:t>32</a:t>
             </a:fld>
             <a:endParaRPr lang="en-US"/>
           </a:p>
@@ -9946,11 +9839,6 @@
         </p:txBody>
       </p:sp>
     </p:spTree>
-    <p:extLst>
-      <p:ext uri="{BB962C8B-B14F-4D97-AF65-F5344CB8AC3E}">
-        <p14:creationId xmlns:p14="http://schemas.microsoft.com/office/powerpoint/2010/main" val="2907000872"/>
-      </p:ext>
-    </p:extLst>
   </p:cSld>
   <p:clrMapOvr>
     <a:masterClrMapping/>
@@ -10002,12 +9890,12 @@
           <a:p>
             <a:r>
               <a:rPr lang="en-US" b="1" dirty="0" smtClean="0">
-                <a:latin typeface="Book Antiqua" pitchFamily="18" charset="0"/>
+                <a:latin typeface="Book Antiqua" panose="02040602050305030304" pitchFamily="18" charset="0"/>
               </a:rPr>
               <a:t>Evaluation Metrics for Multi-class Classification</a:t>
             </a:r>
             <a:endParaRPr lang="en-US" b="1" dirty="0">
-              <a:latin typeface="Book Antiqua" pitchFamily="18" charset="0"/>
+              <a:latin typeface="Book Antiqua" panose="02040602050305030304" pitchFamily="18" charset="0"/>
             </a:endParaRPr>
           </a:p>
         </p:txBody>
@@ -10149,7 +10037,7 @@
           </a:p>
           <a:p>
             <a:endParaRPr lang="en-US" sz="2800" dirty="0" smtClean="0">
-              <a:latin typeface="Book Antiqua" pitchFamily="18" charset="0"/>
+              <a:latin typeface="Book Antiqua" panose="02040602050305030304" pitchFamily="18" charset="0"/>
             </a:endParaRPr>
           </a:p>
         </p:txBody>
@@ -10171,8 +10059,6 @@
           <a:p>
             <a:fld id="{3F22444B-AD59-459C-8316-D24326876BE4}" type="slidenum">
               <a:rPr lang="en-US" smtClean="0"/>
-              <a:pPr/>
-              <a:t>33</a:t>
             </a:fld>
             <a:endParaRPr lang="en-US"/>
           </a:p>
@@ -10202,11 +10088,6 @@
         </p:txBody>
       </p:sp>
     </p:spTree>
-    <p:extLst>
-      <p:ext uri="{BB962C8B-B14F-4D97-AF65-F5344CB8AC3E}">
-        <p14:creationId xmlns:p14="http://schemas.microsoft.com/office/powerpoint/2010/main" val="1691279650"/>
-      </p:ext>
-    </p:extLst>
   </p:cSld>
   <p:clrMapOvr>
     <a:masterClrMapping/>
@@ -10258,12 +10139,12 @@
           <a:p>
             <a:r>
               <a:rPr lang="en-US" b="1" dirty="0" smtClean="0">
-                <a:latin typeface="Book Antiqua" pitchFamily="18" charset="0"/>
+                <a:latin typeface="Book Antiqua" panose="02040602050305030304" pitchFamily="18" charset="0"/>
               </a:rPr>
               <a:t>Evaluation Metrics for Multi-class Classification</a:t>
             </a:r>
             <a:endParaRPr lang="en-US" b="1" dirty="0">
-              <a:latin typeface="Book Antiqua" pitchFamily="18" charset="0"/>
+              <a:latin typeface="Book Antiqua" panose="02040602050305030304" pitchFamily="18" charset="0"/>
             </a:endParaRPr>
           </a:p>
         </p:txBody>
@@ -10293,16 +10174,19 @@
             <a:pPr algn="just"/>
             <a:r>
               <a:rPr lang="en-US" sz="2800" b="1" dirty="0" smtClean="0">
-                <a:latin typeface="Book Antiqua" pitchFamily="18" charset="0"/>
+                <a:latin typeface="Book Antiqua" panose="02040602050305030304" pitchFamily="18" charset="0"/>
               </a:rPr>
               <a:t>Example:</a:t>
             </a:r>
             <a:r>
               <a:rPr lang="en-US" sz="2800" dirty="0" smtClean="0">
-                <a:latin typeface="Book Antiqua" pitchFamily="18" charset="0"/>
+                <a:latin typeface="Book Antiqua" panose="02040602050305030304" pitchFamily="18" charset="0"/>
               </a:rPr>
               <a:t> Consider following confusion matrix and the calculated accuracy, weighted average accuracy and macro and micro precision, recall, and F1-score.</a:t>
             </a:r>
+            <a:endParaRPr lang="en-US" sz="2800" dirty="0" smtClean="0">
+              <a:latin typeface="Book Antiqua" panose="02040602050305030304" pitchFamily="18" charset="0"/>
+            </a:endParaRPr>
           </a:p>
         </p:txBody>
       </p:sp>
@@ -10323,8 +10207,6 @@
           <a:p>
             <a:fld id="{3F22444B-AD59-459C-8316-D24326876BE4}" type="slidenum">
               <a:rPr lang="en-US" smtClean="0"/>
-              <a:pPr/>
-              <a:t>34</a:t>
             </a:fld>
             <a:endParaRPr lang="en-US"/>
           </a:p>
@@ -10362,7 +10244,7 @@
           <p:nvPr/>
         </p:nvPicPr>
         <p:blipFill>
-          <a:blip r:embed="rId2"/>
+          <a:blip r:embed="rId1"/>
           <a:stretch>
             <a:fillRect/>
           </a:stretch>
@@ -10378,11 +10260,6 @@
         </p:spPr>
       </p:pic>
     </p:spTree>
-    <p:extLst>
-      <p:ext uri="{BB962C8B-B14F-4D97-AF65-F5344CB8AC3E}">
-        <p14:creationId xmlns:p14="http://schemas.microsoft.com/office/powerpoint/2010/main" val="754489459"/>
-      </p:ext>
-    </p:extLst>
   </p:cSld>
   <p:clrMapOvr>
     <a:masterClrMapping/>
@@ -10434,12 +10311,12 @@
           <a:p>
             <a:r>
               <a:rPr lang="en-US" b="1" dirty="0" smtClean="0">
-                <a:latin typeface="Book Antiqua" pitchFamily="18" charset="0"/>
+                <a:latin typeface="Book Antiqua" panose="02040602050305030304" pitchFamily="18" charset="0"/>
               </a:rPr>
               <a:t>Model Selection</a:t>
             </a:r>
             <a:endParaRPr lang="en-US" b="1" dirty="0">
-              <a:latin typeface="Book Antiqua" pitchFamily="18" charset="0"/>
+              <a:latin typeface="Book Antiqua" panose="02040602050305030304" pitchFamily="18" charset="0"/>
             </a:endParaRPr>
           </a:p>
         </p:txBody>
@@ -10469,45 +10346,54 @@
             <a:pPr algn="just"/>
             <a:r>
               <a:rPr lang="en-US" sz="2800" dirty="0">
-                <a:latin typeface="Book Antiqua" pitchFamily="18" charset="0"/>
+                <a:latin typeface="Book Antiqua" panose="02040602050305030304" pitchFamily="18" charset="0"/>
               </a:rPr>
               <a:t>Model selection is the process of selecting one final machine learning model from among a collection of candidate machine learning models for a training dataset</a:t>
             </a:r>
             <a:r>
               <a:rPr lang="en-US" sz="2800" dirty="0" smtClean="0">
-                <a:latin typeface="Book Antiqua" pitchFamily="18" charset="0"/>
+                <a:latin typeface="Book Antiqua" panose="02040602050305030304" pitchFamily="18" charset="0"/>
               </a:rPr>
               <a:t>.</a:t>
             </a:r>
+            <a:endParaRPr lang="en-US" sz="2800" dirty="0" smtClean="0">
+              <a:latin typeface="Book Antiqua" panose="02040602050305030304" pitchFamily="18" charset="0"/>
+            </a:endParaRPr>
           </a:p>
           <a:p>
             <a:pPr algn="just"/>
             <a:r>
               <a:rPr lang="en-US" sz="2800" dirty="0" smtClean="0">
-                <a:latin typeface="Book Antiqua" pitchFamily="18" charset="0"/>
+                <a:latin typeface="Book Antiqua" panose="02040602050305030304" pitchFamily="18" charset="0"/>
               </a:rPr>
               <a:t>For selecting best model among the set of candidate models we need to use following technique.</a:t>
             </a:r>
+            <a:endParaRPr lang="en-US" sz="2800" dirty="0" smtClean="0">
+              <a:latin typeface="Book Antiqua" panose="02040602050305030304" pitchFamily="18" charset="0"/>
+            </a:endParaRPr>
           </a:p>
           <a:p>
             <a:pPr algn="just"/>
             <a:r>
               <a:rPr lang="en-US" sz="2800" b="1" dirty="0" smtClean="0">
-                <a:latin typeface="Book Antiqua" pitchFamily="18" charset="0"/>
+                <a:latin typeface="Book Antiqua" panose="02040602050305030304" pitchFamily="18" charset="0"/>
               </a:rPr>
               <a:t>Train/Test Split: </a:t>
             </a:r>
             <a:r>
               <a:rPr lang="en-US" sz="2800" dirty="0" smtClean="0">
-                <a:latin typeface="Book Antiqua" pitchFamily="18" charset="0"/>
+                <a:latin typeface="Book Antiqua" panose="02040602050305030304" pitchFamily="18" charset="0"/>
               </a:rPr>
               <a:t>We need to divided data into train, validation and test sets and need to evaluate performance of each model.</a:t>
             </a:r>
+            <a:endParaRPr lang="en-US" sz="2800" dirty="0" smtClean="0">
+              <a:latin typeface="Book Antiqua" panose="02040602050305030304" pitchFamily="18" charset="0"/>
+            </a:endParaRPr>
           </a:p>
           <a:p>
             <a:pPr algn="just"/>
             <a:endParaRPr lang="en-US" sz="2800" dirty="0" smtClean="0">
-              <a:latin typeface="Book Antiqua" pitchFamily="18" charset="0"/>
+              <a:latin typeface="Book Antiqua" panose="02040602050305030304" pitchFamily="18" charset="0"/>
             </a:endParaRPr>
           </a:p>
         </p:txBody>
@@ -10529,8 +10415,6 @@
           <a:p>
             <a:fld id="{3F22444B-AD59-459C-8316-D24326876BE4}" type="slidenum">
               <a:rPr lang="en-US" smtClean="0"/>
-              <a:pPr/>
-              <a:t>35</a:t>
             </a:fld>
             <a:endParaRPr lang="en-US"/>
           </a:p>
@@ -10560,11 +10444,6 @@
         </p:txBody>
       </p:sp>
     </p:spTree>
-    <p:extLst>
-      <p:ext uri="{BB962C8B-B14F-4D97-AF65-F5344CB8AC3E}">
-        <p14:creationId xmlns:p14="http://schemas.microsoft.com/office/powerpoint/2010/main" val="2253049162"/>
-      </p:ext>
-    </p:extLst>
   </p:cSld>
   <p:clrMapOvr>
     <a:masterClrMapping/>
@@ -10616,12 +10495,12 @@
           <a:p>
             <a:r>
               <a:rPr lang="en-US" b="1" dirty="0" smtClean="0">
-                <a:latin typeface="Book Antiqua" pitchFamily="18" charset="0"/>
+                <a:latin typeface="Book Antiqua" panose="02040602050305030304" pitchFamily="18" charset="0"/>
               </a:rPr>
               <a:t>Model Selection</a:t>
             </a:r>
             <a:endParaRPr lang="en-US" b="1" dirty="0">
-              <a:latin typeface="Book Antiqua" pitchFamily="18" charset="0"/>
+              <a:latin typeface="Book Antiqua" panose="02040602050305030304" pitchFamily="18" charset="0"/>
             </a:endParaRPr>
           </a:p>
         </p:txBody>
@@ -10651,28 +10530,31 @@
             <a:pPr algn="just"/>
             <a:r>
               <a:rPr lang="en-US" sz="2800" b="1" dirty="0" smtClean="0">
-                <a:latin typeface="Book Antiqua" pitchFamily="18" charset="0"/>
+                <a:latin typeface="Book Antiqua" panose="02040602050305030304" pitchFamily="18" charset="0"/>
               </a:rPr>
               <a:t>K-fold cross validation: </a:t>
             </a:r>
             <a:r>
               <a:rPr lang="en-US" sz="2800" dirty="0" smtClean="0">
-                <a:latin typeface="Book Antiqua" pitchFamily="18" charset="0"/>
+                <a:latin typeface="Book Antiqua" panose="02040602050305030304" pitchFamily="18" charset="0"/>
               </a:rPr>
               <a:t>We need to evaluate performance of models using K-fold cross validation. (Already discussed)</a:t>
             </a:r>
+            <a:endParaRPr lang="en-US" sz="2800" dirty="0" smtClean="0">
+              <a:latin typeface="Book Antiqua" panose="02040602050305030304" pitchFamily="18" charset="0"/>
+            </a:endParaRPr>
           </a:p>
           <a:p>
             <a:pPr algn="just" fontAlgn="base"/>
             <a:r>
               <a:rPr lang="en-US" sz="2800" b="1" dirty="0" smtClean="0">
-                <a:latin typeface="Book Antiqua" pitchFamily="18" charset="0"/>
+                <a:latin typeface="Book Antiqua" panose="02040602050305030304" pitchFamily="18" charset="0"/>
               </a:rPr>
               <a:t>Hyperparameter Optimization</a:t>
             </a:r>
             <a:r>
               <a:rPr lang="en-US" sz="2800" dirty="0" smtClean="0">
-                <a:latin typeface="Book Antiqua" pitchFamily="18" charset="0"/>
+                <a:latin typeface="Book Antiqua" panose="02040602050305030304" pitchFamily="18" charset="0"/>
               </a:rPr>
               <a:t>: </a:t>
             </a:r>
@@ -10748,6 +10630,9 @@
               </a:rPr>
               <a:t>.</a:t>
             </a:r>
+            <a:endParaRPr lang="en-US" sz="2800" dirty="0" smtClean="0">
+              <a:latin typeface="Book Antiqua" panose="02040602050305030304" pitchFamily="18" charset="0"/>
+            </a:endParaRPr>
           </a:p>
         </p:txBody>
       </p:sp>
@@ -10768,8 +10653,6 @@
           <a:p>
             <a:fld id="{3F22444B-AD59-459C-8316-D24326876BE4}" type="slidenum">
               <a:rPr lang="en-US" smtClean="0"/>
-              <a:pPr/>
-              <a:t>36</a:t>
             </a:fld>
             <a:endParaRPr lang="en-US"/>
           </a:p>
@@ -10799,11 +10682,6 @@
         </p:txBody>
       </p:sp>
     </p:spTree>
-    <p:extLst>
-      <p:ext uri="{BB962C8B-B14F-4D97-AF65-F5344CB8AC3E}">
-        <p14:creationId xmlns:p14="http://schemas.microsoft.com/office/powerpoint/2010/main" val="2017193986"/>
-      </p:ext>
-    </p:extLst>
   </p:cSld>
   <p:clrMapOvr>
     <a:masterClrMapping/>
@@ -10855,12 +10733,12 @@
           <a:p>
             <a:r>
               <a:rPr lang="en-US" b="1" dirty="0" smtClean="0">
-                <a:latin typeface="Book Antiqua" pitchFamily="18" charset="0"/>
+                <a:latin typeface="Book Antiqua" panose="02040602050305030304" pitchFamily="18" charset="0"/>
               </a:rPr>
               <a:t>Model Selection</a:t>
             </a:r>
             <a:endParaRPr lang="en-US" b="1" dirty="0">
-              <a:latin typeface="Book Antiqua" pitchFamily="18" charset="0"/>
+              <a:latin typeface="Book Antiqua" panose="02040602050305030304" pitchFamily="18" charset="0"/>
             </a:endParaRPr>
           </a:p>
         </p:txBody>
@@ -10924,6 +10802,9 @@
               </a:rPr>
               <a:t>performance metric. </a:t>
             </a:r>
+            <a:endParaRPr lang="en-US" sz="2800" dirty="0" smtClean="0">
+              <a:latin typeface="Book Antiqua" panose="02040602050305030304" pitchFamily="18" charset="0"/>
+            </a:endParaRPr>
           </a:p>
           <a:p>
             <a:pPr algn="just"/>
@@ -10950,8 +10831,6 @@
           <a:p>
             <a:fld id="{3F22444B-AD59-459C-8316-D24326876BE4}" type="slidenum">
               <a:rPr lang="en-US" smtClean="0"/>
-              <a:pPr/>
-              <a:t>37</a:t>
             </a:fld>
             <a:endParaRPr lang="en-US"/>
           </a:p>
@@ -10981,11 +10860,6 @@
         </p:txBody>
       </p:sp>
     </p:spTree>
-    <p:extLst>
-      <p:ext uri="{BB962C8B-B14F-4D97-AF65-F5344CB8AC3E}">
-        <p14:creationId xmlns:p14="http://schemas.microsoft.com/office/powerpoint/2010/main" val="4156414772"/>
-      </p:ext>
-    </p:extLst>
   </p:cSld>
   <p:clrMapOvr>
     <a:masterClrMapping/>
@@ -11037,12 +10911,12 @@
           <a:p>
             <a:r>
               <a:rPr lang="en-US" b="1" dirty="0" smtClean="0">
-                <a:latin typeface="Book Antiqua" pitchFamily="18" charset="0"/>
+                <a:latin typeface="Book Antiqua" panose="02040602050305030304" pitchFamily="18" charset="0"/>
               </a:rPr>
               <a:t>Model Evaluation</a:t>
             </a:r>
             <a:endParaRPr lang="en-US" b="1" dirty="0">
-              <a:latin typeface="Book Antiqua" pitchFamily="18" charset="0"/>
+              <a:latin typeface="Book Antiqua" panose="02040602050305030304" pitchFamily="18" charset="0"/>
             </a:endParaRPr>
           </a:p>
         </p:txBody>
@@ -11092,37 +10966,49 @@
             <a:pPr algn="just"/>
             <a:r>
               <a:rPr lang="en-US" sz="2800" dirty="0" smtClean="0">
-                <a:latin typeface="Book Antiqua" pitchFamily="18" charset="0"/>
+                <a:latin typeface="Book Antiqua" panose="02040602050305030304" pitchFamily="18" charset="0"/>
               </a:rPr>
               <a:t>Accuracy</a:t>
             </a:r>
+            <a:endParaRPr lang="en-US" sz="2800" dirty="0" smtClean="0">
+              <a:latin typeface="Book Antiqua" panose="02040602050305030304" pitchFamily="18" charset="0"/>
+            </a:endParaRPr>
           </a:p>
           <a:p>
             <a:pPr algn="just"/>
             <a:r>
               <a:rPr lang="en-US" sz="2800" dirty="0" smtClean="0">
-                <a:latin typeface="Book Antiqua" pitchFamily="18" charset="0"/>
+                <a:latin typeface="Book Antiqua" panose="02040602050305030304" pitchFamily="18" charset="0"/>
               </a:rPr>
               <a:t>Recall</a:t>
             </a:r>
+            <a:endParaRPr lang="en-US" sz="2800" dirty="0" smtClean="0">
+              <a:latin typeface="Book Antiqua" panose="02040602050305030304" pitchFamily="18" charset="0"/>
+            </a:endParaRPr>
           </a:p>
           <a:p>
             <a:pPr algn="just"/>
             <a:r>
               <a:rPr lang="en-US" sz="2800" dirty="0" smtClean="0">
-                <a:latin typeface="Book Antiqua" pitchFamily="18" charset="0"/>
+                <a:latin typeface="Book Antiqua" panose="02040602050305030304" pitchFamily="18" charset="0"/>
               </a:rPr>
               <a:t>Precision</a:t>
             </a:r>
+            <a:endParaRPr lang="en-US" sz="2800" dirty="0" smtClean="0">
+              <a:latin typeface="Book Antiqua" panose="02040602050305030304" pitchFamily="18" charset="0"/>
+            </a:endParaRPr>
           </a:p>
           <a:p>
             <a:pPr algn="just"/>
             <a:r>
               <a:rPr lang="en-US" sz="2800" dirty="0" smtClean="0">
-                <a:latin typeface="Book Antiqua" pitchFamily="18" charset="0"/>
+                <a:latin typeface="Book Antiqua" panose="02040602050305030304" pitchFamily="18" charset="0"/>
               </a:rPr>
               <a:t>F1-score</a:t>
             </a:r>
+            <a:endParaRPr lang="en-US" sz="2800" dirty="0" smtClean="0">
+              <a:latin typeface="Book Antiqua" panose="02040602050305030304" pitchFamily="18" charset="0"/>
+            </a:endParaRPr>
           </a:p>
           <a:p>
             <a:pPr marL="0" indent="0" algn="just">
@@ -11130,30 +11016,36 @@
             </a:pPr>
             <a:r>
               <a:rPr lang="en-US" sz="2800" i="1" dirty="0" smtClean="0">
-                <a:latin typeface="Book Antiqua" pitchFamily="18" charset="0"/>
+                <a:latin typeface="Book Antiqua" panose="02040602050305030304" pitchFamily="18" charset="0"/>
               </a:rPr>
               <a:t>	Already </a:t>
             </a:r>
             <a:r>
               <a:rPr lang="en-US" sz="2800" i="1" dirty="0">
-                <a:latin typeface="Book Antiqua" pitchFamily="18" charset="0"/>
+                <a:latin typeface="Book Antiqua" panose="02040602050305030304" pitchFamily="18" charset="0"/>
               </a:rPr>
               <a:t>Discussed</a:t>
             </a:r>
+            <a:endParaRPr lang="en-US" sz="2800" i="1" dirty="0">
+              <a:latin typeface="Book Antiqua" panose="02040602050305030304" pitchFamily="18" charset="0"/>
+            </a:endParaRPr>
           </a:p>
           <a:p>
             <a:pPr algn="just"/>
             <a:r>
               <a:rPr lang="en-US" sz="2800" dirty="0">
-                <a:latin typeface="Book Antiqua" pitchFamily="18" charset="0"/>
+                <a:latin typeface="Book Antiqua" panose="02040602050305030304" pitchFamily="18" charset="0"/>
               </a:rPr>
               <a:t>Sensitivity-Specificity Metrics</a:t>
             </a:r>
+            <a:endParaRPr lang="en-US" sz="2800" dirty="0">
+              <a:latin typeface="Book Antiqua" panose="02040602050305030304" pitchFamily="18" charset="0"/>
+            </a:endParaRPr>
           </a:p>
           <a:p>
             <a:pPr algn="just"/>
             <a:endParaRPr lang="en-US" sz="2800" dirty="0" smtClean="0">
-              <a:latin typeface="Book Antiqua" pitchFamily="18" charset="0"/>
+              <a:latin typeface="Book Antiqua" panose="02040602050305030304" pitchFamily="18" charset="0"/>
             </a:endParaRPr>
           </a:p>
           <a:p>
@@ -11162,12 +11054,12 @@
             </a:pPr>
             <a:r>
               <a:rPr lang="en-US" sz="2800" i="1" dirty="0" smtClean="0">
-                <a:latin typeface="Book Antiqua" pitchFamily="18" charset="0"/>
+                <a:latin typeface="Book Antiqua" panose="02040602050305030304" pitchFamily="18" charset="0"/>
               </a:rPr>
               <a:t>	</a:t>
             </a:r>
             <a:endParaRPr lang="en-US" sz="2800" i="1" dirty="0">
-              <a:latin typeface="Book Antiqua" pitchFamily="18" charset="0"/>
+              <a:latin typeface="Book Antiqua" panose="02040602050305030304" pitchFamily="18" charset="0"/>
             </a:endParaRPr>
           </a:p>
         </p:txBody>
@@ -11189,8 +11081,6 @@
           <a:p>
             <a:fld id="{3F22444B-AD59-459C-8316-D24326876BE4}" type="slidenum">
               <a:rPr lang="en-US" smtClean="0"/>
-              <a:pPr/>
-              <a:t>4</a:t>
             </a:fld>
             <a:endParaRPr lang="en-US"/>
           </a:p>
@@ -11220,11 +11110,6 @@
         </p:txBody>
       </p:sp>
     </p:spTree>
-    <p:extLst>
-      <p:ext uri="{BB962C8B-B14F-4D97-AF65-F5344CB8AC3E}">
-        <p14:creationId xmlns:p14="http://schemas.microsoft.com/office/powerpoint/2010/main" val="3491883060"/>
-      </p:ext>
-    </p:extLst>
   </p:cSld>
   <p:clrMapOvr>
     <a:masterClrMapping/>
@@ -11276,12 +11161,12 @@
           <a:p>
             <a:r>
               <a:rPr lang="en-US" b="1" dirty="0" smtClean="0">
-                <a:latin typeface="Book Antiqua" pitchFamily="18" charset="0"/>
+                <a:latin typeface="Book Antiqua" panose="02040602050305030304" pitchFamily="18" charset="0"/>
               </a:rPr>
               <a:t>Model Evaluation</a:t>
             </a:r>
             <a:endParaRPr lang="en-US" b="1" dirty="0">
-              <a:latin typeface="Book Antiqua" pitchFamily="18" charset="0"/>
+              <a:latin typeface="Book Antiqua" panose="02040602050305030304" pitchFamily="18" charset="0"/>
             </a:endParaRPr>
           </a:p>
         </p:txBody>
@@ -11323,6 +11208,9 @@
               </a:rPr>
               <a:t>Metrics</a:t>
             </a:r>
+            <a:endParaRPr lang="en-US" sz="2800" b="1" dirty="0" smtClean="0">
+              <a:latin typeface="Book Antiqua" panose="02040602050305030304" pitchFamily="18" charset="0"/>
+            </a:endParaRPr>
           </a:p>
           <a:p>
             <a:pPr algn="just"/>
@@ -11344,6 +11232,9 @@
               </a:rPr>
               <a:t>.</a:t>
             </a:r>
+            <a:endParaRPr lang="en-US" sz="2800" dirty="0" smtClean="0">
+              <a:latin typeface="Book Antiqua" panose="02040602050305030304" pitchFamily="18" charset="0"/>
+            </a:endParaRPr>
           </a:p>
           <a:p>
             <a:pPr algn="just"/>
@@ -11365,6 +11256,9 @@
               </a:rPr>
               <a:t>is a popular metric for imbalanced classification.</a:t>
             </a:r>
+            <a:endParaRPr lang="en-US" sz="2800" dirty="0">
+              <a:latin typeface="Book Antiqua" panose="02040602050305030304" pitchFamily="18" charset="0"/>
+            </a:endParaRPr>
           </a:p>
         </p:txBody>
       </p:sp>
@@ -11385,8 +11279,6 @@
           <a:p>
             <a:fld id="{3F22444B-AD59-459C-8316-D24326876BE4}" type="slidenum">
               <a:rPr lang="en-US" smtClean="0"/>
-              <a:pPr/>
-              <a:t>5</a:t>
             </a:fld>
             <a:endParaRPr lang="en-US"/>
           </a:p>
@@ -11416,11 +11308,6 @@
         </p:txBody>
       </p:sp>
     </p:spTree>
-    <p:extLst>
-      <p:ext uri="{BB962C8B-B14F-4D97-AF65-F5344CB8AC3E}">
-        <p14:creationId xmlns:p14="http://schemas.microsoft.com/office/powerpoint/2010/main" val="1296694213"/>
-      </p:ext>
-    </p:extLst>
   </p:cSld>
   <p:clrMapOvr>
     <a:masterClrMapping/>
@@ -11472,12 +11359,12 @@
           <a:p>
             <a:r>
               <a:rPr lang="en-US" b="1" dirty="0" smtClean="0">
-                <a:latin typeface="Book Antiqua" pitchFamily="18" charset="0"/>
+                <a:latin typeface="Book Antiqua" panose="02040602050305030304" pitchFamily="18" charset="0"/>
               </a:rPr>
               <a:t>Model Evaluation</a:t>
             </a:r>
             <a:endParaRPr lang="en-US" b="1" dirty="0">
-              <a:latin typeface="Book Antiqua" pitchFamily="18" charset="0"/>
+              <a:latin typeface="Book Antiqua" panose="02040602050305030304" pitchFamily="18" charset="0"/>
             </a:endParaRPr>
           </a:p>
         </p:txBody>
@@ -11513,6 +11400,9 @@
               </a:rPr>
               <a:t>Sensitivity-Specificity Metrics</a:t>
             </a:r>
+            <a:endParaRPr lang="en-US" sz="2800" b="1" dirty="0">
+              <a:latin typeface="Book Antiqua" panose="02040602050305030304" pitchFamily="18" charset="0"/>
+            </a:endParaRPr>
           </a:p>
           <a:p>
             <a:pPr algn="just" fontAlgn="base"/>
@@ -11522,6 +11412,9 @@
               </a:rPr>
               <a:t>Sensitivity refers to the true positive rate and summarizes how well the positive class was predicted.</a:t>
             </a:r>
+            <a:endParaRPr lang="en-US" sz="2800" dirty="0">
+              <a:latin typeface="Book Antiqua" panose="02040602050305030304" pitchFamily="18" charset="0"/>
+            </a:endParaRPr>
           </a:p>
           <a:p>
             <a:pPr marL="0" indent="0" algn="just" fontAlgn="base">
@@ -11593,6 +11486,9 @@
               </a:rPr>
               <a:t>how well the negative class was predicted.</a:t>
             </a:r>
+            <a:endParaRPr lang="en-US" sz="2800" dirty="0">
+              <a:latin typeface="Book Antiqua" panose="02040602050305030304" pitchFamily="18" charset="0"/>
+            </a:endParaRPr>
           </a:p>
           <a:p>
             <a:pPr marL="0" indent="0" algn="just" fontAlgn="base">
@@ -11669,8 +11565,6 @@
           <a:p>
             <a:fld id="{3F22444B-AD59-459C-8316-D24326876BE4}" type="slidenum">
               <a:rPr lang="en-US" smtClean="0"/>
-              <a:pPr/>
-              <a:t>6</a:t>
             </a:fld>
             <a:endParaRPr lang="en-US"/>
           </a:p>
@@ -11700,11 +11594,6 @@
         </p:txBody>
       </p:sp>
     </p:spTree>
-    <p:extLst>
-      <p:ext uri="{BB962C8B-B14F-4D97-AF65-F5344CB8AC3E}">
-        <p14:creationId xmlns:p14="http://schemas.microsoft.com/office/powerpoint/2010/main" val="394206730"/>
-      </p:ext>
-    </p:extLst>
   </p:cSld>
   <p:clrMapOvr>
     <a:masterClrMapping/>
@@ -11756,12 +11645,12 @@
           <a:p>
             <a:r>
               <a:rPr lang="en-US" b="1" dirty="0" smtClean="0">
-                <a:latin typeface="Book Antiqua" pitchFamily="18" charset="0"/>
+                <a:latin typeface="Book Antiqua" panose="02040602050305030304" pitchFamily="18" charset="0"/>
               </a:rPr>
               <a:t>Model Evaluation</a:t>
             </a:r>
             <a:endParaRPr lang="en-US" b="1" dirty="0">
-              <a:latin typeface="Book Antiqua" pitchFamily="18" charset="0"/>
+              <a:latin typeface="Book Antiqua" panose="02040602050305030304" pitchFamily="18" charset="0"/>
             </a:endParaRPr>
           </a:p>
         </p:txBody>
@@ -11797,6 +11686,9 @@
               </a:rPr>
               <a:t>ROC Curve</a:t>
             </a:r>
+            <a:endParaRPr lang="en-US" sz="2800" b="1" dirty="0" smtClean="0">
+              <a:latin typeface="Book Antiqua" panose="02040602050305030304" pitchFamily="18" charset="0"/>
+            </a:endParaRPr>
           </a:p>
           <a:p>
             <a:pPr algn="just"/>
@@ -11854,6 +11746,9 @@
               </a:rPr>
               <a:t>. ROC stand for receiver operating characteristics.</a:t>
             </a:r>
+            <a:endParaRPr lang="en-US" sz="2800" dirty="0" smtClean="0">
+              <a:latin typeface="Book Antiqua" panose="02040602050305030304" pitchFamily="18" charset="0"/>
+            </a:endParaRPr>
           </a:p>
           <a:p>
             <a:pPr algn="just"/>
@@ -11863,6 +11758,9 @@
               </a:rPr>
               <a:t>True positive rate is also called and recall and is give by:</a:t>
             </a:r>
+            <a:endParaRPr lang="en-US" sz="2800" dirty="0" smtClean="0">
+              <a:latin typeface="Book Antiqua" panose="02040602050305030304" pitchFamily="18" charset="0"/>
+            </a:endParaRPr>
           </a:p>
           <a:p>
             <a:pPr algn="just"/>
@@ -11873,7 +11771,7 @@
           <a:p>
             <a:pPr algn="just"/>
             <a:endParaRPr lang="en-US" sz="2800" i="1" dirty="0">
-              <a:latin typeface="Book Antiqua" pitchFamily="18" charset="0"/>
+              <a:latin typeface="Book Antiqua" panose="02040602050305030304" pitchFamily="18" charset="0"/>
             </a:endParaRPr>
           </a:p>
         </p:txBody>
@@ -11895,8 +11793,6 @@
           <a:p>
             <a:fld id="{3F22444B-AD59-459C-8316-D24326876BE4}" type="slidenum">
               <a:rPr lang="en-US" smtClean="0"/>
-              <a:pPr/>
-              <a:t>7</a:t>
             </a:fld>
             <a:endParaRPr lang="en-US"/>
           </a:p>
@@ -11931,13 +11827,7 @@
           <p:cNvGraphicFramePr>
             <a:graphicFrameLocks noChangeAspect="1"/>
           </p:cNvGraphicFramePr>
-          <p:nvPr>
-            <p:extLst>
-              <p:ext uri="{D42A27DB-BD31-4B8C-83A1-F6EECF244321}">
-                <p14:modId xmlns:p14="http://schemas.microsoft.com/office/powerpoint/2010/main" val="34695759"/>
-              </p:ext>
-            </p:extLst>
-          </p:nvPr>
+          <p:nvPr/>
         </p:nvGraphicFramePr>
         <p:xfrm>
           <a:off x="1371599" y="4411662"/>
@@ -11947,21 +11837,21 @@
           <a:graphicData uri="http://schemas.openxmlformats.org/presentationml/2006/ole">
             <mc:AlternateContent xmlns:mc="http://schemas.openxmlformats.org/markup-compatibility/2006">
               <mc:Choice xmlns:v="urn:schemas-microsoft-com:vml" Requires="v">
-                <p:oleObj spid="_x0000_s194646" name="Equation" r:id="rId3" imgW="2984400" imgH="393480" progId="Equation.3">
+                <p:oleObj spid="_x0000_s194646" name="Equation" r:id="rId1" imgW="71628000" imgH="9448800" progId="Equation.3">
                   <p:embed/>
                 </p:oleObj>
               </mc:Choice>
               <mc:Fallback>
-                <p:oleObj name="Equation" r:id="rId3" imgW="2984400" imgH="393480" progId="Equation.3">
+                <p:oleObj name="Equation" r:id="rId1" imgW="71628000" imgH="9448800" progId="Equation.3">
                   <p:embed/>
                   <p:pic>
                     <p:nvPicPr>
-                      <p:cNvPr id="0" name=""/>
+                      <p:cNvPr id="0" name="Picture 194645"/>
                       <p:cNvPicPr/>
                       <p:nvPr/>
                     </p:nvPicPr>
                     <p:blipFill>
-                      <a:blip r:embed="rId4"/>
+                      <a:blip r:embed="rId2"/>
                       <a:stretch>
                         <a:fillRect/>
                       </a:stretch>
@@ -11988,13 +11878,7 @@
           <p:cNvGraphicFramePr>
             <a:graphicFrameLocks noChangeAspect="1"/>
           </p:cNvGraphicFramePr>
-          <p:nvPr>
-            <p:extLst>
-              <p:ext uri="{D42A27DB-BD31-4B8C-83A1-F6EECF244321}">
-                <p14:modId xmlns:p14="http://schemas.microsoft.com/office/powerpoint/2010/main" val="1174826732"/>
-              </p:ext>
-            </p:extLst>
-          </p:nvPr>
+          <p:nvPr/>
         </p:nvGraphicFramePr>
         <p:xfrm>
           <a:off x="1371599" y="5295900"/>
@@ -12004,21 +11888,21 @@
           <a:graphicData uri="http://schemas.openxmlformats.org/presentationml/2006/ole">
             <mc:AlternateContent xmlns:mc="http://schemas.openxmlformats.org/markup-compatibility/2006">
               <mc:Choice xmlns:v="urn:schemas-microsoft-com:vml" Requires="v">
-                <p:oleObj spid="_x0000_s194647" name="Equation" r:id="rId5" imgW="2857320" imgH="393480" progId="Equation.3">
+                <p:oleObj spid="_x0000_s194647" name="Equation" r:id="rId3" imgW="68580000" imgH="9448800" progId="Equation.3">
                   <p:embed/>
                 </p:oleObj>
               </mc:Choice>
               <mc:Fallback>
-                <p:oleObj name="Equation" r:id="rId5" imgW="2857320" imgH="393480" progId="Equation.3">
+                <p:oleObj name="Equation" r:id="rId3" imgW="68580000" imgH="9448800" progId="Equation.3">
                   <p:embed/>
                   <p:pic>
                     <p:nvPicPr>
-                      <p:cNvPr id="0" name=""/>
+                      <p:cNvPr id="0" name="Picture 194646"/>
                       <p:cNvPicPr/>
                       <p:nvPr/>
                     </p:nvPicPr>
                     <p:blipFill>
-                      <a:blip r:embed="rId6"/>
+                      <a:blip r:embed="rId4"/>
                       <a:stretch>
                         <a:fillRect/>
                       </a:stretch>
@@ -12040,11 +11924,6 @@
         </a:graphic>
       </p:graphicFrame>
     </p:spTree>
-    <p:extLst>
-      <p:ext uri="{BB962C8B-B14F-4D97-AF65-F5344CB8AC3E}">
-        <p14:creationId xmlns:p14="http://schemas.microsoft.com/office/powerpoint/2010/main" val="2394059421"/>
-      </p:ext>
-    </p:extLst>
   </p:cSld>
   <p:clrMapOvr>
     <a:masterClrMapping/>
@@ -12086,7 +11965,7 @@
           <p:nvPr/>
         </p:nvPicPr>
         <p:blipFill>
-          <a:blip r:embed="rId2"/>
+          <a:blip r:embed="rId1"/>
           <a:stretch>
             <a:fillRect/>
           </a:stretch>
@@ -12120,12 +11999,12 @@
           <a:p>
             <a:r>
               <a:rPr lang="en-US" b="1" dirty="0" smtClean="0">
-                <a:latin typeface="Book Antiqua" pitchFamily="18" charset="0"/>
+                <a:latin typeface="Book Antiqua" panose="02040602050305030304" pitchFamily="18" charset="0"/>
               </a:rPr>
               <a:t>Model Evaluation</a:t>
             </a:r>
             <a:endParaRPr lang="en-US" b="1" dirty="0">
-              <a:latin typeface="Book Antiqua" pitchFamily="18" charset="0"/>
+              <a:latin typeface="Book Antiqua" panose="02040602050305030304" pitchFamily="18" charset="0"/>
             </a:endParaRPr>
           </a:p>
         </p:txBody>
@@ -12161,6 +12040,9 @@
               </a:rPr>
               <a:t>ROC Curve</a:t>
             </a:r>
+            <a:endParaRPr lang="en-US" sz="2800" b="1" dirty="0" smtClean="0">
+              <a:latin typeface="Book Antiqua" panose="02040602050305030304" pitchFamily="18" charset="0"/>
+            </a:endParaRPr>
           </a:p>
           <a:p>
             <a:pPr algn="just"/>
@@ -12200,6 +12082,9 @@
               </a:rPr>
               <a:t>the better is the model performance. </a:t>
             </a:r>
+            <a:endParaRPr lang="en-US" sz="2800" dirty="0">
+              <a:latin typeface="Book Antiqua" panose="02040602050305030304" pitchFamily="18" charset="0"/>
+            </a:endParaRPr>
           </a:p>
           <a:p>
             <a:pPr algn="just"/>
@@ -12209,11 +12094,14 @@
               </a:rPr>
               <a:t>If the curve is somewhere near the 50% diagonal line, it suggests that the model randomly predicts the output variable.</a:t>
             </a:r>
+            <a:endParaRPr lang="en-US" sz="2800" dirty="0">
+              <a:latin typeface="Book Antiqua" panose="02040602050305030304" pitchFamily="18" charset="0"/>
+            </a:endParaRPr>
           </a:p>
           <a:p>
             <a:pPr algn="just"/>
             <a:endParaRPr lang="en-US" sz="2800" i="1" dirty="0">
-              <a:latin typeface="Book Antiqua" pitchFamily="18" charset="0"/>
+              <a:latin typeface="Book Antiqua" panose="02040602050305030304" pitchFamily="18" charset="0"/>
             </a:endParaRPr>
           </a:p>
         </p:txBody>
@@ -12235,8 +12123,6 @@
           <a:p>
             <a:fld id="{3F22444B-AD59-459C-8316-D24326876BE4}" type="slidenum">
               <a:rPr lang="en-US" smtClean="0"/>
-              <a:pPr/>
-              <a:t>8</a:t>
             </a:fld>
             <a:endParaRPr lang="en-US"/>
           </a:p>
@@ -12266,11 +12152,6 @@
         </p:txBody>
       </p:sp>
     </p:spTree>
-    <p:extLst>
-      <p:ext uri="{BB962C8B-B14F-4D97-AF65-F5344CB8AC3E}">
-        <p14:creationId xmlns:p14="http://schemas.microsoft.com/office/powerpoint/2010/main" val="3145384315"/>
-      </p:ext>
-    </p:extLst>
   </p:cSld>
   <p:clrMapOvr>
     <a:masterClrMapping/>
@@ -12322,12 +12203,12 @@
           <a:p>
             <a:r>
               <a:rPr lang="en-US" b="1" dirty="0" smtClean="0">
-                <a:latin typeface="Book Antiqua" pitchFamily="18" charset="0"/>
+                <a:latin typeface="Book Antiqua" panose="02040602050305030304" pitchFamily="18" charset="0"/>
               </a:rPr>
               <a:t>Model Evaluation</a:t>
             </a:r>
             <a:endParaRPr lang="en-US" b="1" dirty="0">
-              <a:latin typeface="Book Antiqua" pitchFamily="18" charset="0"/>
+              <a:latin typeface="Book Antiqua" panose="02040602050305030304" pitchFamily="18" charset="0"/>
             </a:endParaRPr>
           </a:p>
         </p:txBody>
@@ -12363,6 +12244,9 @@
               </a:rPr>
               <a:t>Log Loss</a:t>
             </a:r>
+            <a:endParaRPr lang="en-US" sz="2800" b="1" dirty="0">
+              <a:latin typeface="Book Antiqua" panose="02040602050305030304" pitchFamily="18" charset="0"/>
+            </a:endParaRPr>
           </a:p>
           <a:p>
             <a:pPr algn="just"/>
@@ -12372,6 +12256,9 @@
               </a:rPr>
               <a:t>Log loss is a very effective classification metric and is equivalent to -1* log (likelihood function) where the likelihood function suggests how likely the model thinks the observed set of outcomes was. </a:t>
             </a:r>
+            <a:endParaRPr lang="en-US" sz="3000" dirty="0">
+              <a:latin typeface="Book Antiqua" panose="02040602050305030304" pitchFamily="18" charset="0"/>
+            </a:endParaRPr>
           </a:p>
           <a:p>
             <a:pPr algn="just"/>
@@ -12388,7 +12275,7 @@
               <a:t>.</a:t>
             </a:r>
             <a:endParaRPr lang="en-US" sz="2800" i="1" dirty="0">
-              <a:latin typeface="Book Antiqua" pitchFamily="18" charset="0"/>
+              <a:latin typeface="Book Antiqua" panose="02040602050305030304" pitchFamily="18" charset="0"/>
             </a:endParaRPr>
           </a:p>
         </p:txBody>
@@ -12410,8 +12297,6 @@
           <a:p>
             <a:fld id="{3F22444B-AD59-459C-8316-D24326876BE4}" type="slidenum">
               <a:rPr lang="en-US" smtClean="0"/>
-              <a:pPr/>
-              <a:t>9</a:t>
             </a:fld>
             <a:endParaRPr lang="en-US"/>
           </a:p>
@@ -12441,11 +12326,6 @@
         </p:txBody>
       </p:sp>
     </p:spTree>
-    <p:extLst>
-      <p:ext uri="{BB962C8B-B14F-4D97-AF65-F5344CB8AC3E}">
-        <p14:creationId xmlns:p14="http://schemas.microsoft.com/office/powerpoint/2010/main" val="3696028893"/>
-      </p:ext>
-    </p:extLst>
   </p:cSld>
   <p:clrMapOvr>
     <a:masterClrMapping/>
@@ -12739,8 +12619,11 @@
       </a:bgFillStyleLst>
     </a:fmtScheme>
   </a:themeElements>
-  <a:objectDefaults/>
-  <a:extraClrSchemeLst/>
+  <a:extLst>
+    <a:ext uri="{05A4C25C-085E-4340-85A3-A5531E510DB2}">
+      <thm15:themeFamily xmlns:thm15="http://schemas.microsoft.com/office/thememl/2012/main" name="Office Theme" id="{62F939B6-93AF-4DB8-9C6B-D6C7DFDC589F}" vid="{4A3C46E8-61CC-4603-A589-7422A47A8E4A}"/>
+    </a:ext>
+  </a:extLst>
 </a:theme>
 </file>
 
@@ -13022,184 +12905,10 @@
       </a:bgFillStyleLst>
     </a:fmtScheme>
   </a:themeElements>
-  <a:objectDefaults/>
-  <a:extraClrSchemeLst/>
+  <a:extLst>
+    <a:ext uri="{05A4C25C-085E-4340-85A3-A5531E510DB2}">
+      <thm15:themeFamily xmlns:thm15="http://schemas.microsoft.com/office/thememl/2012/main" name="Office Theme" id="{62F939B6-93AF-4DB8-9C6B-D6C7DFDC589F}" vid="{4A3C46E8-61CC-4603-A589-7422A47A8E4A}"/>
+    </a:ext>
+  </a:extLst>
 </a:theme>
-</file>
-
-<file path=customXml/item1.xml><?xml version="1.0" encoding="utf-8"?>
-<ct:contentTypeSchema xmlns:ct="http://schemas.microsoft.com/office/2006/metadata/contentType" xmlns:ma="http://schemas.microsoft.com/office/2006/metadata/properties/metaAttributes" ct:_="" ma:_="" ma:contentTypeName="Document" ma:contentTypeID="0x0101006892BAB336DB7848856AFD65EED22058" ma:contentTypeVersion="5" ma:contentTypeDescription="Create a new document." ma:contentTypeScope="" ma:versionID="7239054cb2ec1da7e3791d05a24b8d7d">
-  <xsd:schema xmlns:xsd="http://www.w3.org/2001/XMLSchema" xmlns:xs="http://www.w3.org/2001/XMLSchema" xmlns:p="http://schemas.microsoft.com/office/2006/metadata/properties" xmlns:ns2="92d0325d-af91-4c33-9b95-b452fdb524d7" targetNamespace="http://schemas.microsoft.com/office/2006/metadata/properties" ma:root="true" ma:fieldsID="2e8b2514ff88e97fb969f6a41b40be9c" ns2:_="">
-    <xsd:import namespace="92d0325d-af91-4c33-9b95-b452fdb524d7"/>
-    <xsd:element name="properties">
-      <xsd:complexType>
-        <xsd:sequence>
-          <xsd:element name="documentManagement">
-            <xsd:complexType>
-              <xsd:all>
-                <xsd:element ref="ns2:MediaServiceMetadata" minOccurs="0"/>
-                <xsd:element ref="ns2:MediaServiceFastMetadata" minOccurs="0"/>
-                <xsd:element ref="ns2:MediaServiceDateTaken" minOccurs="0"/>
-                <xsd:element ref="ns2:MediaLengthInSeconds" minOccurs="0"/>
-                <xsd:element ref="ns2:MediaServiceAutoTags" minOccurs="0"/>
-              </xsd:all>
-            </xsd:complexType>
-          </xsd:element>
-        </xsd:sequence>
-      </xsd:complexType>
-    </xsd:element>
-  </xsd:schema>
-  <xsd:schema xmlns:xsd="http://www.w3.org/2001/XMLSchema" xmlns:xs="http://www.w3.org/2001/XMLSchema" xmlns:dms="http://schemas.microsoft.com/office/2006/documentManagement/types" xmlns:pc="http://schemas.microsoft.com/office/infopath/2007/PartnerControls" targetNamespace="92d0325d-af91-4c33-9b95-b452fdb524d7" elementFormDefault="qualified">
-    <xsd:import namespace="http://schemas.microsoft.com/office/2006/documentManagement/types"/>
-    <xsd:import namespace="http://schemas.microsoft.com/office/infopath/2007/PartnerControls"/>
-    <xsd:element name="MediaServiceMetadata" ma:index="8" nillable="true" ma:displayName="MediaServiceMetadata" ma:hidden="true" ma:internalName="MediaServiceMetadata" ma:readOnly="true">
-      <xsd:simpleType>
-        <xsd:restriction base="dms:Note"/>
-      </xsd:simpleType>
-    </xsd:element>
-    <xsd:element name="MediaServiceFastMetadata" ma:index="9" nillable="true" ma:displayName="MediaServiceFastMetadata" ma:hidden="true" ma:internalName="MediaServiceFastMetadata" ma:readOnly="true">
-      <xsd:simpleType>
-        <xsd:restriction base="dms:Note"/>
-      </xsd:simpleType>
-    </xsd:element>
-    <xsd:element name="MediaServiceDateTaken" ma:index="10" nillable="true" ma:displayName="MediaServiceDateTaken" ma:hidden="true" ma:internalName="MediaServiceDateTaken" ma:readOnly="true">
-      <xsd:simpleType>
-        <xsd:restriction base="dms:Text"/>
-      </xsd:simpleType>
-    </xsd:element>
-    <xsd:element name="MediaLengthInSeconds" ma:index="11" nillable="true" ma:displayName="Length (seconds)" ma:internalName="MediaLengthInSeconds" ma:readOnly="true">
-      <xsd:simpleType>
-        <xsd:restriction base="dms:Unknown"/>
-      </xsd:simpleType>
-    </xsd:element>
-    <xsd:element name="MediaServiceAutoTags" ma:index="12" nillable="true" ma:displayName="Tags" ma:internalName="MediaServiceAutoTags" ma:readOnly="true">
-      <xsd:simpleType>
-        <xsd:restriction base="dms:Text"/>
-      </xsd:simpleType>
-    </xsd:element>
-  </xsd:schema>
-  <xsd:schema xmlns="http://schemas.openxmlformats.org/package/2006/metadata/core-properties" xmlns:xsd="http://www.w3.org/2001/XMLSchema" xmlns:xsi="http://www.w3.org/2001/XMLSchema-instance" xmlns:dc="http://purl.org/dc/elements/1.1/" xmlns:dcterms="http://purl.org/dc/terms/" xmlns:odoc="http://schemas.microsoft.com/internal/obd" targetNamespace="http://schemas.openxmlformats.org/package/2006/metadata/core-properties" elementFormDefault="qualified" attributeFormDefault="unqualified" blockDefault="#all">
-    <xsd:import namespace="http://purl.org/dc/elements/1.1/" schemaLocation="http://dublincore.org/schemas/xmls/qdc/2003/04/02/dc.xsd"/>
-    <xsd:import namespace="http://purl.org/dc/terms/" schemaLocation="http://dublincore.org/schemas/xmls/qdc/2003/04/02/dcterms.xsd"/>
-    <xsd:element name="coreProperties" type="CT_coreProperties"/>
-    <xsd:complexType name="CT_coreProperties">
-      <xsd:all>
-        <xsd:element ref="dc:creator" minOccurs="0" maxOccurs="1"/>
-        <xsd:element ref="dcterms:created" minOccurs="0" maxOccurs="1"/>
-        <xsd:element ref="dc:identifier" minOccurs="0" maxOccurs="1"/>
-        <xsd:element name="contentType" minOccurs="0" maxOccurs="1" type="xsd:string" ma:index="0" ma:displayName="Content Type"/>
-        <xsd:element ref="dc:title" minOccurs="0" maxOccurs="1" ma:index="4" ma:displayName="Title"/>
-        <xsd:element ref="dc:subject" minOccurs="0" maxOccurs="1"/>
-        <xsd:element ref="dc:description" minOccurs="0" maxOccurs="1"/>
-        <xsd:element name="keywords" minOccurs="0" maxOccurs="1" type="xsd:string"/>
-        <xsd:element ref="dc:language" minOccurs="0" maxOccurs="1"/>
-        <xsd:element name="category" minOccurs="0" maxOccurs="1" type="xsd:string"/>
-        <xsd:element name="version" minOccurs="0" maxOccurs="1" type="xsd:string"/>
-        <xsd:element name="revision" minOccurs="0" maxOccurs="1" type="xsd:string">
-          <xsd:annotation>
-            <xsd:documentation>
-                        This value indicates the number of saves or revisions. The application is responsible for updating this value after each revision.
-                    </xsd:documentation>
-          </xsd:annotation>
-        </xsd:element>
-        <xsd:element name="lastModifiedBy" minOccurs="0" maxOccurs="1" type="xsd:string"/>
-        <xsd:element ref="dcterms:modified" minOccurs="0" maxOccurs="1"/>
-        <xsd:element name="contentStatus" minOccurs="0" maxOccurs="1" type="xsd:string"/>
-      </xsd:all>
-    </xsd:complexType>
-  </xsd:schema>
-  <xs:schema xmlns:pc="http://schemas.microsoft.com/office/infopath/2007/PartnerControls" xmlns:xs="http://www.w3.org/2001/XMLSchema" targetNamespace="http://schemas.microsoft.com/office/infopath/2007/PartnerControls" elementFormDefault="qualified" attributeFormDefault="unqualified">
-    <xs:element name="Person">
-      <xs:complexType>
-        <xs:sequence>
-          <xs:element ref="pc:DisplayName" minOccurs="0"/>
-          <xs:element ref="pc:AccountId" minOccurs="0"/>
-          <xs:element ref="pc:AccountType" minOccurs="0"/>
-        </xs:sequence>
-      </xs:complexType>
-    </xs:element>
-    <xs:element name="DisplayName" type="xs:string"/>
-    <xs:element name="AccountId" type="xs:string"/>
-    <xs:element name="AccountType" type="xs:string"/>
-    <xs:element name="BDCAssociatedEntity">
-      <xs:complexType>
-        <xs:sequence>
-          <xs:element ref="pc:BDCEntity" minOccurs="0" maxOccurs="unbounded"/>
-        </xs:sequence>
-        <xs:attribute ref="pc:EntityNamespace"/>
-        <xs:attribute ref="pc:EntityName"/>
-        <xs:attribute ref="pc:SystemInstanceName"/>
-        <xs:attribute ref="pc:AssociationName"/>
-      </xs:complexType>
-    </xs:element>
-    <xs:attribute name="EntityNamespace" type="xs:string"/>
-    <xs:attribute name="EntityName" type="xs:string"/>
-    <xs:attribute name="SystemInstanceName" type="xs:string"/>
-    <xs:attribute name="AssociationName" type="xs:string"/>
-    <xs:element name="BDCEntity">
-      <xs:complexType>
-        <xs:sequence>
-          <xs:element ref="pc:EntityDisplayName" minOccurs="0"/>
-          <xs:element ref="pc:EntityInstanceReference" minOccurs="0"/>
-          <xs:element ref="pc:EntityId1" minOccurs="0"/>
-          <xs:element ref="pc:EntityId2" minOccurs="0"/>
-          <xs:element ref="pc:EntityId3" minOccurs="0"/>
-          <xs:element ref="pc:EntityId4" minOccurs="0"/>
-          <xs:element ref="pc:EntityId5" minOccurs="0"/>
-        </xs:sequence>
-      </xs:complexType>
-    </xs:element>
-    <xs:element name="EntityDisplayName" type="xs:string"/>
-    <xs:element name="EntityInstanceReference" type="xs:string"/>
-    <xs:element name="EntityId1" type="xs:string"/>
-    <xs:element name="EntityId2" type="xs:string"/>
-    <xs:element name="EntityId3" type="xs:string"/>
-    <xs:element name="EntityId4" type="xs:string"/>
-    <xs:element name="EntityId5" type="xs:string"/>
-    <xs:element name="Terms">
-      <xs:complexType>
-        <xs:sequence>
-          <xs:element ref="pc:TermInfo" minOccurs="0" maxOccurs="unbounded"/>
-        </xs:sequence>
-      </xs:complexType>
-    </xs:element>
-    <xs:element name="TermInfo">
-      <xs:complexType>
-        <xs:sequence>
-          <xs:element ref="pc:TermName" minOccurs="0"/>
-          <xs:element ref="pc:TermId" minOccurs="0"/>
-        </xs:sequence>
-      </xs:complexType>
-    </xs:element>
-    <xs:element name="TermName" type="xs:string"/>
-    <xs:element name="TermId" type="xs:string"/>
-  </xs:schema>
-</ct:contentTypeSchema>
-</file>
-
-<file path=customXml/item2.xml><?xml version="1.0" encoding="utf-8"?>
-<?mso-contentType ?>
-<FormTemplates xmlns="http://schemas.microsoft.com/sharepoint/v3/contenttype/forms">
-  <Display>DocumentLibraryForm</Display>
-  <Edit>DocumentLibraryForm</Edit>
-  <New>DocumentLibraryForm</New>
-</FormTemplates>
-</file>
-
-<file path=customXml/item3.xml><?xml version="1.0" encoding="utf-8"?>
-<p:properties xmlns:p="http://schemas.microsoft.com/office/2006/metadata/properties" xmlns:xsi="http://www.w3.org/2001/XMLSchema-instance" xmlns:pc="http://schemas.microsoft.com/office/infopath/2007/PartnerControls">
-  <documentManagement/>
-</p:properties>
-</file>
-
-<file path=customXml/itemProps1.xml><?xml version="1.0" encoding="utf-8"?>
-<ds:datastoreItem xmlns:ds="http://schemas.openxmlformats.org/officeDocument/2006/customXml" ds:itemID="{B8CBEC11-B687-4B0A-9442-22A4F819B367}"/>
-</file>
-
-<file path=customXml/itemProps2.xml><?xml version="1.0" encoding="utf-8"?>
-<ds:datastoreItem xmlns:ds="http://schemas.openxmlformats.org/officeDocument/2006/customXml" ds:itemID="{09435F13-F7C0-4575-98F8-0EB7935FA977}"/>
-</file>
-
-<file path=customXml/itemProps3.xml><?xml version="1.0" encoding="utf-8"?>
-<ds:datastoreItem xmlns:ds="http://schemas.openxmlformats.org/officeDocument/2006/customXml" ds:itemID="{E9EFC68E-7C1E-4BE5-89D4-E1C9670FD2AD}"/>
 </file>